--- a/Automatizované testovanie.pptx
+++ b/Automatizované testovanie.pptx
@@ -5,7 +5,7 @@
     <p:sldMasterId id="2147483648" r:id="rId1"/>
   </p:sldMasterIdLst>
   <p:notesMasterIdLst>
-    <p:notesMasterId r:id="rId59"/>
+    <p:notesMasterId r:id="rId58"/>
   </p:notesMasterIdLst>
   <p:sldIdLst>
     <p:sldId id="320" r:id="rId2"/>
@@ -21,50 +21,49 @@
     <p:sldId id="286" r:id="rId12"/>
     <p:sldId id="287" r:id="rId13"/>
     <p:sldId id="288" r:id="rId14"/>
-    <p:sldId id="262" r:id="rId15"/>
-    <p:sldId id="289" r:id="rId16"/>
-    <p:sldId id="290" r:id="rId17"/>
+    <p:sldId id="290" r:id="rId15"/>
+    <p:sldId id="262" r:id="rId16"/>
+    <p:sldId id="289" r:id="rId17"/>
     <p:sldId id="291" r:id="rId18"/>
     <p:sldId id="265" r:id="rId19"/>
     <p:sldId id="266" r:id="rId20"/>
     <p:sldId id="267" r:id="rId21"/>
-    <p:sldId id="292" r:id="rId22"/>
-    <p:sldId id="302" r:id="rId23"/>
-    <p:sldId id="297" r:id="rId24"/>
-    <p:sldId id="298" r:id="rId25"/>
-    <p:sldId id="299" r:id="rId26"/>
-    <p:sldId id="300" r:id="rId27"/>
-    <p:sldId id="301" r:id="rId28"/>
-    <p:sldId id="256" r:id="rId29"/>
-    <p:sldId id="306" r:id="rId30"/>
-    <p:sldId id="307" r:id="rId31"/>
-    <p:sldId id="308" r:id="rId32"/>
-    <p:sldId id="309" r:id="rId33"/>
-    <p:sldId id="310" r:id="rId34"/>
-    <p:sldId id="311" r:id="rId35"/>
-    <p:sldId id="312" r:id="rId36"/>
-    <p:sldId id="314" r:id="rId37"/>
-    <p:sldId id="315" r:id="rId38"/>
-    <p:sldId id="304" r:id="rId39"/>
-    <p:sldId id="257" r:id="rId40"/>
-    <p:sldId id="258" r:id="rId41"/>
-    <p:sldId id="260" r:id="rId42"/>
-    <p:sldId id="259" r:id="rId43"/>
-    <p:sldId id="261" r:id="rId44"/>
-    <p:sldId id="269" r:id="rId45"/>
-    <p:sldId id="270" r:id="rId46"/>
-    <p:sldId id="271" r:id="rId47"/>
-    <p:sldId id="272" r:id="rId48"/>
-    <p:sldId id="273" r:id="rId49"/>
-    <p:sldId id="274" r:id="rId50"/>
-    <p:sldId id="263" r:id="rId51"/>
-    <p:sldId id="264" r:id="rId52"/>
-    <p:sldId id="275" r:id="rId53"/>
-    <p:sldId id="276" r:id="rId54"/>
-    <p:sldId id="277" r:id="rId55"/>
-    <p:sldId id="278" r:id="rId56"/>
-    <p:sldId id="295" r:id="rId57"/>
-    <p:sldId id="303" r:id="rId58"/>
+    <p:sldId id="302" r:id="rId22"/>
+    <p:sldId id="297" r:id="rId23"/>
+    <p:sldId id="298" r:id="rId24"/>
+    <p:sldId id="299" r:id="rId25"/>
+    <p:sldId id="300" r:id="rId26"/>
+    <p:sldId id="301" r:id="rId27"/>
+    <p:sldId id="256" r:id="rId28"/>
+    <p:sldId id="306" r:id="rId29"/>
+    <p:sldId id="307" r:id="rId30"/>
+    <p:sldId id="308" r:id="rId31"/>
+    <p:sldId id="309" r:id="rId32"/>
+    <p:sldId id="310" r:id="rId33"/>
+    <p:sldId id="311" r:id="rId34"/>
+    <p:sldId id="312" r:id="rId35"/>
+    <p:sldId id="314" r:id="rId36"/>
+    <p:sldId id="315" r:id="rId37"/>
+    <p:sldId id="304" r:id="rId38"/>
+    <p:sldId id="257" r:id="rId39"/>
+    <p:sldId id="258" r:id="rId40"/>
+    <p:sldId id="260" r:id="rId41"/>
+    <p:sldId id="259" r:id="rId42"/>
+    <p:sldId id="261" r:id="rId43"/>
+    <p:sldId id="269" r:id="rId44"/>
+    <p:sldId id="270" r:id="rId45"/>
+    <p:sldId id="271" r:id="rId46"/>
+    <p:sldId id="272" r:id="rId47"/>
+    <p:sldId id="273" r:id="rId48"/>
+    <p:sldId id="274" r:id="rId49"/>
+    <p:sldId id="263" r:id="rId50"/>
+    <p:sldId id="264" r:id="rId51"/>
+    <p:sldId id="275" r:id="rId52"/>
+    <p:sldId id="276" r:id="rId53"/>
+    <p:sldId id="277" r:id="rId54"/>
+    <p:sldId id="278" r:id="rId55"/>
+    <p:sldId id="295" r:id="rId56"/>
+    <p:sldId id="303" r:id="rId57"/>
   </p:sldIdLst>
   <p:sldSz cx="12192000" cy="6858000"/>
   <p:notesSz cx="6858000" cy="9144000"/>
@@ -17502,7 +17501,7 @@
           <p:cNvPr id="2" name="Nadpis 1">
             <a:extLst>
               <a:ext uri="{FF2B5EF4-FFF2-40B4-BE49-F238E27FC236}">
-                <a16:creationId xmlns:a16="http://schemas.microsoft.com/office/drawing/2014/main" id="{C48B300E-7D69-77A4-EB94-D1CBCEBC037E}"/>
+                <a16:creationId xmlns:a16="http://schemas.microsoft.com/office/drawing/2014/main" id="{C6D67CD9-D481-2164-7360-CD5EA21A9A6E}"/>
               </a:ext>
             </a:extLst>
           </p:cNvPr>
@@ -17526,12 +17525,12 @@
           <a:lstStyle/>
           <a:p>
             <a:r>
-              <a:rPr lang="sk-SK" b="1">
+              <a:rPr lang="sk-SK" b="1" dirty="0">
                 <a:solidFill>
                   <a:srgbClr val="FFFFFF"/>
                 </a:solidFill>
               </a:rPr>
-              <a:t>Najpoužívanejšie JUnit anotácie</a:t>
+              <a:t>Príklad unit testovania</a:t>
             </a:r>
           </a:p>
         </p:txBody>
@@ -17541,7 +17540,7 @@
           <p:cNvPr id="3" name="Zástupný objekt pre obsah 2">
             <a:extLst>
               <a:ext uri="{FF2B5EF4-FFF2-40B4-BE49-F238E27FC236}">
-                <a16:creationId xmlns:a16="http://schemas.microsoft.com/office/drawing/2014/main" id="{3ABC6049-2D3A-F06E-2D5D-DD1ABF51D83A}"/>
+                <a16:creationId xmlns:a16="http://schemas.microsoft.com/office/drawing/2014/main" id="{F2C2421C-AC05-9A5E-A46F-9844EC065CE4}"/>
               </a:ext>
             </a:extLst>
           </p:cNvPr>
@@ -17564,92 +17563,28 @@
           </a:bodyPr>
           <a:lstStyle/>
           <a:p>
-            <a:pPr marL="342900" lvl="0" indent="-342900">
-              <a:buFont typeface="Symbol" panose="05050102010706020507" pitchFamily="18" charset="2"/>
-              <a:buChar char=""/>
+            <a:pPr marL="0" indent="0">
+              <a:buNone/>
             </a:pPr>
             <a:r>
-              <a:rPr lang="sk-SK" sz="2000">
+              <a:rPr lang="sk-SK" sz="2400">
                 <a:effectLst/>
                 <a:latin typeface="Calibri" panose="020F0502020204030204" pitchFamily="34" charset="0"/>
                 <a:ea typeface="Calibri" panose="020F0502020204030204" pitchFamily="34" charset="0"/>
                 <a:cs typeface="Times New Roman" panose="02020603050405020304" pitchFamily="18" charset="0"/>
               </a:rPr>
-              <a:t>@Test – Táto anotácia označuje, že metóda je testovacia metóda.</a:t>
-            </a:r>
-          </a:p>
-          <a:p>
-            <a:pPr marL="342900" lvl="0" indent="-342900">
-              <a:buFont typeface="Symbol" panose="05050102010706020507" pitchFamily="18" charset="2"/>
-              <a:buChar char=""/>
-            </a:pPr>
-            <a:r>
-              <a:rPr lang="sk-SK" sz="2000">
-                <a:effectLst/>
-                <a:latin typeface="Calibri" panose="020F0502020204030204" pitchFamily="34" charset="0"/>
-                <a:ea typeface="Calibri" panose="020F0502020204030204" pitchFamily="34" charset="0"/>
-                <a:cs typeface="Times New Roman" panose="02020603050405020304" pitchFamily="18" charset="0"/>
-              </a:rPr>
-              <a:t>@ParametrizedTest - Parametrizované testy umožňujú spustiť test viackrát s rôznymi argumentami. Okrem toho je nutné deklarovať aspoň jeden zdroj, ktorý bude poskytovať argumenty pre každé volanie testu a potom tieto argumenty použiť v testovacej metóde.</a:t>
-            </a:r>
-          </a:p>
-          <a:p>
-            <a:pPr marL="342900" lvl="0" indent="-342900">
-              <a:buFont typeface="Symbol" panose="05050102010706020507" pitchFamily="18" charset="2"/>
-              <a:buChar char=""/>
-            </a:pPr>
-            <a:r>
-              <a:rPr lang="sk-SK" sz="2000">
-                <a:effectLst/>
-                <a:latin typeface="Calibri" panose="020F0502020204030204" pitchFamily="34" charset="0"/>
-                <a:ea typeface="Calibri" panose="020F0502020204030204" pitchFamily="34" charset="0"/>
-                <a:cs typeface="Times New Roman" panose="02020603050405020304" pitchFamily="18" charset="0"/>
-              </a:rPr>
-              <a:t>@ValueSource – Anotácia špecifikukuje zdroj argumentov pre parametrizované testy.</a:t>
-            </a:r>
-          </a:p>
-          <a:p>
-            <a:pPr marL="342900" lvl="0" indent="-342900">
-              <a:buFont typeface="Symbol" panose="05050102010706020507" pitchFamily="18" charset="2"/>
-              <a:buChar char=""/>
-            </a:pPr>
-            <a:r>
-              <a:rPr lang="sk-SK" sz="2000">
-                <a:effectLst/>
-                <a:latin typeface="Calibri" panose="020F0502020204030204" pitchFamily="34" charset="0"/>
-                <a:ea typeface="Calibri" panose="020F0502020204030204" pitchFamily="34" charset="0"/>
-                <a:cs typeface="Times New Roman" panose="02020603050405020304" pitchFamily="18" charset="0"/>
-              </a:rPr>
-              <a:t>@RepeatedTest - Zopakujte test špecifikovaním celkového počtu požadovaných opakovaní.</a:t>
-            </a:r>
-          </a:p>
-          <a:p>
-            <a:pPr marL="342900" lvl="0" indent="-342900">
-              <a:buFont typeface="Symbol" panose="05050102010706020507" pitchFamily="18" charset="2"/>
-              <a:buChar char=""/>
-            </a:pPr>
-            <a:r>
-              <a:rPr lang="en-US" sz="2000">
-                <a:effectLst/>
-                <a:latin typeface="Calibri" panose="020F0502020204030204" pitchFamily="34" charset="0"/>
-                <a:ea typeface="Calibri" panose="020F0502020204030204" pitchFamily="34" charset="0"/>
-                <a:cs typeface="Times New Roman" panose="02020603050405020304" pitchFamily="18" charset="0"/>
-              </a:rPr>
-              <a:t>@DisplayName - Testovacie triedy a testovacie metódy môžu deklarovať vlastné názvy, ktoré budú zobrazované test runnermi a v test reportoch.</a:t>
-            </a:r>
-            <a:endParaRPr lang="sk-SK" sz="2000">
-              <a:effectLst/>
-              <a:latin typeface="Calibri" panose="020F0502020204030204" pitchFamily="34" charset="0"/>
-              <a:ea typeface="Calibri" panose="020F0502020204030204" pitchFamily="34" charset="0"/>
-              <a:cs typeface="Times New Roman" panose="02020603050405020304" pitchFamily="18" charset="0"/>
-            </a:endParaRPr>
+              <a:t>Pre ukážku unit testovania v jave použijem knižnicu JUnit 5. Je to najpoužívanejší java framework pre unit testovanie. Pravidlá spúšťania testov definujeme pomocou anotácií a samotné testy vyhodnocujeme pomocou funkcií z triedy Assertions.</a:t>
+            </a:r>
+          </a:p>
+          <a:p>
+            <a:endParaRPr lang="sk-SK" sz="2400"/>
           </a:p>
         </p:txBody>
       </p:sp>
     </p:spTree>
     <p:extLst>
       <p:ext uri="{BB962C8B-B14F-4D97-AF65-F5344CB8AC3E}">
-        <p14:creationId xmlns:p14="http://schemas.microsoft.com/office/powerpoint/2010/main" val="4104309259"/>
+        <p14:creationId xmlns:p14="http://schemas.microsoft.com/office/powerpoint/2010/main" val="209640787"/>
       </p:ext>
     </p:extLst>
   </p:cSld>
@@ -18263,13 +18198,13 @@
         </p:nvSpPr>
         <p:spPr>
           <a:xfrm>
-            <a:off x="1678514" y="2733999"/>
+            <a:off x="1367624" y="2490436"/>
             <a:ext cx="9708995" cy="3567173"/>
           </a:xfrm>
         </p:spPr>
         <p:txBody>
           <a:bodyPr anchor="ctr">
-            <a:noAutofit/>
+            <a:normAutofit/>
           </a:bodyPr>
           <a:lstStyle/>
           <a:p>
@@ -18278,444 +18213,87 @@
               <a:buChar char=""/>
             </a:pPr>
             <a:r>
-              <a:rPr lang="en-US" sz="2000" dirty="0">
+              <a:rPr lang="sk-SK" sz="2000">
                 <a:effectLst/>
                 <a:latin typeface="Calibri" panose="020F0502020204030204" pitchFamily="34" charset="0"/>
                 <a:ea typeface="Calibri" panose="020F0502020204030204" pitchFamily="34" charset="0"/>
                 <a:cs typeface="Times New Roman" panose="02020603050405020304" pitchFamily="18" charset="0"/>
               </a:rPr>
-              <a:t>@BeforeEach - </a:t>
-            </a:r>
-            <a:r>
-              <a:rPr lang="en-US" sz="2000" dirty="0" err="1">
+              <a:t>@Test – Táto anotácia označuje, že metóda je testovacia metóda.</a:t>
+            </a:r>
+          </a:p>
+          <a:p>
+            <a:pPr marL="342900" lvl="0" indent="-342900">
+              <a:buFont typeface="Symbol" panose="05050102010706020507" pitchFamily="18" charset="2"/>
+              <a:buChar char=""/>
+            </a:pPr>
+            <a:r>
+              <a:rPr lang="sk-SK" sz="2000">
                 <a:effectLst/>
                 <a:latin typeface="Calibri" panose="020F0502020204030204" pitchFamily="34" charset="0"/>
                 <a:ea typeface="Calibri" panose="020F0502020204030204" pitchFamily="34" charset="0"/>
                 <a:cs typeface="Times New Roman" panose="02020603050405020304" pitchFamily="18" charset="0"/>
               </a:rPr>
-              <a:t>Označuje</a:t>
-            </a:r>
-            <a:r>
-              <a:rPr lang="en-US" sz="2000" dirty="0">
+              <a:t>@ParametrizedTest - Parametrizované testy umožňujú spustiť test viackrát s rôznymi argumentami. Okrem toho je nutné deklarovať aspoň jeden zdroj, ktorý bude poskytovať argumenty pre každé volanie testu a potom tieto argumenty použiť v testovacej metóde.</a:t>
+            </a:r>
+          </a:p>
+          <a:p>
+            <a:pPr marL="342900" lvl="0" indent="-342900">
+              <a:buFont typeface="Symbol" panose="05050102010706020507" pitchFamily="18" charset="2"/>
+              <a:buChar char=""/>
+            </a:pPr>
+            <a:r>
+              <a:rPr lang="sk-SK" sz="2000">
                 <a:effectLst/>
                 <a:latin typeface="Calibri" panose="020F0502020204030204" pitchFamily="34" charset="0"/>
                 <a:ea typeface="Calibri" panose="020F0502020204030204" pitchFamily="34" charset="0"/>
                 <a:cs typeface="Times New Roman" panose="02020603050405020304" pitchFamily="18" charset="0"/>
               </a:rPr>
-              <a:t>, </a:t>
-            </a:r>
-            <a:r>
-              <a:rPr lang="en-US" sz="2000" dirty="0" err="1">
+              <a:t>@ValueSource – Anotácia špecifikukuje zdroj argumentov pre parametrizované testy.</a:t>
+            </a:r>
+          </a:p>
+          <a:p>
+            <a:pPr marL="342900" lvl="0" indent="-342900">
+              <a:buFont typeface="Symbol" panose="05050102010706020507" pitchFamily="18" charset="2"/>
+              <a:buChar char=""/>
+            </a:pPr>
+            <a:r>
+              <a:rPr lang="sk-SK" sz="2000">
                 <a:effectLst/>
                 <a:latin typeface="Calibri" panose="020F0502020204030204" pitchFamily="34" charset="0"/>
                 <a:ea typeface="Calibri" panose="020F0502020204030204" pitchFamily="34" charset="0"/>
                 <a:cs typeface="Times New Roman" panose="02020603050405020304" pitchFamily="18" charset="0"/>
               </a:rPr>
-              <a:t>že</a:t>
-            </a:r>
-            <a:r>
-              <a:rPr lang="en-US" sz="2000" dirty="0">
+              <a:t>@RepeatedTest - Zopakujte test špecifikovaním celkového počtu požadovaných opakovaní.</a:t>
+            </a:r>
+          </a:p>
+          <a:p>
+            <a:pPr marL="342900" lvl="0" indent="-342900">
+              <a:buFont typeface="Symbol" panose="05050102010706020507" pitchFamily="18" charset="2"/>
+              <a:buChar char=""/>
+            </a:pPr>
+            <a:r>
+              <a:rPr lang="en-US" sz="2000">
                 <a:effectLst/>
                 <a:latin typeface="Calibri" panose="020F0502020204030204" pitchFamily="34" charset="0"/>
                 <a:ea typeface="Calibri" panose="020F0502020204030204" pitchFamily="34" charset="0"/>
                 <a:cs typeface="Times New Roman" panose="02020603050405020304" pitchFamily="18" charset="0"/>
               </a:rPr>
-              <a:t> </a:t>
-            </a:r>
-            <a:r>
-              <a:rPr lang="en-US" sz="2000" dirty="0" err="1">
-                <a:effectLst/>
-                <a:latin typeface="Calibri" panose="020F0502020204030204" pitchFamily="34" charset="0"/>
-                <a:ea typeface="Calibri" panose="020F0502020204030204" pitchFamily="34" charset="0"/>
-                <a:cs typeface="Times New Roman" panose="02020603050405020304" pitchFamily="18" charset="0"/>
-              </a:rPr>
-              <a:t>anotovaná</a:t>
-            </a:r>
-            <a:r>
-              <a:rPr lang="en-US" sz="2000" dirty="0">
-                <a:effectLst/>
-                <a:latin typeface="Calibri" panose="020F0502020204030204" pitchFamily="34" charset="0"/>
-                <a:ea typeface="Calibri" panose="020F0502020204030204" pitchFamily="34" charset="0"/>
-                <a:cs typeface="Times New Roman" panose="02020603050405020304" pitchFamily="18" charset="0"/>
-              </a:rPr>
-              <a:t> </a:t>
-            </a:r>
-            <a:r>
-              <a:rPr lang="en-US" sz="2000" dirty="0" err="1">
-                <a:effectLst/>
-                <a:latin typeface="Calibri" panose="020F0502020204030204" pitchFamily="34" charset="0"/>
-                <a:ea typeface="Calibri" panose="020F0502020204030204" pitchFamily="34" charset="0"/>
-                <a:cs typeface="Times New Roman" panose="02020603050405020304" pitchFamily="18" charset="0"/>
-              </a:rPr>
-              <a:t>metóda</a:t>
-            </a:r>
-            <a:r>
-              <a:rPr lang="en-US" sz="2000" dirty="0">
-                <a:effectLst/>
-                <a:latin typeface="Calibri" panose="020F0502020204030204" pitchFamily="34" charset="0"/>
-                <a:ea typeface="Calibri" panose="020F0502020204030204" pitchFamily="34" charset="0"/>
-                <a:cs typeface="Times New Roman" panose="02020603050405020304" pitchFamily="18" charset="0"/>
-              </a:rPr>
-              <a:t> by </a:t>
-            </a:r>
-            <a:r>
-              <a:rPr lang="en-US" sz="2000" dirty="0" err="1">
-                <a:effectLst/>
-                <a:latin typeface="Calibri" panose="020F0502020204030204" pitchFamily="34" charset="0"/>
-                <a:ea typeface="Calibri" panose="020F0502020204030204" pitchFamily="34" charset="0"/>
-                <a:cs typeface="Times New Roman" panose="02020603050405020304" pitchFamily="18" charset="0"/>
-              </a:rPr>
-              <a:t>sa</a:t>
-            </a:r>
-            <a:r>
-              <a:rPr lang="en-US" sz="2000" dirty="0">
-                <a:effectLst/>
-                <a:latin typeface="Calibri" panose="020F0502020204030204" pitchFamily="34" charset="0"/>
-                <a:ea typeface="Calibri" panose="020F0502020204030204" pitchFamily="34" charset="0"/>
-                <a:cs typeface="Times New Roman" panose="02020603050405020304" pitchFamily="18" charset="0"/>
-              </a:rPr>
-              <a:t> mala </a:t>
-            </a:r>
-            <a:r>
-              <a:rPr lang="en-US" sz="2000" dirty="0" err="1">
-                <a:effectLst/>
-                <a:latin typeface="Calibri" panose="020F0502020204030204" pitchFamily="34" charset="0"/>
-                <a:ea typeface="Calibri" panose="020F0502020204030204" pitchFamily="34" charset="0"/>
-                <a:cs typeface="Times New Roman" panose="02020603050405020304" pitchFamily="18" charset="0"/>
-              </a:rPr>
-              <a:t>vykonať</a:t>
-            </a:r>
-            <a:r>
-              <a:rPr lang="en-US" sz="2000" dirty="0">
-                <a:effectLst/>
-                <a:latin typeface="Calibri" panose="020F0502020204030204" pitchFamily="34" charset="0"/>
-                <a:ea typeface="Calibri" panose="020F0502020204030204" pitchFamily="34" charset="0"/>
-                <a:cs typeface="Times New Roman" panose="02020603050405020304" pitchFamily="18" charset="0"/>
-              </a:rPr>
-              <a:t> pred </a:t>
-            </a:r>
-            <a:r>
-              <a:rPr lang="en-US" sz="2000" dirty="0" err="1">
-                <a:effectLst/>
-                <a:latin typeface="Calibri" panose="020F0502020204030204" pitchFamily="34" charset="0"/>
-                <a:ea typeface="Calibri" panose="020F0502020204030204" pitchFamily="34" charset="0"/>
-                <a:cs typeface="Times New Roman" panose="02020603050405020304" pitchFamily="18" charset="0"/>
-              </a:rPr>
-              <a:t>každou</a:t>
-            </a:r>
-            <a:r>
-              <a:rPr lang="en-US" sz="2000" dirty="0">
-                <a:effectLst/>
-                <a:latin typeface="Calibri" panose="020F0502020204030204" pitchFamily="34" charset="0"/>
-                <a:ea typeface="Calibri" panose="020F0502020204030204" pitchFamily="34" charset="0"/>
-                <a:cs typeface="Times New Roman" panose="02020603050405020304" pitchFamily="18" charset="0"/>
-              </a:rPr>
-              <a:t> </a:t>
-            </a:r>
-            <a:r>
-              <a:rPr lang="en-US" sz="2000" dirty="0" err="1">
-                <a:effectLst/>
-                <a:latin typeface="Calibri" panose="020F0502020204030204" pitchFamily="34" charset="0"/>
-                <a:ea typeface="Calibri" panose="020F0502020204030204" pitchFamily="34" charset="0"/>
-                <a:cs typeface="Times New Roman" panose="02020603050405020304" pitchFamily="18" charset="0"/>
-              </a:rPr>
-              <a:t>testovacou</a:t>
-            </a:r>
-            <a:r>
-              <a:rPr lang="en-US" sz="2000" dirty="0">
-                <a:effectLst/>
-                <a:latin typeface="Calibri" panose="020F0502020204030204" pitchFamily="34" charset="0"/>
-                <a:ea typeface="Calibri" panose="020F0502020204030204" pitchFamily="34" charset="0"/>
-                <a:cs typeface="Times New Roman" panose="02020603050405020304" pitchFamily="18" charset="0"/>
-              </a:rPr>
-              <a:t> </a:t>
-            </a:r>
-            <a:r>
-              <a:rPr lang="en-US" sz="2000" dirty="0" err="1">
-                <a:effectLst/>
-                <a:latin typeface="Calibri" panose="020F0502020204030204" pitchFamily="34" charset="0"/>
-                <a:ea typeface="Calibri" panose="020F0502020204030204" pitchFamily="34" charset="0"/>
-                <a:cs typeface="Times New Roman" panose="02020603050405020304" pitchFamily="18" charset="0"/>
-              </a:rPr>
-              <a:t>metódou</a:t>
-            </a:r>
-            <a:r>
-              <a:rPr lang="en-US" sz="2000" dirty="0">
-                <a:effectLst/>
-                <a:latin typeface="Calibri" panose="020F0502020204030204" pitchFamily="34" charset="0"/>
-                <a:ea typeface="Calibri" panose="020F0502020204030204" pitchFamily="34" charset="0"/>
-                <a:cs typeface="Times New Roman" panose="02020603050405020304" pitchFamily="18" charset="0"/>
-              </a:rPr>
-              <a:t>.</a:t>
-            </a:r>
-            <a:endParaRPr lang="sk-SK" sz="2000" dirty="0">
+              <a:t>@DisplayName - Testovacie triedy a testovacie metódy môžu deklarovať vlastné názvy, ktoré budú zobrazované test runnermi a v test reportoch.</a:t>
+            </a:r>
+            <a:endParaRPr lang="sk-SK" sz="2000">
               <a:effectLst/>
               <a:latin typeface="Calibri" panose="020F0502020204030204" pitchFamily="34" charset="0"/>
               <a:ea typeface="Calibri" panose="020F0502020204030204" pitchFamily="34" charset="0"/>
               <a:cs typeface="Times New Roman" panose="02020603050405020304" pitchFamily="18" charset="0"/>
             </a:endParaRPr>
           </a:p>
-          <a:p>
-            <a:pPr marL="342900" lvl="0" indent="-342900">
-              <a:buFont typeface="Symbol" panose="05050102010706020507" pitchFamily="18" charset="2"/>
-              <a:buChar char=""/>
-            </a:pPr>
-            <a:r>
-              <a:rPr lang="en-US" sz="2000" dirty="0">
-                <a:effectLst/>
-                <a:latin typeface="Calibri" panose="020F0502020204030204" pitchFamily="34" charset="0"/>
-                <a:ea typeface="Calibri" panose="020F0502020204030204" pitchFamily="34" charset="0"/>
-                <a:cs typeface="Times New Roman" panose="02020603050405020304" pitchFamily="18" charset="0"/>
-              </a:rPr>
-              <a:t>@AfterEach - </a:t>
-            </a:r>
-            <a:r>
-              <a:rPr lang="en-US" sz="2000" dirty="0" err="1">
-                <a:effectLst/>
-                <a:latin typeface="Calibri" panose="020F0502020204030204" pitchFamily="34" charset="0"/>
-                <a:ea typeface="Calibri" panose="020F0502020204030204" pitchFamily="34" charset="0"/>
-                <a:cs typeface="Times New Roman" panose="02020603050405020304" pitchFamily="18" charset="0"/>
-              </a:rPr>
-              <a:t>Označuje</a:t>
-            </a:r>
-            <a:r>
-              <a:rPr lang="en-US" sz="2000" dirty="0">
-                <a:effectLst/>
-                <a:latin typeface="Calibri" panose="020F0502020204030204" pitchFamily="34" charset="0"/>
-                <a:ea typeface="Calibri" panose="020F0502020204030204" pitchFamily="34" charset="0"/>
-                <a:cs typeface="Times New Roman" panose="02020603050405020304" pitchFamily="18" charset="0"/>
-              </a:rPr>
-              <a:t>, </a:t>
-            </a:r>
-            <a:r>
-              <a:rPr lang="en-US" sz="2000" dirty="0" err="1">
-                <a:effectLst/>
-                <a:latin typeface="Calibri" panose="020F0502020204030204" pitchFamily="34" charset="0"/>
-                <a:ea typeface="Calibri" panose="020F0502020204030204" pitchFamily="34" charset="0"/>
-                <a:cs typeface="Times New Roman" panose="02020603050405020304" pitchFamily="18" charset="0"/>
-              </a:rPr>
-              <a:t>že</a:t>
-            </a:r>
-            <a:r>
-              <a:rPr lang="en-US" sz="2000" dirty="0">
-                <a:effectLst/>
-                <a:latin typeface="Calibri" panose="020F0502020204030204" pitchFamily="34" charset="0"/>
-                <a:ea typeface="Calibri" panose="020F0502020204030204" pitchFamily="34" charset="0"/>
-                <a:cs typeface="Times New Roman" panose="02020603050405020304" pitchFamily="18" charset="0"/>
-              </a:rPr>
-              <a:t> </a:t>
-            </a:r>
-            <a:r>
-              <a:rPr lang="en-US" sz="2000" dirty="0" err="1">
-                <a:effectLst/>
-                <a:latin typeface="Calibri" panose="020F0502020204030204" pitchFamily="34" charset="0"/>
-                <a:ea typeface="Calibri" panose="020F0502020204030204" pitchFamily="34" charset="0"/>
-                <a:cs typeface="Times New Roman" panose="02020603050405020304" pitchFamily="18" charset="0"/>
-              </a:rPr>
-              <a:t>anotovaná</a:t>
-            </a:r>
-            <a:r>
-              <a:rPr lang="en-US" sz="2000" dirty="0">
-                <a:effectLst/>
-                <a:latin typeface="Calibri" panose="020F0502020204030204" pitchFamily="34" charset="0"/>
-                <a:ea typeface="Calibri" panose="020F0502020204030204" pitchFamily="34" charset="0"/>
-                <a:cs typeface="Times New Roman" panose="02020603050405020304" pitchFamily="18" charset="0"/>
-              </a:rPr>
-              <a:t> </a:t>
-            </a:r>
-            <a:r>
-              <a:rPr lang="en-US" sz="2000" dirty="0" err="1">
-                <a:effectLst/>
-                <a:latin typeface="Calibri" panose="020F0502020204030204" pitchFamily="34" charset="0"/>
-                <a:ea typeface="Calibri" panose="020F0502020204030204" pitchFamily="34" charset="0"/>
-                <a:cs typeface="Times New Roman" panose="02020603050405020304" pitchFamily="18" charset="0"/>
-              </a:rPr>
-              <a:t>metóda</a:t>
-            </a:r>
-            <a:r>
-              <a:rPr lang="en-US" sz="2000" dirty="0">
-                <a:effectLst/>
-                <a:latin typeface="Calibri" panose="020F0502020204030204" pitchFamily="34" charset="0"/>
-                <a:ea typeface="Calibri" panose="020F0502020204030204" pitchFamily="34" charset="0"/>
-                <a:cs typeface="Times New Roman" panose="02020603050405020304" pitchFamily="18" charset="0"/>
-              </a:rPr>
-              <a:t> by </a:t>
-            </a:r>
-            <a:r>
-              <a:rPr lang="en-US" sz="2000" dirty="0" err="1">
-                <a:effectLst/>
-                <a:latin typeface="Calibri" panose="020F0502020204030204" pitchFamily="34" charset="0"/>
-                <a:ea typeface="Calibri" panose="020F0502020204030204" pitchFamily="34" charset="0"/>
-                <a:cs typeface="Times New Roman" panose="02020603050405020304" pitchFamily="18" charset="0"/>
-              </a:rPr>
-              <a:t>sa</a:t>
-            </a:r>
-            <a:r>
-              <a:rPr lang="en-US" sz="2000" dirty="0">
-                <a:effectLst/>
-                <a:latin typeface="Calibri" panose="020F0502020204030204" pitchFamily="34" charset="0"/>
-                <a:ea typeface="Calibri" panose="020F0502020204030204" pitchFamily="34" charset="0"/>
-                <a:cs typeface="Times New Roman" panose="02020603050405020304" pitchFamily="18" charset="0"/>
-              </a:rPr>
-              <a:t> mala </a:t>
-            </a:r>
-            <a:r>
-              <a:rPr lang="en-US" sz="2000" dirty="0" err="1">
-                <a:effectLst/>
-                <a:latin typeface="Calibri" panose="020F0502020204030204" pitchFamily="34" charset="0"/>
-                <a:ea typeface="Calibri" panose="020F0502020204030204" pitchFamily="34" charset="0"/>
-                <a:cs typeface="Times New Roman" panose="02020603050405020304" pitchFamily="18" charset="0"/>
-              </a:rPr>
-              <a:t>vykonať</a:t>
-            </a:r>
-            <a:r>
-              <a:rPr lang="en-US" sz="2000" dirty="0">
-                <a:effectLst/>
-                <a:latin typeface="Calibri" panose="020F0502020204030204" pitchFamily="34" charset="0"/>
-                <a:ea typeface="Calibri" panose="020F0502020204030204" pitchFamily="34" charset="0"/>
-                <a:cs typeface="Times New Roman" panose="02020603050405020304" pitchFamily="18" charset="0"/>
-              </a:rPr>
-              <a:t> po </a:t>
-            </a:r>
-            <a:r>
-              <a:rPr lang="en-US" sz="2000" dirty="0" err="1">
-                <a:effectLst/>
-                <a:latin typeface="Calibri" panose="020F0502020204030204" pitchFamily="34" charset="0"/>
-                <a:ea typeface="Calibri" panose="020F0502020204030204" pitchFamily="34" charset="0"/>
-                <a:cs typeface="Times New Roman" panose="02020603050405020304" pitchFamily="18" charset="0"/>
-              </a:rPr>
-              <a:t>každej</a:t>
-            </a:r>
-            <a:r>
-              <a:rPr lang="en-US" sz="2000" dirty="0">
-                <a:effectLst/>
-                <a:latin typeface="Calibri" panose="020F0502020204030204" pitchFamily="34" charset="0"/>
-                <a:ea typeface="Calibri" panose="020F0502020204030204" pitchFamily="34" charset="0"/>
-                <a:cs typeface="Times New Roman" panose="02020603050405020304" pitchFamily="18" charset="0"/>
-              </a:rPr>
-              <a:t> </a:t>
-            </a:r>
-            <a:r>
-              <a:rPr lang="en-US" sz="2000" dirty="0" err="1">
-                <a:effectLst/>
-                <a:latin typeface="Calibri" panose="020F0502020204030204" pitchFamily="34" charset="0"/>
-                <a:ea typeface="Calibri" panose="020F0502020204030204" pitchFamily="34" charset="0"/>
-                <a:cs typeface="Times New Roman" panose="02020603050405020304" pitchFamily="18" charset="0"/>
-              </a:rPr>
-              <a:t>testovacej</a:t>
-            </a:r>
-            <a:r>
-              <a:rPr lang="en-US" sz="2000" dirty="0">
-                <a:effectLst/>
-                <a:latin typeface="Calibri" panose="020F0502020204030204" pitchFamily="34" charset="0"/>
-                <a:ea typeface="Calibri" panose="020F0502020204030204" pitchFamily="34" charset="0"/>
-                <a:cs typeface="Times New Roman" panose="02020603050405020304" pitchFamily="18" charset="0"/>
-              </a:rPr>
-              <a:t> </a:t>
-            </a:r>
-            <a:r>
-              <a:rPr lang="en-US" sz="2000" dirty="0" err="1">
-                <a:effectLst/>
-                <a:latin typeface="Calibri" panose="020F0502020204030204" pitchFamily="34" charset="0"/>
-                <a:ea typeface="Calibri" panose="020F0502020204030204" pitchFamily="34" charset="0"/>
-                <a:cs typeface="Times New Roman" panose="02020603050405020304" pitchFamily="18" charset="0"/>
-              </a:rPr>
-              <a:t>metóde</a:t>
-            </a:r>
-            <a:r>
-              <a:rPr lang="en-US" sz="2000" dirty="0">
-                <a:effectLst/>
-                <a:latin typeface="Calibri" panose="020F0502020204030204" pitchFamily="34" charset="0"/>
-                <a:ea typeface="Calibri" panose="020F0502020204030204" pitchFamily="34" charset="0"/>
-                <a:cs typeface="Times New Roman" panose="02020603050405020304" pitchFamily="18" charset="0"/>
-              </a:rPr>
-              <a:t>.</a:t>
-            </a:r>
-            <a:endParaRPr lang="sk-SK" sz="2000" dirty="0">
-              <a:effectLst/>
-              <a:latin typeface="Calibri" panose="020F0502020204030204" pitchFamily="34" charset="0"/>
-              <a:ea typeface="Calibri" panose="020F0502020204030204" pitchFamily="34" charset="0"/>
-              <a:cs typeface="Times New Roman" panose="02020603050405020304" pitchFamily="18" charset="0"/>
-            </a:endParaRPr>
-          </a:p>
-          <a:p>
-            <a:pPr marL="342900" lvl="0" indent="-342900">
-              <a:buFont typeface="Symbol" panose="05050102010706020507" pitchFamily="18" charset="2"/>
-              <a:buChar char=""/>
-            </a:pPr>
-            <a:r>
-              <a:rPr lang="sk-SK" sz="2000" dirty="0">
-                <a:effectLst/>
-                <a:latin typeface="Calibri" panose="020F0502020204030204" pitchFamily="34" charset="0"/>
-                <a:ea typeface="Calibri" panose="020F0502020204030204" pitchFamily="34" charset="0"/>
-                <a:cs typeface="Times New Roman" panose="02020603050405020304" pitchFamily="18" charset="0"/>
-              </a:rPr>
-              <a:t>@BeforeAll - Táto anotácia označuje metódu, ktorá sa vykoná raz pred všetkými testami</a:t>
-            </a:r>
-          </a:p>
-          <a:p>
-            <a:pPr marL="342900" lvl="0" indent="-342900">
-              <a:buFont typeface="Symbol" panose="05050102010706020507" pitchFamily="18" charset="2"/>
-              <a:buChar char=""/>
-            </a:pPr>
-            <a:r>
-              <a:rPr lang="sk-SK" sz="2000" dirty="0">
-                <a:effectLst/>
-                <a:latin typeface="Calibri" panose="020F0502020204030204" pitchFamily="34" charset="0"/>
-                <a:ea typeface="Calibri" panose="020F0502020204030204" pitchFamily="34" charset="0"/>
-                <a:cs typeface="Times New Roman" panose="02020603050405020304" pitchFamily="18" charset="0"/>
-              </a:rPr>
-              <a:t>@AfterAll - Táto anotácia označuje metódu, ktorá sa vykoná raz po všetkých testoch</a:t>
-            </a:r>
-          </a:p>
-          <a:p>
-            <a:pPr marL="342900" lvl="0" indent="-342900">
-              <a:buFont typeface="Symbol" panose="05050102010706020507" pitchFamily="18" charset="2"/>
-              <a:buChar char=""/>
-            </a:pPr>
-            <a:r>
-              <a:rPr lang="en-US" sz="2000" dirty="0">
-                <a:effectLst/>
-                <a:latin typeface="Calibri" panose="020F0502020204030204" pitchFamily="34" charset="0"/>
-                <a:ea typeface="Calibri" panose="020F0502020204030204" pitchFamily="34" charset="0"/>
-                <a:cs typeface="Times New Roman" panose="02020603050405020304" pitchFamily="18" charset="0"/>
-              </a:rPr>
-              <a:t>@Tag</a:t>
-            </a:r>
-            <a:r>
-              <a:rPr lang="sk-SK" sz="2000" dirty="0">
-                <a:effectLst/>
-                <a:latin typeface="Calibri" panose="020F0502020204030204" pitchFamily="34" charset="0"/>
-                <a:ea typeface="Calibri" panose="020F0502020204030204" pitchFamily="34" charset="0"/>
-                <a:cs typeface="Times New Roman" panose="02020603050405020304" pitchFamily="18" charset="0"/>
-              </a:rPr>
-              <a:t> - Túto anotáciu môžeme použiť na deklarovanie tagov pre testy či už na úrovni triedy alebo metódy. Testy potom môžeme pomocou nich filtrovať.</a:t>
-            </a:r>
-          </a:p>
-          <a:p>
-            <a:pPr marL="342900" lvl="0" indent="-342900">
-              <a:spcAft>
-                <a:spcPts val="800"/>
-              </a:spcAft>
-              <a:buFont typeface="Symbol" panose="05050102010706020507" pitchFamily="18" charset="2"/>
-              <a:buChar char=""/>
-            </a:pPr>
-            <a:r>
-              <a:rPr lang="sk-SK" sz="2000" dirty="0">
-                <a:effectLst/>
-                <a:latin typeface="Calibri" panose="020F0502020204030204" pitchFamily="34" charset="0"/>
-                <a:ea typeface="Calibri" panose="020F0502020204030204" pitchFamily="34" charset="0"/>
-                <a:cs typeface="Times New Roman" panose="02020603050405020304" pitchFamily="18" charset="0"/>
-              </a:rPr>
-              <a:t>@Disabled - Anotácia sa používa na zakázanie alebo preskočenie testov na úrovni triedy alebo metódy. Pri deklarácii na úrovni triedy sa preskočia všetky metódy @test. Keď použijeme anotáciu na úrovni metódy, preskočí sa iba anotovaná metóda.</a:t>
-            </a:r>
-          </a:p>
         </p:txBody>
       </p:sp>
     </p:spTree>
     <p:extLst>
       <p:ext uri="{BB962C8B-B14F-4D97-AF65-F5344CB8AC3E}">
-        <p14:creationId xmlns:p14="http://schemas.microsoft.com/office/powerpoint/2010/main" val="2590494394"/>
+        <p14:creationId xmlns:p14="http://schemas.microsoft.com/office/powerpoint/2010/main" val="4104309259"/>
       </p:ext>
     </p:extLst>
   </p:cSld>
@@ -19277,7 +18855,7 @@
           <p:cNvPr id="2" name="Nadpis 1">
             <a:extLst>
               <a:ext uri="{FF2B5EF4-FFF2-40B4-BE49-F238E27FC236}">
-                <a16:creationId xmlns:a16="http://schemas.microsoft.com/office/drawing/2014/main" id="{C6D67CD9-D481-2164-7360-CD5EA21A9A6E}"/>
+                <a16:creationId xmlns:a16="http://schemas.microsoft.com/office/drawing/2014/main" id="{C48B300E-7D69-77A4-EB94-D1CBCEBC037E}"/>
               </a:ext>
             </a:extLst>
           </p:cNvPr>
@@ -19301,12 +18879,12 @@
           <a:lstStyle/>
           <a:p>
             <a:r>
-              <a:rPr lang="sk-SK" b="1" dirty="0">
+              <a:rPr lang="sk-SK" b="1">
                 <a:solidFill>
                   <a:srgbClr val="FFFFFF"/>
                 </a:solidFill>
               </a:rPr>
-              <a:t>Príklad unit testovania</a:t>
+              <a:t>Najpoužívanejšie JUnit anotácie</a:t>
             </a:r>
           </a:p>
         </p:txBody>
@@ -19316,7 +18894,7 @@
           <p:cNvPr id="3" name="Zástupný objekt pre obsah 2">
             <a:extLst>
               <a:ext uri="{FF2B5EF4-FFF2-40B4-BE49-F238E27FC236}">
-                <a16:creationId xmlns:a16="http://schemas.microsoft.com/office/drawing/2014/main" id="{F2C2421C-AC05-9A5E-A46F-9844EC065CE4}"/>
+                <a16:creationId xmlns:a16="http://schemas.microsoft.com/office/drawing/2014/main" id="{3ABC6049-2D3A-F06E-2D5D-DD1ABF51D83A}"/>
               </a:ext>
             </a:extLst>
           </p:cNvPr>
@@ -19329,38 +18907,459 @@
         </p:nvSpPr>
         <p:spPr>
           <a:xfrm>
-            <a:off x="1367624" y="2490436"/>
+            <a:off x="1678514" y="2733999"/>
             <a:ext cx="9708995" cy="3567173"/>
           </a:xfrm>
         </p:spPr>
         <p:txBody>
           <a:bodyPr anchor="ctr">
-            <a:normAutofit/>
+            <a:noAutofit/>
           </a:bodyPr>
           <a:lstStyle/>
           <a:p>
-            <a:pPr marL="0" indent="0">
-              <a:buNone/>
+            <a:pPr marL="342900" lvl="0" indent="-342900">
+              <a:buFont typeface="Symbol" panose="05050102010706020507" pitchFamily="18" charset="2"/>
+              <a:buChar char=""/>
             </a:pPr>
             <a:r>
-              <a:rPr lang="sk-SK" sz="2400">
+              <a:rPr lang="en-US" sz="2000" dirty="0">
                 <a:effectLst/>
                 <a:latin typeface="Calibri" panose="020F0502020204030204" pitchFamily="34" charset="0"/>
                 <a:ea typeface="Calibri" panose="020F0502020204030204" pitchFamily="34" charset="0"/>
                 <a:cs typeface="Times New Roman" panose="02020603050405020304" pitchFamily="18" charset="0"/>
               </a:rPr>
-              <a:t>Pre ukážku unit testovania v jave použijem knižnicu JUnit 5. Je to najpoužívanejší java framework pre unit testovanie. Pravidlá spúšťania testov definujeme pomocou anotácií a samotné testy vyhodnocujeme pomocou funkcií z triedy Assertions.</a:t>
-            </a:r>
-          </a:p>
-          <a:p>
-            <a:endParaRPr lang="sk-SK" sz="2400"/>
+              <a:t>@BeforeEach - </a:t>
+            </a:r>
+            <a:r>
+              <a:rPr lang="en-US" sz="2000" dirty="0" err="1">
+                <a:effectLst/>
+                <a:latin typeface="Calibri" panose="020F0502020204030204" pitchFamily="34" charset="0"/>
+                <a:ea typeface="Calibri" panose="020F0502020204030204" pitchFamily="34" charset="0"/>
+                <a:cs typeface="Times New Roman" panose="02020603050405020304" pitchFamily="18" charset="0"/>
+              </a:rPr>
+              <a:t>Označuje</a:t>
+            </a:r>
+            <a:r>
+              <a:rPr lang="en-US" sz="2000" dirty="0">
+                <a:effectLst/>
+                <a:latin typeface="Calibri" panose="020F0502020204030204" pitchFamily="34" charset="0"/>
+                <a:ea typeface="Calibri" panose="020F0502020204030204" pitchFamily="34" charset="0"/>
+                <a:cs typeface="Times New Roman" panose="02020603050405020304" pitchFamily="18" charset="0"/>
+              </a:rPr>
+              <a:t>, </a:t>
+            </a:r>
+            <a:r>
+              <a:rPr lang="en-US" sz="2000" dirty="0" err="1">
+                <a:effectLst/>
+                <a:latin typeface="Calibri" panose="020F0502020204030204" pitchFamily="34" charset="0"/>
+                <a:ea typeface="Calibri" panose="020F0502020204030204" pitchFamily="34" charset="0"/>
+                <a:cs typeface="Times New Roman" panose="02020603050405020304" pitchFamily="18" charset="0"/>
+              </a:rPr>
+              <a:t>že</a:t>
+            </a:r>
+            <a:r>
+              <a:rPr lang="en-US" sz="2000" dirty="0">
+                <a:effectLst/>
+                <a:latin typeface="Calibri" panose="020F0502020204030204" pitchFamily="34" charset="0"/>
+                <a:ea typeface="Calibri" panose="020F0502020204030204" pitchFamily="34" charset="0"/>
+                <a:cs typeface="Times New Roman" panose="02020603050405020304" pitchFamily="18" charset="0"/>
+              </a:rPr>
+              <a:t> </a:t>
+            </a:r>
+            <a:r>
+              <a:rPr lang="en-US" sz="2000" dirty="0" err="1">
+                <a:effectLst/>
+                <a:latin typeface="Calibri" panose="020F0502020204030204" pitchFamily="34" charset="0"/>
+                <a:ea typeface="Calibri" panose="020F0502020204030204" pitchFamily="34" charset="0"/>
+                <a:cs typeface="Times New Roman" panose="02020603050405020304" pitchFamily="18" charset="0"/>
+              </a:rPr>
+              <a:t>anotovaná</a:t>
+            </a:r>
+            <a:r>
+              <a:rPr lang="en-US" sz="2000" dirty="0">
+                <a:effectLst/>
+                <a:latin typeface="Calibri" panose="020F0502020204030204" pitchFamily="34" charset="0"/>
+                <a:ea typeface="Calibri" panose="020F0502020204030204" pitchFamily="34" charset="0"/>
+                <a:cs typeface="Times New Roman" panose="02020603050405020304" pitchFamily="18" charset="0"/>
+              </a:rPr>
+              <a:t> </a:t>
+            </a:r>
+            <a:r>
+              <a:rPr lang="en-US" sz="2000" dirty="0" err="1">
+                <a:effectLst/>
+                <a:latin typeface="Calibri" panose="020F0502020204030204" pitchFamily="34" charset="0"/>
+                <a:ea typeface="Calibri" panose="020F0502020204030204" pitchFamily="34" charset="0"/>
+                <a:cs typeface="Times New Roman" panose="02020603050405020304" pitchFamily="18" charset="0"/>
+              </a:rPr>
+              <a:t>metóda</a:t>
+            </a:r>
+            <a:r>
+              <a:rPr lang="en-US" sz="2000" dirty="0">
+                <a:effectLst/>
+                <a:latin typeface="Calibri" panose="020F0502020204030204" pitchFamily="34" charset="0"/>
+                <a:ea typeface="Calibri" panose="020F0502020204030204" pitchFamily="34" charset="0"/>
+                <a:cs typeface="Times New Roman" panose="02020603050405020304" pitchFamily="18" charset="0"/>
+              </a:rPr>
+              <a:t> by </a:t>
+            </a:r>
+            <a:r>
+              <a:rPr lang="en-US" sz="2000" dirty="0" err="1">
+                <a:effectLst/>
+                <a:latin typeface="Calibri" panose="020F0502020204030204" pitchFamily="34" charset="0"/>
+                <a:ea typeface="Calibri" panose="020F0502020204030204" pitchFamily="34" charset="0"/>
+                <a:cs typeface="Times New Roman" panose="02020603050405020304" pitchFamily="18" charset="0"/>
+              </a:rPr>
+              <a:t>sa</a:t>
+            </a:r>
+            <a:r>
+              <a:rPr lang="en-US" sz="2000" dirty="0">
+                <a:effectLst/>
+                <a:latin typeface="Calibri" panose="020F0502020204030204" pitchFamily="34" charset="0"/>
+                <a:ea typeface="Calibri" panose="020F0502020204030204" pitchFamily="34" charset="0"/>
+                <a:cs typeface="Times New Roman" panose="02020603050405020304" pitchFamily="18" charset="0"/>
+              </a:rPr>
+              <a:t> mala </a:t>
+            </a:r>
+            <a:r>
+              <a:rPr lang="en-US" sz="2000" dirty="0" err="1">
+                <a:effectLst/>
+                <a:latin typeface="Calibri" panose="020F0502020204030204" pitchFamily="34" charset="0"/>
+                <a:ea typeface="Calibri" panose="020F0502020204030204" pitchFamily="34" charset="0"/>
+                <a:cs typeface="Times New Roman" panose="02020603050405020304" pitchFamily="18" charset="0"/>
+              </a:rPr>
+              <a:t>vykonať</a:t>
+            </a:r>
+            <a:r>
+              <a:rPr lang="en-US" sz="2000" dirty="0">
+                <a:effectLst/>
+                <a:latin typeface="Calibri" panose="020F0502020204030204" pitchFamily="34" charset="0"/>
+                <a:ea typeface="Calibri" panose="020F0502020204030204" pitchFamily="34" charset="0"/>
+                <a:cs typeface="Times New Roman" panose="02020603050405020304" pitchFamily="18" charset="0"/>
+              </a:rPr>
+              <a:t> pred </a:t>
+            </a:r>
+            <a:r>
+              <a:rPr lang="en-US" sz="2000" dirty="0" err="1">
+                <a:effectLst/>
+                <a:latin typeface="Calibri" panose="020F0502020204030204" pitchFamily="34" charset="0"/>
+                <a:ea typeface="Calibri" panose="020F0502020204030204" pitchFamily="34" charset="0"/>
+                <a:cs typeface="Times New Roman" panose="02020603050405020304" pitchFamily="18" charset="0"/>
+              </a:rPr>
+              <a:t>každou</a:t>
+            </a:r>
+            <a:r>
+              <a:rPr lang="en-US" sz="2000" dirty="0">
+                <a:effectLst/>
+                <a:latin typeface="Calibri" panose="020F0502020204030204" pitchFamily="34" charset="0"/>
+                <a:ea typeface="Calibri" panose="020F0502020204030204" pitchFamily="34" charset="0"/>
+                <a:cs typeface="Times New Roman" panose="02020603050405020304" pitchFamily="18" charset="0"/>
+              </a:rPr>
+              <a:t> </a:t>
+            </a:r>
+            <a:r>
+              <a:rPr lang="en-US" sz="2000" dirty="0" err="1">
+                <a:effectLst/>
+                <a:latin typeface="Calibri" panose="020F0502020204030204" pitchFamily="34" charset="0"/>
+                <a:ea typeface="Calibri" panose="020F0502020204030204" pitchFamily="34" charset="0"/>
+                <a:cs typeface="Times New Roman" panose="02020603050405020304" pitchFamily="18" charset="0"/>
+              </a:rPr>
+              <a:t>testovacou</a:t>
+            </a:r>
+            <a:r>
+              <a:rPr lang="en-US" sz="2000" dirty="0">
+                <a:effectLst/>
+                <a:latin typeface="Calibri" panose="020F0502020204030204" pitchFamily="34" charset="0"/>
+                <a:ea typeface="Calibri" panose="020F0502020204030204" pitchFamily="34" charset="0"/>
+                <a:cs typeface="Times New Roman" panose="02020603050405020304" pitchFamily="18" charset="0"/>
+              </a:rPr>
+              <a:t> </a:t>
+            </a:r>
+            <a:r>
+              <a:rPr lang="en-US" sz="2000" dirty="0" err="1">
+                <a:effectLst/>
+                <a:latin typeface="Calibri" panose="020F0502020204030204" pitchFamily="34" charset="0"/>
+                <a:ea typeface="Calibri" panose="020F0502020204030204" pitchFamily="34" charset="0"/>
+                <a:cs typeface="Times New Roman" panose="02020603050405020304" pitchFamily="18" charset="0"/>
+              </a:rPr>
+              <a:t>metódou</a:t>
+            </a:r>
+            <a:r>
+              <a:rPr lang="en-US" sz="2000" dirty="0">
+                <a:effectLst/>
+                <a:latin typeface="Calibri" panose="020F0502020204030204" pitchFamily="34" charset="0"/>
+                <a:ea typeface="Calibri" panose="020F0502020204030204" pitchFamily="34" charset="0"/>
+                <a:cs typeface="Times New Roman" panose="02020603050405020304" pitchFamily="18" charset="0"/>
+              </a:rPr>
+              <a:t>.</a:t>
+            </a:r>
+            <a:endParaRPr lang="sk-SK" sz="2000" dirty="0">
+              <a:effectLst/>
+              <a:latin typeface="Calibri" panose="020F0502020204030204" pitchFamily="34" charset="0"/>
+              <a:ea typeface="Calibri" panose="020F0502020204030204" pitchFamily="34" charset="0"/>
+              <a:cs typeface="Times New Roman" panose="02020603050405020304" pitchFamily="18" charset="0"/>
+            </a:endParaRPr>
+          </a:p>
+          <a:p>
+            <a:pPr marL="342900" lvl="0" indent="-342900">
+              <a:buFont typeface="Symbol" panose="05050102010706020507" pitchFamily="18" charset="2"/>
+              <a:buChar char=""/>
+            </a:pPr>
+            <a:r>
+              <a:rPr lang="en-US" sz="2000" dirty="0">
+                <a:effectLst/>
+                <a:latin typeface="Calibri" panose="020F0502020204030204" pitchFamily="34" charset="0"/>
+                <a:ea typeface="Calibri" panose="020F0502020204030204" pitchFamily="34" charset="0"/>
+                <a:cs typeface="Times New Roman" panose="02020603050405020304" pitchFamily="18" charset="0"/>
+              </a:rPr>
+              <a:t>@AfterEach - </a:t>
+            </a:r>
+            <a:r>
+              <a:rPr lang="en-US" sz="2000" dirty="0" err="1">
+                <a:effectLst/>
+                <a:latin typeface="Calibri" panose="020F0502020204030204" pitchFamily="34" charset="0"/>
+                <a:ea typeface="Calibri" panose="020F0502020204030204" pitchFamily="34" charset="0"/>
+                <a:cs typeface="Times New Roman" panose="02020603050405020304" pitchFamily="18" charset="0"/>
+              </a:rPr>
+              <a:t>Označuje</a:t>
+            </a:r>
+            <a:r>
+              <a:rPr lang="en-US" sz="2000" dirty="0">
+                <a:effectLst/>
+                <a:latin typeface="Calibri" panose="020F0502020204030204" pitchFamily="34" charset="0"/>
+                <a:ea typeface="Calibri" panose="020F0502020204030204" pitchFamily="34" charset="0"/>
+                <a:cs typeface="Times New Roman" panose="02020603050405020304" pitchFamily="18" charset="0"/>
+              </a:rPr>
+              <a:t>, </a:t>
+            </a:r>
+            <a:r>
+              <a:rPr lang="en-US" sz="2000" dirty="0" err="1">
+                <a:effectLst/>
+                <a:latin typeface="Calibri" panose="020F0502020204030204" pitchFamily="34" charset="0"/>
+                <a:ea typeface="Calibri" panose="020F0502020204030204" pitchFamily="34" charset="0"/>
+                <a:cs typeface="Times New Roman" panose="02020603050405020304" pitchFamily="18" charset="0"/>
+              </a:rPr>
+              <a:t>že</a:t>
+            </a:r>
+            <a:r>
+              <a:rPr lang="en-US" sz="2000" dirty="0">
+                <a:effectLst/>
+                <a:latin typeface="Calibri" panose="020F0502020204030204" pitchFamily="34" charset="0"/>
+                <a:ea typeface="Calibri" panose="020F0502020204030204" pitchFamily="34" charset="0"/>
+                <a:cs typeface="Times New Roman" panose="02020603050405020304" pitchFamily="18" charset="0"/>
+              </a:rPr>
+              <a:t> </a:t>
+            </a:r>
+            <a:r>
+              <a:rPr lang="en-US" sz="2000" dirty="0" err="1">
+                <a:effectLst/>
+                <a:latin typeface="Calibri" panose="020F0502020204030204" pitchFamily="34" charset="0"/>
+                <a:ea typeface="Calibri" panose="020F0502020204030204" pitchFamily="34" charset="0"/>
+                <a:cs typeface="Times New Roman" panose="02020603050405020304" pitchFamily="18" charset="0"/>
+              </a:rPr>
+              <a:t>anotovaná</a:t>
+            </a:r>
+            <a:r>
+              <a:rPr lang="en-US" sz="2000" dirty="0">
+                <a:effectLst/>
+                <a:latin typeface="Calibri" panose="020F0502020204030204" pitchFamily="34" charset="0"/>
+                <a:ea typeface="Calibri" panose="020F0502020204030204" pitchFamily="34" charset="0"/>
+                <a:cs typeface="Times New Roman" panose="02020603050405020304" pitchFamily="18" charset="0"/>
+              </a:rPr>
+              <a:t> </a:t>
+            </a:r>
+            <a:r>
+              <a:rPr lang="en-US" sz="2000" dirty="0" err="1">
+                <a:effectLst/>
+                <a:latin typeface="Calibri" panose="020F0502020204030204" pitchFamily="34" charset="0"/>
+                <a:ea typeface="Calibri" panose="020F0502020204030204" pitchFamily="34" charset="0"/>
+                <a:cs typeface="Times New Roman" panose="02020603050405020304" pitchFamily="18" charset="0"/>
+              </a:rPr>
+              <a:t>metóda</a:t>
+            </a:r>
+            <a:r>
+              <a:rPr lang="en-US" sz="2000" dirty="0">
+                <a:effectLst/>
+                <a:latin typeface="Calibri" panose="020F0502020204030204" pitchFamily="34" charset="0"/>
+                <a:ea typeface="Calibri" panose="020F0502020204030204" pitchFamily="34" charset="0"/>
+                <a:cs typeface="Times New Roman" panose="02020603050405020304" pitchFamily="18" charset="0"/>
+              </a:rPr>
+              <a:t> by </a:t>
+            </a:r>
+            <a:r>
+              <a:rPr lang="en-US" sz="2000" dirty="0" err="1">
+                <a:effectLst/>
+                <a:latin typeface="Calibri" panose="020F0502020204030204" pitchFamily="34" charset="0"/>
+                <a:ea typeface="Calibri" panose="020F0502020204030204" pitchFamily="34" charset="0"/>
+                <a:cs typeface="Times New Roman" panose="02020603050405020304" pitchFamily="18" charset="0"/>
+              </a:rPr>
+              <a:t>sa</a:t>
+            </a:r>
+            <a:r>
+              <a:rPr lang="en-US" sz="2000" dirty="0">
+                <a:effectLst/>
+                <a:latin typeface="Calibri" panose="020F0502020204030204" pitchFamily="34" charset="0"/>
+                <a:ea typeface="Calibri" panose="020F0502020204030204" pitchFamily="34" charset="0"/>
+                <a:cs typeface="Times New Roman" panose="02020603050405020304" pitchFamily="18" charset="0"/>
+              </a:rPr>
+              <a:t> mala </a:t>
+            </a:r>
+            <a:r>
+              <a:rPr lang="en-US" sz="2000" dirty="0" err="1">
+                <a:effectLst/>
+                <a:latin typeface="Calibri" panose="020F0502020204030204" pitchFamily="34" charset="0"/>
+                <a:ea typeface="Calibri" panose="020F0502020204030204" pitchFamily="34" charset="0"/>
+                <a:cs typeface="Times New Roman" panose="02020603050405020304" pitchFamily="18" charset="0"/>
+              </a:rPr>
+              <a:t>vykonať</a:t>
+            </a:r>
+            <a:r>
+              <a:rPr lang="en-US" sz="2000" dirty="0">
+                <a:effectLst/>
+                <a:latin typeface="Calibri" panose="020F0502020204030204" pitchFamily="34" charset="0"/>
+                <a:ea typeface="Calibri" panose="020F0502020204030204" pitchFamily="34" charset="0"/>
+                <a:cs typeface="Times New Roman" panose="02020603050405020304" pitchFamily="18" charset="0"/>
+              </a:rPr>
+              <a:t> po </a:t>
+            </a:r>
+            <a:r>
+              <a:rPr lang="en-US" sz="2000" dirty="0" err="1">
+                <a:effectLst/>
+                <a:latin typeface="Calibri" panose="020F0502020204030204" pitchFamily="34" charset="0"/>
+                <a:ea typeface="Calibri" panose="020F0502020204030204" pitchFamily="34" charset="0"/>
+                <a:cs typeface="Times New Roman" panose="02020603050405020304" pitchFamily="18" charset="0"/>
+              </a:rPr>
+              <a:t>každej</a:t>
+            </a:r>
+            <a:r>
+              <a:rPr lang="en-US" sz="2000" dirty="0">
+                <a:effectLst/>
+                <a:latin typeface="Calibri" panose="020F0502020204030204" pitchFamily="34" charset="0"/>
+                <a:ea typeface="Calibri" panose="020F0502020204030204" pitchFamily="34" charset="0"/>
+                <a:cs typeface="Times New Roman" panose="02020603050405020304" pitchFamily="18" charset="0"/>
+              </a:rPr>
+              <a:t> </a:t>
+            </a:r>
+            <a:r>
+              <a:rPr lang="en-US" sz="2000" dirty="0" err="1">
+                <a:effectLst/>
+                <a:latin typeface="Calibri" panose="020F0502020204030204" pitchFamily="34" charset="0"/>
+                <a:ea typeface="Calibri" panose="020F0502020204030204" pitchFamily="34" charset="0"/>
+                <a:cs typeface="Times New Roman" panose="02020603050405020304" pitchFamily="18" charset="0"/>
+              </a:rPr>
+              <a:t>testovacej</a:t>
+            </a:r>
+            <a:r>
+              <a:rPr lang="en-US" sz="2000" dirty="0">
+                <a:effectLst/>
+                <a:latin typeface="Calibri" panose="020F0502020204030204" pitchFamily="34" charset="0"/>
+                <a:ea typeface="Calibri" panose="020F0502020204030204" pitchFamily="34" charset="0"/>
+                <a:cs typeface="Times New Roman" panose="02020603050405020304" pitchFamily="18" charset="0"/>
+              </a:rPr>
+              <a:t> </a:t>
+            </a:r>
+            <a:r>
+              <a:rPr lang="en-US" sz="2000" dirty="0" err="1">
+                <a:effectLst/>
+                <a:latin typeface="Calibri" panose="020F0502020204030204" pitchFamily="34" charset="0"/>
+                <a:ea typeface="Calibri" panose="020F0502020204030204" pitchFamily="34" charset="0"/>
+                <a:cs typeface="Times New Roman" panose="02020603050405020304" pitchFamily="18" charset="0"/>
+              </a:rPr>
+              <a:t>metóde</a:t>
+            </a:r>
+            <a:r>
+              <a:rPr lang="en-US" sz="2000" dirty="0">
+                <a:effectLst/>
+                <a:latin typeface="Calibri" panose="020F0502020204030204" pitchFamily="34" charset="0"/>
+                <a:ea typeface="Calibri" panose="020F0502020204030204" pitchFamily="34" charset="0"/>
+                <a:cs typeface="Times New Roman" panose="02020603050405020304" pitchFamily="18" charset="0"/>
+              </a:rPr>
+              <a:t>.</a:t>
+            </a:r>
+            <a:endParaRPr lang="sk-SK" sz="2000" dirty="0">
+              <a:effectLst/>
+              <a:latin typeface="Calibri" panose="020F0502020204030204" pitchFamily="34" charset="0"/>
+              <a:ea typeface="Calibri" panose="020F0502020204030204" pitchFamily="34" charset="0"/>
+              <a:cs typeface="Times New Roman" panose="02020603050405020304" pitchFamily="18" charset="0"/>
+            </a:endParaRPr>
+          </a:p>
+          <a:p>
+            <a:pPr marL="342900" lvl="0" indent="-342900">
+              <a:buFont typeface="Symbol" panose="05050102010706020507" pitchFamily="18" charset="2"/>
+              <a:buChar char=""/>
+            </a:pPr>
+            <a:r>
+              <a:rPr lang="sk-SK" sz="2000" dirty="0">
+                <a:effectLst/>
+                <a:latin typeface="Calibri" panose="020F0502020204030204" pitchFamily="34" charset="0"/>
+                <a:ea typeface="Calibri" panose="020F0502020204030204" pitchFamily="34" charset="0"/>
+                <a:cs typeface="Times New Roman" panose="02020603050405020304" pitchFamily="18" charset="0"/>
+              </a:rPr>
+              <a:t>@BeforeAll - Táto anotácia označuje metódu, ktorá sa vykoná raz pred všetkými testami</a:t>
+            </a:r>
+          </a:p>
+          <a:p>
+            <a:pPr marL="342900" lvl="0" indent="-342900">
+              <a:buFont typeface="Symbol" panose="05050102010706020507" pitchFamily="18" charset="2"/>
+              <a:buChar char=""/>
+            </a:pPr>
+            <a:r>
+              <a:rPr lang="sk-SK" sz="2000" dirty="0">
+                <a:effectLst/>
+                <a:latin typeface="Calibri" panose="020F0502020204030204" pitchFamily="34" charset="0"/>
+                <a:ea typeface="Calibri" panose="020F0502020204030204" pitchFamily="34" charset="0"/>
+                <a:cs typeface="Times New Roman" panose="02020603050405020304" pitchFamily="18" charset="0"/>
+              </a:rPr>
+              <a:t>@AfterAll - Táto anotácia označuje metódu, ktorá sa vykoná raz po všetkých testoch</a:t>
+            </a:r>
+          </a:p>
+          <a:p>
+            <a:pPr marL="342900" lvl="0" indent="-342900">
+              <a:buFont typeface="Symbol" panose="05050102010706020507" pitchFamily="18" charset="2"/>
+              <a:buChar char=""/>
+            </a:pPr>
+            <a:r>
+              <a:rPr lang="en-US" sz="2000" dirty="0">
+                <a:effectLst/>
+                <a:latin typeface="Calibri" panose="020F0502020204030204" pitchFamily="34" charset="0"/>
+                <a:ea typeface="Calibri" panose="020F0502020204030204" pitchFamily="34" charset="0"/>
+                <a:cs typeface="Times New Roman" panose="02020603050405020304" pitchFamily="18" charset="0"/>
+              </a:rPr>
+              <a:t>@Tag</a:t>
+            </a:r>
+            <a:r>
+              <a:rPr lang="sk-SK" sz="2000" dirty="0">
+                <a:effectLst/>
+                <a:latin typeface="Calibri" panose="020F0502020204030204" pitchFamily="34" charset="0"/>
+                <a:ea typeface="Calibri" panose="020F0502020204030204" pitchFamily="34" charset="0"/>
+                <a:cs typeface="Times New Roman" panose="02020603050405020304" pitchFamily="18" charset="0"/>
+              </a:rPr>
+              <a:t> - Túto anotáciu môžeme použiť na deklarovanie tagov pre testy či už na úrovni triedy alebo metódy. Testy potom môžeme pomocou nich filtrovať.</a:t>
+            </a:r>
+          </a:p>
+          <a:p>
+            <a:pPr marL="342900" lvl="0" indent="-342900">
+              <a:spcAft>
+                <a:spcPts val="800"/>
+              </a:spcAft>
+              <a:buFont typeface="Symbol" panose="05050102010706020507" pitchFamily="18" charset="2"/>
+              <a:buChar char=""/>
+            </a:pPr>
+            <a:r>
+              <a:rPr lang="sk-SK" sz="2000" dirty="0">
+                <a:effectLst/>
+                <a:latin typeface="Calibri" panose="020F0502020204030204" pitchFamily="34" charset="0"/>
+                <a:ea typeface="Calibri" panose="020F0502020204030204" pitchFamily="34" charset="0"/>
+                <a:cs typeface="Times New Roman" panose="02020603050405020304" pitchFamily="18" charset="0"/>
+              </a:rPr>
+              <a:t>@Disabled - Anotácia sa používa na zakázanie alebo preskočenie testov na úrovni triedy alebo metódy. Pri deklarácii na úrovni triedy sa preskočia všetky metódy @test. Keď použijeme anotáciu na úrovni metódy, preskočí sa iba anotovaná metóda.</a:t>
+            </a:r>
           </a:p>
         </p:txBody>
       </p:sp>
     </p:spTree>
     <p:extLst>
       <p:ext uri="{BB962C8B-B14F-4D97-AF65-F5344CB8AC3E}">
-        <p14:creationId xmlns:p14="http://schemas.microsoft.com/office/powerpoint/2010/main" val="209640787"/>
+        <p14:creationId xmlns:p14="http://schemas.microsoft.com/office/powerpoint/2010/main" val="2590494394"/>
       </p:ext>
     </p:extLst>
   </p:cSld>
@@ -21781,126 +21780,6 @@
 <file path=ppt/slides/slide21.xml><?xml version="1.0" encoding="utf-8"?>
 <p:sld xmlns:a="http://schemas.openxmlformats.org/drawingml/2006/main" xmlns:r="http://schemas.openxmlformats.org/officeDocument/2006/relationships" xmlns:p="http://schemas.openxmlformats.org/presentationml/2006/main">
   <p:cSld>
-    <p:spTree>
-      <p:nvGrpSpPr>
-        <p:cNvPr id="1" name=""/>
-        <p:cNvGrpSpPr/>
-        <p:nvPr/>
-      </p:nvGrpSpPr>
-      <p:grpSpPr>
-        <a:xfrm>
-          <a:off x="0" y="0"/>
-          <a:ext cx="0" cy="0"/>
-          <a:chOff x="0" y="0"/>
-          <a:chExt cx="0" cy="0"/>
-        </a:xfrm>
-      </p:grpSpPr>
-      <p:sp>
-        <p:nvSpPr>
-          <p:cNvPr id="2" name="Nadpis 1">
-            <a:extLst>
-              <a:ext uri="{FF2B5EF4-FFF2-40B4-BE49-F238E27FC236}">
-                <a16:creationId xmlns:a16="http://schemas.microsoft.com/office/drawing/2014/main" id="{C3AEFAED-C838-F5C5-677A-81773CC270C8}"/>
-              </a:ext>
-            </a:extLst>
-          </p:cNvPr>
-          <p:cNvSpPr>
-            <a:spLocks noGrp="1"/>
-          </p:cNvSpPr>
-          <p:nvPr>
-            <p:ph type="title"/>
-          </p:nvPr>
-        </p:nvSpPr>
-        <p:spPr/>
-        <p:txBody>
-          <a:bodyPr/>
-          <a:lstStyle/>
-          <a:p>
-            <a:pPr algn="ctr"/>
-            <a:r>
-              <a:rPr lang="sk-SK" dirty="0"/>
-              <a:t>Zdroje</a:t>
-            </a:r>
-          </a:p>
-        </p:txBody>
-      </p:sp>
-      <p:sp>
-        <p:nvSpPr>
-          <p:cNvPr id="3" name="Zástupný objekt pre obsah 2">
-            <a:extLst>
-              <a:ext uri="{FF2B5EF4-FFF2-40B4-BE49-F238E27FC236}">
-                <a16:creationId xmlns:a16="http://schemas.microsoft.com/office/drawing/2014/main" id="{BFD20CBD-C806-725D-80AF-1ECFFC7E8599}"/>
-              </a:ext>
-            </a:extLst>
-          </p:cNvPr>
-          <p:cNvSpPr>
-            <a:spLocks noGrp="1"/>
-          </p:cNvSpPr>
-          <p:nvPr>
-            <p:ph idx="1"/>
-          </p:nvPr>
-        </p:nvSpPr>
-        <p:spPr/>
-        <p:txBody>
-          <a:bodyPr/>
-          <a:lstStyle/>
-          <a:p>
-            <a:r>
-              <a:rPr lang="sk-SK" dirty="0">
-                <a:hlinkClick r:id="rId2"/>
-              </a:rPr>
-              <a:t>https://www.guru99.com/unit-testing-guide.html</a:t>
-            </a:r>
-            <a:endParaRPr lang="sk-SK" dirty="0"/>
-          </a:p>
-          <a:p>
-            <a:r>
-              <a:rPr lang="sk-SK" dirty="0">
-                <a:hlinkClick r:id="rId3"/>
-              </a:rPr>
-              <a:t>https://www.spiceworks.com/tech/devops/articles/what-is-unit-testing/</a:t>
-            </a:r>
-            <a:endParaRPr lang="sk-SK" dirty="0"/>
-          </a:p>
-          <a:p>
-            <a:r>
-              <a:rPr lang="sk-SK" dirty="0">
-                <a:hlinkClick r:id="rId4"/>
-              </a:rPr>
-              <a:t>https://devqa.io/junit-5-annotations/</a:t>
-            </a:r>
-            <a:endParaRPr lang="sk-SK" dirty="0"/>
-          </a:p>
-          <a:p>
-            <a:r>
-              <a:rPr lang="sk-SK" dirty="0">
-                <a:hlinkClick r:id="rId5"/>
-              </a:rPr>
-              <a:t>https://www.appsdeveloperblog.com/an-overview-of-junit5-assertions-with-examples/</a:t>
-            </a:r>
-            <a:endParaRPr lang="sk-SK" dirty="0"/>
-          </a:p>
-          <a:p>
-            <a:endParaRPr lang="sk-SK" dirty="0"/>
-          </a:p>
-        </p:txBody>
-      </p:sp>
-    </p:spTree>
-    <p:extLst>
-      <p:ext uri="{BB962C8B-B14F-4D97-AF65-F5344CB8AC3E}">
-        <p14:creationId xmlns:p14="http://schemas.microsoft.com/office/powerpoint/2010/main" val="4050061066"/>
-      </p:ext>
-    </p:extLst>
-  </p:cSld>
-  <p:clrMapOvr>
-    <a:masterClrMapping/>
-  </p:clrMapOvr>
-</p:sld>
-</file>
-
-<file path=ppt/slides/slide22.xml><?xml version="1.0" encoding="utf-8"?>
-<p:sld xmlns:a="http://schemas.openxmlformats.org/drawingml/2006/main" xmlns:r="http://schemas.openxmlformats.org/officeDocument/2006/relationships" xmlns:p="http://schemas.openxmlformats.org/presentationml/2006/main">
-  <p:cSld>
     <p:bg>
       <p:bgPr>
         <a:solidFill>
@@ -22448,7 +22327,7 @@
 </p:sld>
 </file>
 
-<file path=ppt/slides/slide23.xml><?xml version="1.0" encoding="utf-8"?>
+<file path=ppt/slides/slide22.xml><?xml version="1.0" encoding="utf-8"?>
 <p:sld xmlns:a="http://schemas.openxmlformats.org/drawingml/2006/main" xmlns:r="http://schemas.openxmlformats.org/officeDocument/2006/relationships" xmlns:p="http://schemas.openxmlformats.org/presentationml/2006/main">
   <p:cSld>
     <p:bg>
@@ -23108,7 +22987,7 @@
 </p:sld>
 </file>
 
-<file path=ppt/slides/slide24.xml><?xml version="1.0" encoding="utf-8"?>
+<file path=ppt/slides/slide23.xml><?xml version="1.0" encoding="utf-8"?>
 <p:sld xmlns:a="http://schemas.openxmlformats.org/drawingml/2006/main" xmlns:r="http://schemas.openxmlformats.org/officeDocument/2006/relationships" xmlns:p="http://schemas.openxmlformats.org/presentationml/2006/main">
   <p:cSld>
     <p:bg>
@@ -23822,7 +23701,7 @@
 </p:sld>
 </file>
 
-<file path=ppt/slides/slide25.xml><?xml version="1.0" encoding="utf-8"?>
+<file path=ppt/slides/slide24.xml><?xml version="1.0" encoding="utf-8"?>
 <p:sld xmlns:a="http://schemas.openxmlformats.org/drawingml/2006/main" xmlns:r="http://schemas.openxmlformats.org/officeDocument/2006/relationships" xmlns:p="http://schemas.openxmlformats.org/presentationml/2006/main">
   <p:cSld>
     <p:bg>
@@ -24537,7 +24416,7 @@
 </p:sld>
 </file>
 
-<file path=ppt/slides/slide26.xml><?xml version="1.0" encoding="utf-8"?>
+<file path=ppt/slides/slide25.xml><?xml version="1.0" encoding="utf-8"?>
 <p:sld xmlns:a="http://schemas.openxmlformats.org/drawingml/2006/main" xmlns:r="http://schemas.openxmlformats.org/officeDocument/2006/relationships" xmlns:p="http://schemas.openxmlformats.org/presentationml/2006/main">
   <p:cSld>
     <p:bg>
@@ -25234,7 +25113,7 @@
 </p:sld>
 </file>
 
-<file path=ppt/slides/slide27.xml><?xml version="1.0" encoding="utf-8"?>
+<file path=ppt/slides/slide26.xml><?xml version="1.0" encoding="utf-8"?>
 <p:sld xmlns:a="http://schemas.openxmlformats.org/drawingml/2006/main" xmlns:r="http://schemas.openxmlformats.org/officeDocument/2006/relationships" xmlns:p="http://schemas.openxmlformats.org/presentationml/2006/main">
   <p:cSld>
     <p:spTree>
@@ -25324,7 +25203,7 @@
 </p:sld>
 </file>
 
-<file path=ppt/slides/slide28.xml><?xml version="1.0" encoding="utf-8"?>
+<file path=ppt/slides/slide27.xml><?xml version="1.0" encoding="utf-8"?>
 <p:sld xmlns:a="http://schemas.openxmlformats.org/drawingml/2006/main" xmlns:r="http://schemas.openxmlformats.org/officeDocument/2006/relationships" xmlns:p="http://schemas.openxmlformats.org/presentationml/2006/main">
   <p:cSld>
     <p:bg>
@@ -25883,7 +25762,7 @@
 </p:sld>
 </file>
 
-<file path=ppt/slides/slide29.xml><?xml version="1.0" encoding="utf-8"?>
+<file path=ppt/slides/slide28.xml><?xml version="1.0" encoding="utf-8"?>
 <p:sld xmlns:a="http://schemas.openxmlformats.org/drawingml/2006/main" xmlns:r="http://schemas.openxmlformats.org/officeDocument/2006/relationships" xmlns:p="http://schemas.openxmlformats.org/presentationml/2006/main">
   <p:cSld>
     <p:bg>
@@ -26533,6 +26412,664 @@
     <p:extLst>
       <p:ext uri="{BB962C8B-B14F-4D97-AF65-F5344CB8AC3E}">
         <p14:creationId xmlns:p14="http://schemas.microsoft.com/office/powerpoint/2010/main" val="1021067962"/>
+      </p:ext>
+    </p:extLst>
+  </p:cSld>
+  <p:clrMapOvr>
+    <a:masterClrMapping/>
+  </p:clrMapOvr>
+</p:sld>
+</file>
+
+<file path=ppt/slides/slide29.xml><?xml version="1.0" encoding="utf-8"?>
+<p:sld xmlns:a="http://schemas.openxmlformats.org/drawingml/2006/main" xmlns:r="http://schemas.openxmlformats.org/officeDocument/2006/relationships" xmlns:p="http://schemas.openxmlformats.org/presentationml/2006/main">
+  <p:cSld>
+    <p:bg>
+      <p:bgPr>
+        <a:solidFill>
+          <a:schemeClr val="bg1"/>
+        </a:solidFill>
+        <a:effectLst/>
+      </p:bgPr>
+    </p:bg>
+    <p:spTree>
+      <p:nvGrpSpPr>
+        <p:cNvPr id="1" name=""/>
+        <p:cNvGrpSpPr/>
+        <p:nvPr/>
+      </p:nvGrpSpPr>
+      <p:grpSpPr>
+        <a:xfrm>
+          <a:off x="0" y="0"/>
+          <a:ext cx="0" cy="0"/>
+          <a:chOff x="0" y="0"/>
+          <a:chExt cx="0" cy="0"/>
+        </a:xfrm>
+      </p:grpSpPr>
+      <p:sp useBgFill="1">
+        <p:nvSpPr>
+          <p:cNvPr id="8" name="Rectangle 7">
+            <a:extLst>
+              <a:ext uri="{FF2B5EF4-FFF2-40B4-BE49-F238E27FC236}">
+                <a16:creationId xmlns:a16="http://schemas.microsoft.com/office/drawing/2014/main" id="{827B839B-9ADE-406B-8590-F1CAEDED45A1}"/>
+              </a:ext>
+              <a:ext uri="{C183D7F6-B498-43B3-948B-1728B52AA6E4}">
+                <adec:decorative xmlns:adec="http://schemas.microsoft.com/office/drawing/2017/decorative" val="1"/>
+              </a:ext>
+            </a:extLst>
+          </p:cNvPr>
+          <p:cNvSpPr>
+            <a:spLocks noGrp="1" noRot="1" noChangeAspect="1" noMove="1" noResize="1" noEditPoints="1" noAdjustHandles="1" noChangeArrowheads="1" noChangeShapeType="1" noTextEdit="1"/>
+          </p:cNvSpPr>
+          <p:nvPr>
+            <p:extLst>
+              <p:ext uri="{386F3935-93C4-4BCD-93E2-E3B085C9AB24}">
+                <p16:designElem xmlns:p16="http://schemas.microsoft.com/office/powerpoint/2015/main" val="1"/>
+              </p:ext>
+            </p:extLst>
+          </p:nvPr>
+        </p:nvSpPr>
+        <p:spPr>
+          <a:xfrm>
+            <a:off x="0" y="0"/>
+            <a:ext cx="12188952" cy="6858000"/>
+          </a:xfrm>
+          <a:prstGeom prst="rect">
+            <a:avLst/>
+          </a:prstGeom>
+          <a:ln>
+            <a:noFill/>
+          </a:ln>
+        </p:spPr>
+        <p:style>
+          <a:lnRef idx="2">
+            <a:schemeClr val="accent1">
+              <a:shade val="50000"/>
+            </a:schemeClr>
+          </a:lnRef>
+          <a:fillRef idx="1">
+            <a:schemeClr val="accent1"/>
+          </a:fillRef>
+          <a:effectRef idx="0">
+            <a:schemeClr val="accent1"/>
+          </a:effectRef>
+          <a:fontRef idx="minor">
+            <a:schemeClr val="lt1"/>
+          </a:fontRef>
+        </p:style>
+        <p:txBody>
+          <a:bodyPr rtlCol="0" anchor="ctr"/>
+          <a:lstStyle/>
+          <a:p>
+            <a:pPr algn="ctr"/>
+            <a:endParaRPr lang="en-US"/>
+          </a:p>
+        </p:txBody>
+      </p:sp>
+      <p:sp>
+        <p:nvSpPr>
+          <p:cNvPr id="10" name="Freeform 45">
+            <a:extLst>
+              <a:ext uri="{FF2B5EF4-FFF2-40B4-BE49-F238E27FC236}">
+                <a16:creationId xmlns:a16="http://schemas.microsoft.com/office/drawing/2014/main" id="{CFE45BF0-46DB-408C-B5F7-7B11716805D4}"/>
+              </a:ext>
+              <a:ext uri="{C183D7F6-B498-43B3-948B-1728B52AA6E4}">
+                <adec:decorative xmlns:adec="http://schemas.microsoft.com/office/drawing/2017/decorative" val="1"/>
+              </a:ext>
+            </a:extLst>
+          </p:cNvPr>
+          <p:cNvSpPr>
+            <a:spLocks noGrp="1" noRot="1" noChangeAspect="1" noMove="1" noResize="1" noEditPoints="1" noAdjustHandles="1" noChangeArrowheads="1" noChangeShapeType="1" noTextEdit="1"/>
+          </p:cNvSpPr>
+          <p:nvPr>
+            <p:extLst>
+              <p:ext uri="{386F3935-93C4-4BCD-93E2-E3B085C9AB24}">
+                <p16:designElem xmlns:p16="http://schemas.microsoft.com/office/powerpoint/2015/main" val="1"/>
+              </p:ext>
+            </p:extLst>
+          </p:nvPr>
+        </p:nvSpPr>
+        <p:spPr bwMode="auto">
+          <a:xfrm>
+            <a:off x="409710" y="1022350"/>
+            <a:ext cx="709612" cy="2095501"/>
+          </a:xfrm>
+          <a:custGeom>
+            <a:avLst/>
+            <a:gdLst>
+              <a:gd name="T0" fmla="*/ 447 w 447"/>
+              <a:gd name="T1" fmla="*/ 1363 h 1363"/>
+              <a:gd name="T2" fmla="*/ 0 w 447"/>
+              <a:gd name="T3" fmla="*/ 987 h 1363"/>
+              <a:gd name="T4" fmla="*/ 0 w 447"/>
+              <a:gd name="T5" fmla="*/ 0 h 1363"/>
+              <a:gd name="T6" fmla="*/ 447 w 447"/>
+              <a:gd name="T7" fmla="*/ 376 h 1363"/>
+              <a:gd name="T8" fmla="*/ 447 w 447"/>
+              <a:gd name="T9" fmla="*/ 1363 h 1363"/>
+            </a:gdLst>
+            <a:ahLst/>
+            <a:cxnLst>
+              <a:cxn ang="0">
+                <a:pos x="T0" y="T1"/>
+              </a:cxn>
+              <a:cxn ang="0">
+                <a:pos x="T2" y="T3"/>
+              </a:cxn>
+              <a:cxn ang="0">
+                <a:pos x="T4" y="T5"/>
+              </a:cxn>
+              <a:cxn ang="0">
+                <a:pos x="T6" y="T7"/>
+              </a:cxn>
+              <a:cxn ang="0">
+                <a:pos x="T8" y="T9"/>
+              </a:cxn>
+            </a:cxnLst>
+            <a:rect l="0" t="0" r="r" b="b"/>
+            <a:pathLst>
+              <a:path w="447" h="1363">
+                <a:moveTo>
+                  <a:pt x="447" y="1363"/>
+                </a:moveTo>
+                <a:lnTo>
+                  <a:pt x="0" y="987"/>
+                </a:lnTo>
+                <a:lnTo>
+                  <a:pt x="0" y="0"/>
+                </a:lnTo>
+                <a:lnTo>
+                  <a:pt x="447" y="376"/>
+                </a:lnTo>
+                <a:lnTo>
+                  <a:pt x="447" y="1363"/>
+                </a:lnTo>
+                <a:close/>
+              </a:path>
+            </a:pathLst>
+          </a:custGeom>
+          <a:solidFill>
+            <a:schemeClr val="accent1">
+              <a:lumMod val="50000"/>
+            </a:schemeClr>
+          </a:solidFill>
+          <a:ln>
+            <a:noFill/>
+          </a:ln>
+        </p:spPr>
+        <p:txBody>
+          <a:bodyPr vert="horz" wrap="square" lIns="91440" tIns="45720" rIns="91440" bIns="45720" numCol="1" anchor="t" anchorCtr="0" compatLnSpc="1">
+            <a:prstTxWarp prst="textNoShape">
+              <a:avLst/>
+            </a:prstTxWarp>
+          </a:bodyPr>
+          <a:lstStyle/>
+          <a:p>
+            <a:endParaRPr lang="en-US"/>
+          </a:p>
+        </p:txBody>
+      </p:sp>
+      <p:sp>
+        <p:nvSpPr>
+          <p:cNvPr id="12" name="Freeform 46">
+            <a:extLst>
+              <a:ext uri="{FF2B5EF4-FFF2-40B4-BE49-F238E27FC236}">
+                <a16:creationId xmlns:a16="http://schemas.microsoft.com/office/drawing/2014/main" id="{2AEBC8F2-97B1-41B4-93F1-2D289E197FBA}"/>
+              </a:ext>
+              <a:ext uri="{C183D7F6-B498-43B3-948B-1728B52AA6E4}">
+                <adec:decorative xmlns:adec="http://schemas.microsoft.com/office/drawing/2017/decorative" val="1"/>
+              </a:ext>
+            </a:extLst>
+          </p:cNvPr>
+          <p:cNvSpPr>
+            <a:spLocks noGrp="1" noRot="1" noChangeAspect="1" noMove="1" noResize="1" noEditPoints="1" noAdjustHandles="1" noChangeArrowheads="1" noChangeShapeType="1" noTextEdit="1"/>
+          </p:cNvSpPr>
+          <p:nvPr>
+            <p:extLst>
+              <p:ext uri="{386F3935-93C4-4BCD-93E2-E3B085C9AB24}">
+                <p16:designElem xmlns:p16="http://schemas.microsoft.com/office/powerpoint/2015/main" val="1"/>
+              </p:ext>
+            </p:extLst>
+          </p:nvPr>
+        </p:nvSpPr>
+        <p:spPr bwMode="auto">
+          <a:xfrm>
+            <a:off x="409710" y="837744"/>
+            <a:ext cx="403225" cy="1705431"/>
+          </a:xfrm>
+          <a:custGeom>
+            <a:avLst/>
+            <a:gdLst>
+              <a:gd name="T0" fmla="*/ 254 w 254"/>
+              <a:gd name="T1" fmla="*/ 987 h 1109"/>
+              <a:gd name="T2" fmla="*/ 0 w 254"/>
+              <a:gd name="T3" fmla="*/ 1109 h 1109"/>
+              <a:gd name="T4" fmla="*/ 0 w 254"/>
+              <a:gd name="T5" fmla="*/ 119 h 1109"/>
+              <a:gd name="T6" fmla="*/ 254 w 254"/>
+              <a:gd name="T7" fmla="*/ 0 h 1109"/>
+              <a:gd name="T8" fmla="*/ 254 w 254"/>
+              <a:gd name="T9" fmla="*/ 987 h 1109"/>
+            </a:gdLst>
+            <a:ahLst/>
+            <a:cxnLst>
+              <a:cxn ang="0">
+                <a:pos x="T0" y="T1"/>
+              </a:cxn>
+              <a:cxn ang="0">
+                <a:pos x="T2" y="T3"/>
+              </a:cxn>
+              <a:cxn ang="0">
+                <a:pos x="T4" y="T5"/>
+              </a:cxn>
+              <a:cxn ang="0">
+                <a:pos x="T6" y="T7"/>
+              </a:cxn>
+              <a:cxn ang="0">
+                <a:pos x="T8" y="T9"/>
+              </a:cxn>
+            </a:cxnLst>
+            <a:rect l="0" t="0" r="r" b="b"/>
+            <a:pathLst>
+              <a:path w="254" h="1109">
+                <a:moveTo>
+                  <a:pt x="254" y="987"/>
+                </a:moveTo>
+                <a:lnTo>
+                  <a:pt x="0" y="1109"/>
+                </a:lnTo>
+                <a:lnTo>
+                  <a:pt x="0" y="119"/>
+                </a:lnTo>
+                <a:lnTo>
+                  <a:pt x="254" y="0"/>
+                </a:lnTo>
+                <a:lnTo>
+                  <a:pt x="254" y="987"/>
+                </a:lnTo>
+                <a:close/>
+              </a:path>
+            </a:pathLst>
+          </a:custGeom>
+          <a:solidFill>
+            <a:schemeClr val="accent1">
+              <a:lumMod val="75000"/>
+            </a:schemeClr>
+          </a:solidFill>
+          <a:ln>
+            <a:noFill/>
+          </a:ln>
+        </p:spPr>
+        <p:txBody>
+          <a:bodyPr vert="horz" wrap="square" lIns="91440" tIns="45720" rIns="91440" bIns="45720" numCol="1" anchor="t" anchorCtr="0" compatLnSpc="1">
+            <a:prstTxWarp prst="textNoShape">
+              <a:avLst/>
+            </a:prstTxWarp>
+          </a:bodyPr>
+          <a:lstStyle/>
+          <a:p>
+            <a:endParaRPr lang="en-US"/>
+          </a:p>
+        </p:txBody>
+      </p:sp>
+      <p:sp>
+        <p:nvSpPr>
+          <p:cNvPr id="14" name="Freeform 47">
+            <a:extLst>
+              <a:ext uri="{FF2B5EF4-FFF2-40B4-BE49-F238E27FC236}">
+                <a16:creationId xmlns:a16="http://schemas.microsoft.com/office/drawing/2014/main" id="{472E3A19-F5D5-48FC-BB9C-48C2F68F598B}"/>
+              </a:ext>
+              <a:ext uri="{C183D7F6-B498-43B3-948B-1728B52AA6E4}">
+                <adec:decorative xmlns:adec="http://schemas.microsoft.com/office/drawing/2017/decorative" val="1"/>
+              </a:ext>
+            </a:extLst>
+          </p:cNvPr>
+          <p:cNvSpPr>
+            <a:spLocks noGrp="1" noRot="1" noChangeAspect="1" noMove="1" noResize="1" noEditPoints="1" noAdjustHandles="1" noChangeArrowheads="1" noChangeShapeType="1" noTextEdit="1"/>
+          </p:cNvSpPr>
+          <p:nvPr>
+            <p:extLst>
+              <p:ext uri="{386F3935-93C4-4BCD-93E2-E3B085C9AB24}">
+                <p16:designElem xmlns:p16="http://schemas.microsoft.com/office/powerpoint/2015/main" val="1"/>
+              </p:ext>
+            </p:extLst>
+          </p:nvPr>
+        </p:nvSpPr>
+        <p:spPr bwMode="auto">
+          <a:xfrm>
+            <a:off x="644660" y="640894"/>
+            <a:ext cx="168275" cy="1713195"/>
+          </a:xfrm>
+          <a:custGeom>
+            <a:avLst/>
+            <a:gdLst>
+              <a:gd name="T0" fmla="*/ 106 w 106"/>
+              <a:gd name="T1" fmla="*/ 1114 h 1114"/>
+              <a:gd name="T2" fmla="*/ 0 w 106"/>
+              <a:gd name="T3" fmla="*/ 1005 h 1114"/>
+              <a:gd name="T4" fmla="*/ 0 w 106"/>
+              <a:gd name="T5" fmla="*/ 0 h 1114"/>
+              <a:gd name="T6" fmla="*/ 106 w 106"/>
+              <a:gd name="T7" fmla="*/ 110 h 1114"/>
+              <a:gd name="T8" fmla="*/ 106 w 106"/>
+              <a:gd name="T9" fmla="*/ 1114 h 1114"/>
+            </a:gdLst>
+            <a:ahLst/>
+            <a:cxnLst>
+              <a:cxn ang="0">
+                <a:pos x="T0" y="T1"/>
+              </a:cxn>
+              <a:cxn ang="0">
+                <a:pos x="T2" y="T3"/>
+              </a:cxn>
+              <a:cxn ang="0">
+                <a:pos x="T4" y="T5"/>
+              </a:cxn>
+              <a:cxn ang="0">
+                <a:pos x="T6" y="T7"/>
+              </a:cxn>
+              <a:cxn ang="0">
+                <a:pos x="T8" y="T9"/>
+              </a:cxn>
+            </a:cxnLst>
+            <a:rect l="0" t="0" r="r" b="b"/>
+            <a:pathLst>
+              <a:path w="106" h="1114">
+                <a:moveTo>
+                  <a:pt x="106" y="1114"/>
+                </a:moveTo>
+                <a:lnTo>
+                  <a:pt x="0" y="1005"/>
+                </a:lnTo>
+                <a:lnTo>
+                  <a:pt x="0" y="0"/>
+                </a:lnTo>
+                <a:lnTo>
+                  <a:pt x="106" y="110"/>
+                </a:lnTo>
+                <a:lnTo>
+                  <a:pt x="106" y="1114"/>
+                </a:lnTo>
+                <a:close/>
+              </a:path>
+            </a:pathLst>
+          </a:custGeom>
+          <a:solidFill>
+            <a:schemeClr val="accent1">
+              <a:lumMod val="50000"/>
+            </a:schemeClr>
+          </a:solidFill>
+          <a:ln>
+            <a:noFill/>
+          </a:ln>
+        </p:spPr>
+        <p:txBody>
+          <a:bodyPr vert="horz" wrap="square" lIns="91440" tIns="45720" rIns="91440" bIns="45720" numCol="1" anchor="t" anchorCtr="0" compatLnSpc="1">
+            <a:prstTxWarp prst="textNoShape">
+              <a:avLst/>
+            </a:prstTxWarp>
+          </a:bodyPr>
+          <a:lstStyle/>
+          <a:p>
+            <a:endParaRPr lang="en-US"/>
+          </a:p>
+        </p:txBody>
+      </p:sp>
+      <p:sp>
+        <p:nvSpPr>
+          <p:cNvPr id="16" name="Freeform 44">
+            <a:extLst>
+              <a:ext uri="{FF2B5EF4-FFF2-40B4-BE49-F238E27FC236}">
+                <a16:creationId xmlns:a16="http://schemas.microsoft.com/office/drawing/2014/main" id="{7A62E32F-BB65-43A8-8EB5-92346890E549}"/>
+              </a:ext>
+              <a:ext uri="{C183D7F6-B498-43B3-948B-1728B52AA6E4}">
+                <adec:decorative xmlns:adec="http://schemas.microsoft.com/office/drawing/2017/decorative" val="1"/>
+              </a:ext>
+            </a:extLst>
+          </p:cNvPr>
+          <p:cNvSpPr>
+            <a:spLocks noGrp="1" noRot="1" noChangeAspect="1" noMove="1" noResize="1" noEditPoints="1" noAdjustHandles="1" noChangeArrowheads="1" noChangeShapeType="1" noTextEdit="1"/>
+          </p:cNvSpPr>
+          <p:nvPr>
+            <p:extLst>
+              <p:ext uri="{386F3935-93C4-4BCD-93E2-E3B085C9AB24}">
+                <p16:designElem xmlns:p16="http://schemas.microsoft.com/office/powerpoint/2015/main" val="1"/>
+              </p:ext>
+            </p:extLst>
+          </p:nvPr>
+        </p:nvSpPr>
+        <p:spPr bwMode="auto">
+          <a:xfrm>
+            <a:off x="11223203" y="635716"/>
+            <a:ext cx="328612" cy="1742360"/>
+          </a:xfrm>
+          <a:custGeom>
+            <a:avLst/>
+            <a:gdLst>
+              <a:gd name="T0" fmla="*/ 207 w 207"/>
+              <a:gd name="T1" fmla="*/ 987 h 1114"/>
+              <a:gd name="T2" fmla="*/ 0 w 207"/>
+              <a:gd name="T3" fmla="*/ 1114 h 1114"/>
+              <a:gd name="T4" fmla="*/ 0 w 207"/>
+              <a:gd name="T5" fmla="*/ 127 h 1114"/>
+              <a:gd name="T6" fmla="*/ 207 w 207"/>
+              <a:gd name="T7" fmla="*/ 0 h 1114"/>
+              <a:gd name="T8" fmla="*/ 207 w 207"/>
+              <a:gd name="T9" fmla="*/ 987 h 1114"/>
+            </a:gdLst>
+            <a:ahLst/>
+            <a:cxnLst>
+              <a:cxn ang="0">
+                <a:pos x="T0" y="T1"/>
+              </a:cxn>
+              <a:cxn ang="0">
+                <a:pos x="T2" y="T3"/>
+              </a:cxn>
+              <a:cxn ang="0">
+                <a:pos x="T4" y="T5"/>
+              </a:cxn>
+              <a:cxn ang="0">
+                <a:pos x="T6" y="T7"/>
+              </a:cxn>
+              <a:cxn ang="0">
+                <a:pos x="T8" y="T9"/>
+              </a:cxn>
+            </a:cxnLst>
+            <a:rect l="0" t="0" r="r" b="b"/>
+            <a:pathLst>
+              <a:path w="207" h="1114">
+                <a:moveTo>
+                  <a:pt x="207" y="987"/>
+                </a:moveTo>
+                <a:lnTo>
+                  <a:pt x="0" y="1114"/>
+                </a:lnTo>
+                <a:lnTo>
+                  <a:pt x="0" y="127"/>
+                </a:lnTo>
+                <a:lnTo>
+                  <a:pt x="207" y="0"/>
+                </a:lnTo>
+                <a:lnTo>
+                  <a:pt x="207" y="987"/>
+                </a:lnTo>
+                <a:close/>
+              </a:path>
+            </a:pathLst>
+          </a:custGeom>
+          <a:solidFill>
+            <a:schemeClr val="accent1">
+              <a:lumMod val="50000"/>
+            </a:schemeClr>
+          </a:solidFill>
+          <a:ln>
+            <a:noFill/>
+          </a:ln>
+        </p:spPr>
+        <p:txBody>
+          <a:bodyPr vert="horz" wrap="square" lIns="91440" tIns="45720" rIns="91440" bIns="45720" numCol="1" anchor="t" anchorCtr="0" compatLnSpc="1">
+            <a:prstTxWarp prst="textNoShape">
+              <a:avLst/>
+            </a:prstTxWarp>
+          </a:bodyPr>
+          <a:lstStyle/>
+          <a:p>
+            <a:endParaRPr lang="en-US"/>
+          </a:p>
+        </p:txBody>
+      </p:sp>
+      <p:sp>
+        <p:nvSpPr>
+          <p:cNvPr id="18" name="Rectangle 17">
+            <a:extLst>
+              <a:ext uri="{FF2B5EF4-FFF2-40B4-BE49-F238E27FC236}">
+                <a16:creationId xmlns:a16="http://schemas.microsoft.com/office/drawing/2014/main" id="{14E91B64-9FCC-451E-AFB4-A827D6329367}"/>
+              </a:ext>
+              <a:ext uri="{C183D7F6-B498-43B3-948B-1728B52AA6E4}">
+                <adec:decorative xmlns:adec="http://schemas.microsoft.com/office/drawing/2017/decorative" val="1"/>
+              </a:ext>
+            </a:extLst>
+          </p:cNvPr>
+          <p:cNvSpPr>
+            <a:spLocks noGrp="1" noRot="1" noChangeAspect="1" noMove="1" noResize="1" noEditPoints="1" noAdjustHandles="1" noChangeArrowheads="1" noChangeShapeType="1" noTextEdit="1"/>
+          </p:cNvSpPr>
+          <p:nvPr>
+            <p:extLst>
+              <p:ext uri="{386F3935-93C4-4BCD-93E2-E3B085C9AB24}">
+                <p16:designElem xmlns:p16="http://schemas.microsoft.com/office/powerpoint/2015/main" val="1"/>
+              </p:ext>
+            </p:extLst>
+          </p:nvPr>
+        </p:nvSpPr>
+        <p:spPr bwMode="auto">
+          <a:xfrm>
+            <a:off x="644055" y="635715"/>
+            <a:ext cx="10907863" cy="1541457"/>
+          </a:xfrm>
+          <a:prstGeom prst="rect">
+            <a:avLst/>
+          </a:prstGeom>
+          <a:solidFill>
+            <a:schemeClr val="accent1"/>
+          </a:solidFill>
+          <a:ln>
+            <a:noFill/>
+          </a:ln>
+        </p:spPr>
+        <p:txBody>
+          <a:bodyPr vert="horz" wrap="square" lIns="91440" tIns="45720" rIns="91440" bIns="45720" numCol="1" anchor="t" anchorCtr="0" compatLnSpc="1">
+            <a:prstTxWarp prst="textNoShape">
+              <a:avLst/>
+            </a:prstTxWarp>
+          </a:bodyPr>
+          <a:lstStyle/>
+          <a:p>
+            <a:endParaRPr lang="en-US"/>
+          </a:p>
+        </p:txBody>
+      </p:sp>
+      <p:sp>
+        <p:nvSpPr>
+          <p:cNvPr id="2" name="Nadpis 1">
+            <a:extLst>
+              <a:ext uri="{FF2B5EF4-FFF2-40B4-BE49-F238E27FC236}">
+                <a16:creationId xmlns:a16="http://schemas.microsoft.com/office/drawing/2014/main" id="{DE6557F9-EAC8-2CBB-6E12-FB8DC19268EC}"/>
+              </a:ext>
+            </a:extLst>
+          </p:cNvPr>
+          <p:cNvSpPr>
+            <a:spLocks noGrp="1"/>
+          </p:cNvSpPr>
+          <p:nvPr>
+            <p:ph type="title"/>
+          </p:nvPr>
+        </p:nvSpPr>
+        <p:spPr>
+          <a:xfrm>
+            <a:off x="958506" y="800392"/>
+            <a:ext cx="10264697" cy="1212102"/>
+          </a:xfrm>
+        </p:spPr>
+        <p:txBody>
+          <a:bodyPr>
+            <a:normAutofit/>
+          </a:bodyPr>
+          <a:lstStyle/>
+          <a:p>
+            <a:r>
+              <a:rPr lang="sk-SK" sz="4000" dirty="0">
+                <a:solidFill>
+                  <a:srgbClr val="FFFFFF"/>
+                </a:solidFill>
+              </a:rPr>
+              <a:t>Výhody E2E</a:t>
+            </a:r>
+          </a:p>
+        </p:txBody>
+      </p:sp>
+      <p:sp>
+        <p:nvSpPr>
+          <p:cNvPr id="3" name="Zástupný obsah 2">
+            <a:extLst>
+              <a:ext uri="{FF2B5EF4-FFF2-40B4-BE49-F238E27FC236}">
+                <a16:creationId xmlns:a16="http://schemas.microsoft.com/office/drawing/2014/main" id="{EF177979-1B20-7750-3794-6A11E2948B42}"/>
+              </a:ext>
+            </a:extLst>
+          </p:cNvPr>
+          <p:cNvSpPr>
+            <a:spLocks noGrp="1"/>
+          </p:cNvSpPr>
+          <p:nvPr>
+            <p:ph idx="1"/>
+          </p:nvPr>
+        </p:nvSpPr>
+        <p:spPr>
+          <a:xfrm>
+            <a:off x="1367624" y="2490436"/>
+            <a:ext cx="9708995" cy="3567173"/>
+          </a:xfrm>
+        </p:spPr>
+        <p:txBody>
+          <a:bodyPr anchor="ctr">
+            <a:normAutofit/>
+          </a:bodyPr>
+          <a:lstStyle/>
+          <a:p>
+            <a:r>
+              <a:rPr lang="en-SK" sz="2400" dirty="0"/>
+              <a:t>Rozsiahle testovacie pokrytie</a:t>
+            </a:r>
+          </a:p>
+          <a:p>
+            <a:r>
+              <a:rPr lang="en-SK" sz="2400" dirty="0"/>
+              <a:t>Zabezpečenie správne fungovanie aplikácie</a:t>
+            </a:r>
+          </a:p>
+          <a:p>
+            <a:r>
+              <a:rPr lang="en-SK" sz="2400" dirty="0"/>
+              <a:t>Skrátenie času uvedenia na trh</a:t>
+            </a:r>
+          </a:p>
+          <a:p>
+            <a:r>
+              <a:rPr lang="en-SK" sz="2400" dirty="0"/>
+              <a:t>Zníženie nákladov</a:t>
+            </a:r>
+          </a:p>
+          <a:p>
+            <a:r>
+              <a:rPr lang="en-SK" sz="2400" dirty="0"/>
+              <a:t>Detekcia chýb</a:t>
+            </a:r>
+          </a:p>
+        </p:txBody>
+      </p:sp>
+    </p:spTree>
+    <p:extLst>
+      <p:ext uri="{BB962C8B-B14F-4D97-AF65-F5344CB8AC3E}">
+        <p14:creationId xmlns:p14="http://schemas.microsoft.com/office/powerpoint/2010/main" val="3602650226"/>
       </p:ext>
     </p:extLst>
   </p:cSld>
@@ -28489,7 +29026,7 @@
                   <a:srgbClr val="FFFFFF"/>
                 </a:solidFill>
               </a:rPr>
-              <a:t>Výhody E2E</a:t>
+              <a:t>Nevýhody E2E</a:t>
             </a:r>
           </a:p>
         </p:txBody>
@@ -28524,31 +29061,19 @@
           <a:p>
             <a:r>
               <a:rPr lang="en-SK" sz="2400" dirty="0"/>
-              <a:t>Rozsiahle testovacie pokrytie</a:t>
+              <a:t>Časovo náročné</a:t>
             </a:r>
           </a:p>
           <a:p>
             <a:r>
               <a:rPr lang="en-SK" sz="2400" dirty="0"/>
-              <a:t>Zabezpečenie správne fungovanie aplikácie</a:t>
+              <a:t>Reprodukovať scenáre skutočného sveta</a:t>
             </a:r>
           </a:p>
           <a:p>
             <a:r>
               <a:rPr lang="en-SK" sz="2400" dirty="0"/>
-              <a:t>Skrátenie času uvedenia na trh</a:t>
-            </a:r>
-          </a:p>
-          <a:p>
-            <a:r>
-              <a:rPr lang="en-SK" sz="2400" dirty="0"/>
-              <a:t>Zníženie nákladov</a:t>
-            </a:r>
-          </a:p>
-          <a:p>
-            <a:r>
-              <a:rPr lang="en-SK" sz="2400" dirty="0"/>
-              <a:t>Detekcia chýb</a:t>
+              <a:t>Pochopenie cieľov používateľa</a:t>
             </a:r>
           </a:p>
         </p:txBody>
@@ -28556,7 +29081,7 @@
     </p:spTree>
     <p:extLst>
       <p:ext uri="{BB962C8B-B14F-4D97-AF65-F5344CB8AC3E}">
-        <p14:creationId xmlns:p14="http://schemas.microsoft.com/office/powerpoint/2010/main" val="3602650226"/>
+        <p14:creationId xmlns:p14="http://schemas.microsoft.com/office/powerpoint/2010/main" val="3623812097"/>
       </p:ext>
     </p:extLst>
   </p:cSld>
@@ -29147,7 +29672,7 @@
                   <a:srgbClr val="FFFFFF"/>
                 </a:solidFill>
               </a:rPr>
-              <a:t>Nevýhody E2E</a:t>
+              <a:t>Nástroje</a:t>
             </a:r>
           </a:p>
         </p:txBody>
@@ -29181,652 +29706,6 @@
           <a:lstStyle/>
           <a:p>
             <a:r>
-              <a:rPr lang="en-SK" sz="2400" dirty="0"/>
-              <a:t>Časovo náročné</a:t>
-            </a:r>
-          </a:p>
-          <a:p>
-            <a:r>
-              <a:rPr lang="en-SK" sz="2400" dirty="0"/>
-              <a:t>Reprodukovať scenáre skutočného sveta</a:t>
-            </a:r>
-          </a:p>
-          <a:p>
-            <a:r>
-              <a:rPr lang="en-SK" sz="2400" dirty="0"/>
-              <a:t>Pochopenie cieľov používateľa</a:t>
-            </a:r>
-          </a:p>
-        </p:txBody>
-      </p:sp>
-    </p:spTree>
-    <p:extLst>
-      <p:ext uri="{BB962C8B-B14F-4D97-AF65-F5344CB8AC3E}">
-        <p14:creationId xmlns:p14="http://schemas.microsoft.com/office/powerpoint/2010/main" val="3623812097"/>
-      </p:ext>
-    </p:extLst>
-  </p:cSld>
-  <p:clrMapOvr>
-    <a:masterClrMapping/>
-  </p:clrMapOvr>
-</p:sld>
-</file>
-
-<file path=ppt/slides/slide32.xml><?xml version="1.0" encoding="utf-8"?>
-<p:sld xmlns:a="http://schemas.openxmlformats.org/drawingml/2006/main" xmlns:r="http://schemas.openxmlformats.org/officeDocument/2006/relationships" xmlns:p="http://schemas.openxmlformats.org/presentationml/2006/main">
-  <p:cSld>
-    <p:bg>
-      <p:bgPr>
-        <a:solidFill>
-          <a:schemeClr val="bg1"/>
-        </a:solidFill>
-        <a:effectLst/>
-      </p:bgPr>
-    </p:bg>
-    <p:spTree>
-      <p:nvGrpSpPr>
-        <p:cNvPr id="1" name=""/>
-        <p:cNvGrpSpPr/>
-        <p:nvPr/>
-      </p:nvGrpSpPr>
-      <p:grpSpPr>
-        <a:xfrm>
-          <a:off x="0" y="0"/>
-          <a:ext cx="0" cy="0"/>
-          <a:chOff x="0" y="0"/>
-          <a:chExt cx="0" cy="0"/>
-        </a:xfrm>
-      </p:grpSpPr>
-      <p:sp useBgFill="1">
-        <p:nvSpPr>
-          <p:cNvPr id="8" name="Rectangle 7">
-            <a:extLst>
-              <a:ext uri="{FF2B5EF4-FFF2-40B4-BE49-F238E27FC236}">
-                <a16:creationId xmlns:a16="http://schemas.microsoft.com/office/drawing/2014/main" id="{827B839B-9ADE-406B-8590-F1CAEDED45A1}"/>
-              </a:ext>
-              <a:ext uri="{C183D7F6-B498-43B3-948B-1728B52AA6E4}">
-                <adec:decorative xmlns:adec="http://schemas.microsoft.com/office/drawing/2017/decorative" val="1"/>
-              </a:ext>
-            </a:extLst>
-          </p:cNvPr>
-          <p:cNvSpPr>
-            <a:spLocks noGrp="1" noRot="1" noChangeAspect="1" noMove="1" noResize="1" noEditPoints="1" noAdjustHandles="1" noChangeArrowheads="1" noChangeShapeType="1" noTextEdit="1"/>
-          </p:cNvSpPr>
-          <p:nvPr>
-            <p:extLst>
-              <p:ext uri="{386F3935-93C4-4BCD-93E2-E3B085C9AB24}">
-                <p16:designElem xmlns:p16="http://schemas.microsoft.com/office/powerpoint/2015/main" val="1"/>
-              </p:ext>
-            </p:extLst>
-          </p:nvPr>
-        </p:nvSpPr>
-        <p:spPr>
-          <a:xfrm>
-            <a:off x="0" y="0"/>
-            <a:ext cx="12188952" cy="6858000"/>
-          </a:xfrm>
-          <a:prstGeom prst="rect">
-            <a:avLst/>
-          </a:prstGeom>
-          <a:ln>
-            <a:noFill/>
-          </a:ln>
-        </p:spPr>
-        <p:style>
-          <a:lnRef idx="2">
-            <a:schemeClr val="accent1">
-              <a:shade val="50000"/>
-            </a:schemeClr>
-          </a:lnRef>
-          <a:fillRef idx="1">
-            <a:schemeClr val="accent1"/>
-          </a:fillRef>
-          <a:effectRef idx="0">
-            <a:schemeClr val="accent1"/>
-          </a:effectRef>
-          <a:fontRef idx="minor">
-            <a:schemeClr val="lt1"/>
-          </a:fontRef>
-        </p:style>
-        <p:txBody>
-          <a:bodyPr rtlCol="0" anchor="ctr"/>
-          <a:lstStyle/>
-          <a:p>
-            <a:pPr algn="ctr"/>
-            <a:endParaRPr lang="en-US"/>
-          </a:p>
-        </p:txBody>
-      </p:sp>
-      <p:sp>
-        <p:nvSpPr>
-          <p:cNvPr id="10" name="Freeform 45">
-            <a:extLst>
-              <a:ext uri="{FF2B5EF4-FFF2-40B4-BE49-F238E27FC236}">
-                <a16:creationId xmlns:a16="http://schemas.microsoft.com/office/drawing/2014/main" id="{CFE45BF0-46DB-408C-B5F7-7B11716805D4}"/>
-              </a:ext>
-              <a:ext uri="{C183D7F6-B498-43B3-948B-1728B52AA6E4}">
-                <adec:decorative xmlns:adec="http://schemas.microsoft.com/office/drawing/2017/decorative" val="1"/>
-              </a:ext>
-            </a:extLst>
-          </p:cNvPr>
-          <p:cNvSpPr>
-            <a:spLocks noGrp="1" noRot="1" noChangeAspect="1" noMove="1" noResize="1" noEditPoints="1" noAdjustHandles="1" noChangeArrowheads="1" noChangeShapeType="1" noTextEdit="1"/>
-          </p:cNvSpPr>
-          <p:nvPr>
-            <p:extLst>
-              <p:ext uri="{386F3935-93C4-4BCD-93E2-E3B085C9AB24}">
-                <p16:designElem xmlns:p16="http://schemas.microsoft.com/office/powerpoint/2015/main" val="1"/>
-              </p:ext>
-            </p:extLst>
-          </p:nvPr>
-        </p:nvSpPr>
-        <p:spPr bwMode="auto">
-          <a:xfrm>
-            <a:off x="409710" y="1022350"/>
-            <a:ext cx="709612" cy="2095501"/>
-          </a:xfrm>
-          <a:custGeom>
-            <a:avLst/>
-            <a:gdLst>
-              <a:gd name="T0" fmla="*/ 447 w 447"/>
-              <a:gd name="T1" fmla="*/ 1363 h 1363"/>
-              <a:gd name="T2" fmla="*/ 0 w 447"/>
-              <a:gd name="T3" fmla="*/ 987 h 1363"/>
-              <a:gd name="T4" fmla="*/ 0 w 447"/>
-              <a:gd name="T5" fmla="*/ 0 h 1363"/>
-              <a:gd name="T6" fmla="*/ 447 w 447"/>
-              <a:gd name="T7" fmla="*/ 376 h 1363"/>
-              <a:gd name="T8" fmla="*/ 447 w 447"/>
-              <a:gd name="T9" fmla="*/ 1363 h 1363"/>
-            </a:gdLst>
-            <a:ahLst/>
-            <a:cxnLst>
-              <a:cxn ang="0">
-                <a:pos x="T0" y="T1"/>
-              </a:cxn>
-              <a:cxn ang="0">
-                <a:pos x="T2" y="T3"/>
-              </a:cxn>
-              <a:cxn ang="0">
-                <a:pos x="T4" y="T5"/>
-              </a:cxn>
-              <a:cxn ang="0">
-                <a:pos x="T6" y="T7"/>
-              </a:cxn>
-              <a:cxn ang="0">
-                <a:pos x="T8" y="T9"/>
-              </a:cxn>
-            </a:cxnLst>
-            <a:rect l="0" t="0" r="r" b="b"/>
-            <a:pathLst>
-              <a:path w="447" h="1363">
-                <a:moveTo>
-                  <a:pt x="447" y="1363"/>
-                </a:moveTo>
-                <a:lnTo>
-                  <a:pt x="0" y="987"/>
-                </a:lnTo>
-                <a:lnTo>
-                  <a:pt x="0" y="0"/>
-                </a:lnTo>
-                <a:lnTo>
-                  <a:pt x="447" y="376"/>
-                </a:lnTo>
-                <a:lnTo>
-                  <a:pt x="447" y="1363"/>
-                </a:lnTo>
-                <a:close/>
-              </a:path>
-            </a:pathLst>
-          </a:custGeom>
-          <a:solidFill>
-            <a:schemeClr val="accent1">
-              <a:lumMod val="50000"/>
-            </a:schemeClr>
-          </a:solidFill>
-          <a:ln>
-            <a:noFill/>
-          </a:ln>
-        </p:spPr>
-        <p:txBody>
-          <a:bodyPr vert="horz" wrap="square" lIns="91440" tIns="45720" rIns="91440" bIns="45720" numCol="1" anchor="t" anchorCtr="0" compatLnSpc="1">
-            <a:prstTxWarp prst="textNoShape">
-              <a:avLst/>
-            </a:prstTxWarp>
-          </a:bodyPr>
-          <a:lstStyle/>
-          <a:p>
-            <a:endParaRPr lang="en-US"/>
-          </a:p>
-        </p:txBody>
-      </p:sp>
-      <p:sp>
-        <p:nvSpPr>
-          <p:cNvPr id="12" name="Freeform 46">
-            <a:extLst>
-              <a:ext uri="{FF2B5EF4-FFF2-40B4-BE49-F238E27FC236}">
-                <a16:creationId xmlns:a16="http://schemas.microsoft.com/office/drawing/2014/main" id="{2AEBC8F2-97B1-41B4-93F1-2D289E197FBA}"/>
-              </a:ext>
-              <a:ext uri="{C183D7F6-B498-43B3-948B-1728B52AA6E4}">
-                <adec:decorative xmlns:adec="http://schemas.microsoft.com/office/drawing/2017/decorative" val="1"/>
-              </a:ext>
-            </a:extLst>
-          </p:cNvPr>
-          <p:cNvSpPr>
-            <a:spLocks noGrp="1" noRot="1" noChangeAspect="1" noMove="1" noResize="1" noEditPoints="1" noAdjustHandles="1" noChangeArrowheads="1" noChangeShapeType="1" noTextEdit="1"/>
-          </p:cNvSpPr>
-          <p:nvPr>
-            <p:extLst>
-              <p:ext uri="{386F3935-93C4-4BCD-93E2-E3B085C9AB24}">
-                <p16:designElem xmlns:p16="http://schemas.microsoft.com/office/powerpoint/2015/main" val="1"/>
-              </p:ext>
-            </p:extLst>
-          </p:nvPr>
-        </p:nvSpPr>
-        <p:spPr bwMode="auto">
-          <a:xfrm>
-            <a:off x="409710" y="837744"/>
-            <a:ext cx="403225" cy="1705431"/>
-          </a:xfrm>
-          <a:custGeom>
-            <a:avLst/>
-            <a:gdLst>
-              <a:gd name="T0" fmla="*/ 254 w 254"/>
-              <a:gd name="T1" fmla="*/ 987 h 1109"/>
-              <a:gd name="T2" fmla="*/ 0 w 254"/>
-              <a:gd name="T3" fmla="*/ 1109 h 1109"/>
-              <a:gd name="T4" fmla="*/ 0 w 254"/>
-              <a:gd name="T5" fmla="*/ 119 h 1109"/>
-              <a:gd name="T6" fmla="*/ 254 w 254"/>
-              <a:gd name="T7" fmla="*/ 0 h 1109"/>
-              <a:gd name="T8" fmla="*/ 254 w 254"/>
-              <a:gd name="T9" fmla="*/ 987 h 1109"/>
-            </a:gdLst>
-            <a:ahLst/>
-            <a:cxnLst>
-              <a:cxn ang="0">
-                <a:pos x="T0" y="T1"/>
-              </a:cxn>
-              <a:cxn ang="0">
-                <a:pos x="T2" y="T3"/>
-              </a:cxn>
-              <a:cxn ang="0">
-                <a:pos x="T4" y="T5"/>
-              </a:cxn>
-              <a:cxn ang="0">
-                <a:pos x="T6" y="T7"/>
-              </a:cxn>
-              <a:cxn ang="0">
-                <a:pos x="T8" y="T9"/>
-              </a:cxn>
-            </a:cxnLst>
-            <a:rect l="0" t="0" r="r" b="b"/>
-            <a:pathLst>
-              <a:path w="254" h="1109">
-                <a:moveTo>
-                  <a:pt x="254" y="987"/>
-                </a:moveTo>
-                <a:lnTo>
-                  <a:pt x="0" y="1109"/>
-                </a:lnTo>
-                <a:lnTo>
-                  <a:pt x="0" y="119"/>
-                </a:lnTo>
-                <a:lnTo>
-                  <a:pt x="254" y="0"/>
-                </a:lnTo>
-                <a:lnTo>
-                  <a:pt x="254" y="987"/>
-                </a:lnTo>
-                <a:close/>
-              </a:path>
-            </a:pathLst>
-          </a:custGeom>
-          <a:solidFill>
-            <a:schemeClr val="accent1">
-              <a:lumMod val="75000"/>
-            </a:schemeClr>
-          </a:solidFill>
-          <a:ln>
-            <a:noFill/>
-          </a:ln>
-        </p:spPr>
-        <p:txBody>
-          <a:bodyPr vert="horz" wrap="square" lIns="91440" tIns="45720" rIns="91440" bIns="45720" numCol="1" anchor="t" anchorCtr="0" compatLnSpc="1">
-            <a:prstTxWarp prst="textNoShape">
-              <a:avLst/>
-            </a:prstTxWarp>
-          </a:bodyPr>
-          <a:lstStyle/>
-          <a:p>
-            <a:endParaRPr lang="en-US"/>
-          </a:p>
-        </p:txBody>
-      </p:sp>
-      <p:sp>
-        <p:nvSpPr>
-          <p:cNvPr id="14" name="Freeform 47">
-            <a:extLst>
-              <a:ext uri="{FF2B5EF4-FFF2-40B4-BE49-F238E27FC236}">
-                <a16:creationId xmlns:a16="http://schemas.microsoft.com/office/drawing/2014/main" id="{472E3A19-F5D5-48FC-BB9C-48C2F68F598B}"/>
-              </a:ext>
-              <a:ext uri="{C183D7F6-B498-43B3-948B-1728B52AA6E4}">
-                <adec:decorative xmlns:adec="http://schemas.microsoft.com/office/drawing/2017/decorative" val="1"/>
-              </a:ext>
-            </a:extLst>
-          </p:cNvPr>
-          <p:cNvSpPr>
-            <a:spLocks noGrp="1" noRot="1" noChangeAspect="1" noMove="1" noResize="1" noEditPoints="1" noAdjustHandles="1" noChangeArrowheads="1" noChangeShapeType="1" noTextEdit="1"/>
-          </p:cNvSpPr>
-          <p:nvPr>
-            <p:extLst>
-              <p:ext uri="{386F3935-93C4-4BCD-93E2-E3B085C9AB24}">
-                <p16:designElem xmlns:p16="http://schemas.microsoft.com/office/powerpoint/2015/main" val="1"/>
-              </p:ext>
-            </p:extLst>
-          </p:nvPr>
-        </p:nvSpPr>
-        <p:spPr bwMode="auto">
-          <a:xfrm>
-            <a:off x="644660" y="640894"/>
-            <a:ext cx="168275" cy="1713195"/>
-          </a:xfrm>
-          <a:custGeom>
-            <a:avLst/>
-            <a:gdLst>
-              <a:gd name="T0" fmla="*/ 106 w 106"/>
-              <a:gd name="T1" fmla="*/ 1114 h 1114"/>
-              <a:gd name="T2" fmla="*/ 0 w 106"/>
-              <a:gd name="T3" fmla="*/ 1005 h 1114"/>
-              <a:gd name="T4" fmla="*/ 0 w 106"/>
-              <a:gd name="T5" fmla="*/ 0 h 1114"/>
-              <a:gd name="T6" fmla="*/ 106 w 106"/>
-              <a:gd name="T7" fmla="*/ 110 h 1114"/>
-              <a:gd name="T8" fmla="*/ 106 w 106"/>
-              <a:gd name="T9" fmla="*/ 1114 h 1114"/>
-            </a:gdLst>
-            <a:ahLst/>
-            <a:cxnLst>
-              <a:cxn ang="0">
-                <a:pos x="T0" y="T1"/>
-              </a:cxn>
-              <a:cxn ang="0">
-                <a:pos x="T2" y="T3"/>
-              </a:cxn>
-              <a:cxn ang="0">
-                <a:pos x="T4" y="T5"/>
-              </a:cxn>
-              <a:cxn ang="0">
-                <a:pos x="T6" y="T7"/>
-              </a:cxn>
-              <a:cxn ang="0">
-                <a:pos x="T8" y="T9"/>
-              </a:cxn>
-            </a:cxnLst>
-            <a:rect l="0" t="0" r="r" b="b"/>
-            <a:pathLst>
-              <a:path w="106" h="1114">
-                <a:moveTo>
-                  <a:pt x="106" y="1114"/>
-                </a:moveTo>
-                <a:lnTo>
-                  <a:pt x="0" y="1005"/>
-                </a:lnTo>
-                <a:lnTo>
-                  <a:pt x="0" y="0"/>
-                </a:lnTo>
-                <a:lnTo>
-                  <a:pt x="106" y="110"/>
-                </a:lnTo>
-                <a:lnTo>
-                  <a:pt x="106" y="1114"/>
-                </a:lnTo>
-                <a:close/>
-              </a:path>
-            </a:pathLst>
-          </a:custGeom>
-          <a:solidFill>
-            <a:schemeClr val="accent1">
-              <a:lumMod val="50000"/>
-            </a:schemeClr>
-          </a:solidFill>
-          <a:ln>
-            <a:noFill/>
-          </a:ln>
-        </p:spPr>
-        <p:txBody>
-          <a:bodyPr vert="horz" wrap="square" lIns="91440" tIns="45720" rIns="91440" bIns="45720" numCol="1" anchor="t" anchorCtr="0" compatLnSpc="1">
-            <a:prstTxWarp prst="textNoShape">
-              <a:avLst/>
-            </a:prstTxWarp>
-          </a:bodyPr>
-          <a:lstStyle/>
-          <a:p>
-            <a:endParaRPr lang="en-US"/>
-          </a:p>
-        </p:txBody>
-      </p:sp>
-      <p:sp>
-        <p:nvSpPr>
-          <p:cNvPr id="16" name="Freeform 44">
-            <a:extLst>
-              <a:ext uri="{FF2B5EF4-FFF2-40B4-BE49-F238E27FC236}">
-                <a16:creationId xmlns:a16="http://schemas.microsoft.com/office/drawing/2014/main" id="{7A62E32F-BB65-43A8-8EB5-92346890E549}"/>
-              </a:ext>
-              <a:ext uri="{C183D7F6-B498-43B3-948B-1728B52AA6E4}">
-                <adec:decorative xmlns:adec="http://schemas.microsoft.com/office/drawing/2017/decorative" val="1"/>
-              </a:ext>
-            </a:extLst>
-          </p:cNvPr>
-          <p:cNvSpPr>
-            <a:spLocks noGrp="1" noRot="1" noChangeAspect="1" noMove="1" noResize="1" noEditPoints="1" noAdjustHandles="1" noChangeArrowheads="1" noChangeShapeType="1" noTextEdit="1"/>
-          </p:cNvSpPr>
-          <p:nvPr>
-            <p:extLst>
-              <p:ext uri="{386F3935-93C4-4BCD-93E2-E3B085C9AB24}">
-                <p16:designElem xmlns:p16="http://schemas.microsoft.com/office/powerpoint/2015/main" val="1"/>
-              </p:ext>
-            </p:extLst>
-          </p:nvPr>
-        </p:nvSpPr>
-        <p:spPr bwMode="auto">
-          <a:xfrm>
-            <a:off x="11223203" y="635716"/>
-            <a:ext cx="328612" cy="1742360"/>
-          </a:xfrm>
-          <a:custGeom>
-            <a:avLst/>
-            <a:gdLst>
-              <a:gd name="T0" fmla="*/ 207 w 207"/>
-              <a:gd name="T1" fmla="*/ 987 h 1114"/>
-              <a:gd name="T2" fmla="*/ 0 w 207"/>
-              <a:gd name="T3" fmla="*/ 1114 h 1114"/>
-              <a:gd name="T4" fmla="*/ 0 w 207"/>
-              <a:gd name="T5" fmla="*/ 127 h 1114"/>
-              <a:gd name="T6" fmla="*/ 207 w 207"/>
-              <a:gd name="T7" fmla="*/ 0 h 1114"/>
-              <a:gd name="T8" fmla="*/ 207 w 207"/>
-              <a:gd name="T9" fmla="*/ 987 h 1114"/>
-            </a:gdLst>
-            <a:ahLst/>
-            <a:cxnLst>
-              <a:cxn ang="0">
-                <a:pos x="T0" y="T1"/>
-              </a:cxn>
-              <a:cxn ang="0">
-                <a:pos x="T2" y="T3"/>
-              </a:cxn>
-              <a:cxn ang="0">
-                <a:pos x="T4" y="T5"/>
-              </a:cxn>
-              <a:cxn ang="0">
-                <a:pos x="T6" y="T7"/>
-              </a:cxn>
-              <a:cxn ang="0">
-                <a:pos x="T8" y="T9"/>
-              </a:cxn>
-            </a:cxnLst>
-            <a:rect l="0" t="0" r="r" b="b"/>
-            <a:pathLst>
-              <a:path w="207" h="1114">
-                <a:moveTo>
-                  <a:pt x="207" y="987"/>
-                </a:moveTo>
-                <a:lnTo>
-                  <a:pt x="0" y="1114"/>
-                </a:lnTo>
-                <a:lnTo>
-                  <a:pt x="0" y="127"/>
-                </a:lnTo>
-                <a:lnTo>
-                  <a:pt x="207" y="0"/>
-                </a:lnTo>
-                <a:lnTo>
-                  <a:pt x="207" y="987"/>
-                </a:lnTo>
-                <a:close/>
-              </a:path>
-            </a:pathLst>
-          </a:custGeom>
-          <a:solidFill>
-            <a:schemeClr val="accent1">
-              <a:lumMod val="50000"/>
-            </a:schemeClr>
-          </a:solidFill>
-          <a:ln>
-            <a:noFill/>
-          </a:ln>
-        </p:spPr>
-        <p:txBody>
-          <a:bodyPr vert="horz" wrap="square" lIns="91440" tIns="45720" rIns="91440" bIns="45720" numCol="1" anchor="t" anchorCtr="0" compatLnSpc="1">
-            <a:prstTxWarp prst="textNoShape">
-              <a:avLst/>
-            </a:prstTxWarp>
-          </a:bodyPr>
-          <a:lstStyle/>
-          <a:p>
-            <a:endParaRPr lang="en-US"/>
-          </a:p>
-        </p:txBody>
-      </p:sp>
-      <p:sp>
-        <p:nvSpPr>
-          <p:cNvPr id="18" name="Rectangle 17">
-            <a:extLst>
-              <a:ext uri="{FF2B5EF4-FFF2-40B4-BE49-F238E27FC236}">
-                <a16:creationId xmlns:a16="http://schemas.microsoft.com/office/drawing/2014/main" id="{14E91B64-9FCC-451E-AFB4-A827D6329367}"/>
-              </a:ext>
-              <a:ext uri="{C183D7F6-B498-43B3-948B-1728B52AA6E4}">
-                <adec:decorative xmlns:adec="http://schemas.microsoft.com/office/drawing/2017/decorative" val="1"/>
-              </a:ext>
-            </a:extLst>
-          </p:cNvPr>
-          <p:cNvSpPr>
-            <a:spLocks noGrp="1" noRot="1" noChangeAspect="1" noMove="1" noResize="1" noEditPoints="1" noAdjustHandles="1" noChangeArrowheads="1" noChangeShapeType="1" noTextEdit="1"/>
-          </p:cNvSpPr>
-          <p:nvPr>
-            <p:extLst>
-              <p:ext uri="{386F3935-93C4-4BCD-93E2-E3B085C9AB24}">
-                <p16:designElem xmlns:p16="http://schemas.microsoft.com/office/powerpoint/2015/main" val="1"/>
-              </p:ext>
-            </p:extLst>
-          </p:nvPr>
-        </p:nvSpPr>
-        <p:spPr bwMode="auto">
-          <a:xfrm>
-            <a:off x="644055" y="635715"/>
-            <a:ext cx="10907863" cy="1541457"/>
-          </a:xfrm>
-          <a:prstGeom prst="rect">
-            <a:avLst/>
-          </a:prstGeom>
-          <a:solidFill>
-            <a:schemeClr val="accent1"/>
-          </a:solidFill>
-          <a:ln>
-            <a:noFill/>
-          </a:ln>
-        </p:spPr>
-        <p:txBody>
-          <a:bodyPr vert="horz" wrap="square" lIns="91440" tIns="45720" rIns="91440" bIns="45720" numCol="1" anchor="t" anchorCtr="0" compatLnSpc="1">
-            <a:prstTxWarp prst="textNoShape">
-              <a:avLst/>
-            </a:prstTxWarp>
-          </a:bodyPr>
-          <a:lstStyle/>
-          <a:p>
-            <a:endParaRPr lang="en-US"/>
-          </a:p>
-        </p:txBody>
-      </p:sp>
-      <p:sp>
-        <p:nvSpPr>
-          <p:cNvPr id="2" name="Nadpis 1">
-            <a:extLst>
-              <a:ext uri="{FF2B5EF4-FFF2-40B4-BE49-F238E27FC236}">
-                <a16:creationId xmlns:a16="http://schemas.microsoft.com/office/drawing/2014/main" id="{DE6557F9-EAC8-2CBB-6E12-FB8DC19268EC}"/>
-              </a:ext>
-            </a:extLst>
-          </p:cNvPr>
-          <p:cNvSpPr>
-            <a:spLocks noGrp="1"/>
-          </p:cNvSpPr>
-          <p:nvPr>
-            <p:ph type="title"/>
-          </p:nvPr>
-        </p:nvSpPr>
-        <p:spPr>
-          <a:xfrm>
-            <a:off x="958506" y="800392"/>
-            <a:ext cx="10264697" cy="1212102"/>
-          </a:xfrm>
-        </p:spPr>
-        <p:txBody>
-          <a:bodyPr>
-            <a:normAutofit/>
-          </a:bodyPr>
-          <a:lstStyle/>
-          <a:p>
-            <a:r>
-              <a:rPr lang="sk-SK" sz="4000" dirty="0">
-                <a:solidFill>
-                  <a:srgbClr val="FFFFFF"/>
-                </a:solidFill>
-              </a:rPr>
-              <a:t>Nástroje</a:t>
-            </a:r>
-          </a:p>
-        </p:txBody>
-      </p:sp>
-      <p:sp>
-        <p:nvSpPr>
-          <p:cNvPr id="3" name="Zástupný obsah 2">
-            <a:extLst>
-              <a:ext uri="{FF2B5EF4-FFF2-40B4-BE49-F238E27FC236}">
-                <a16:creationId xmlns:a16="http://schemas.microsoft.com/office/drawing/2014/main" id="{EF177979-1B20-7750-3794-6A11E2948B42}"/>
-              </a:ext>
-            </a:extLst>
-          </p:cNvPr>
-          <p:cNvSpPr>
-            <a:spLocks noGrp="1"/>
-          </p:cNvSpPr>
-          <p:nvPr>
-            <p:ph idx="1"/>
-          </p:nvPr>
-        </p:nvSpPr>
-        <p:spPr>
-          <a:xfrm>
-            <a:off x="1367624" y="2490436"/>
-            <a:ext cx="9708995" cy="3567173"/>
-          </a:xfrm>
-        </p:spPr>
-        <p:txBody>
-          <a:bodyPr anchor="ctr">
-            <a:normAutofit/>
-          </a:bodyPr>
-          <a:lstStyle/>
-          <a:p>
-            <a:r>
               <a:rPr lang="en-SK" dirty="0"/>
               <a:t>Autify</a:t>
             </a:r>
@@ -29890,7 +29769,7 @@
 </p:sld>
 </file>
 
-<file path=ppt/slides/slide33.xml><?xml version="1.0" encoding="utf-8"?>
+<file path=ppt/slides/slide32.xml><?xml version="1.0" encoding="utf-8"?>
 <p:sld xmlns:a="http://schemas.openxmlformats.org/drawingml/2006/main" xmlns:r="http://schemas.openxmlformats.org/officeDocument/2006/relationships" xmlns:p="http://schemas.openxmlformats.org/presentationml/2006/main">
   <p:cSld>
     <p:bg>
@@ -30288,7 +30167,7 @@
 </p:sld>
 </file>
 
-<file path=ppt/slides/slide34.xml><?xml version="1.0" encoding="utf-8"?>
+<file path=ppt/slides/slide33.xml><?xml version="1.0" encoding="utf-8"?>
 <p:sld xmlns:a="http://schemas.openxmlformats.org/drawingml/2006/main" xmlns:r="http://schemas.openxmlformats.org/officeDocument/2006/relationships" xmlns:p="http://schemas.openxmlformats.org/presentationml/2006/main">
   <p:cSld>
     <p:bg>
@@ -31013,7 +30892,7 @@
 </p:sld>
 </file>
 
-<file path=ppt/slides/slide35.xml><?xml version="1.0" encoding="utf-8"?>
+<file path=ppt/slides/slide34.xml><?xml version="1.0" encoding="utf-8"?>
 <p:sld xmlns:a="http://schemas.openxmlformats.org/drawingml/2006/main" xmlns:r="http://schemas.openxmlformats.org/officeDocument/2006/relationships" xmlns:p="http://schemas.openxmlformats.org/presentationml/2006/main">
   <p:cSld>
     <p:bg>
@@ -31449,7 +31328,7 @@
 </p:sld>
 </file>
 
-<file path=ppt/slides/slide36.xml><?xml version="1.0" encoding="utf-8"?>
+<file path=ppt/slides/slide35.xml><?xml version="1.0" encoding="utf-8"?>
 <p:sld xmlns:a="http://schemas.openxmlformats.org/drawingml/2006/main" xmlns:r="http://schemas.openxmlformats.org/officeDocument/2006/relationships" xmlns:p="http://schemas.openxmlformats.org/presentationml/2006/main">
   <p:cSld>
     <p:bg>
@@ -31840,7 +31719,7 @@
 </p:sld>
 </file>
 
-<file path=ppt/slides/slide37.xml><?xml version="1.0" encoding="utf-8"?>
+<file path=ppt/slides/slide36.xml><?xml version="1.0" encoding="utf-8"?>
 <p:sld xmlns:a="http://schemas.openxmlformats.org/drawingml/2006/main" xmlns:r="http://schemas.openxmlformats.org/officeDocument/2006/relationships" xmlns:p="http://schemas.openxmlformats.org/presentationml/2006/main">
   <p:cSld>
     <p:bg>
@@ -32284,7 +32163,7 @@
 </p:sld>
 </file>
 
-<file path=ppt/slides/slide38.xml><?xml version="1.0" encoding="utf-8"?>
+<file path=ppt/slides/slide37.xml><?xml version="1.0" encoding="utf-8"?>
 <p:sld xmlns:a="http://schemas.openxmlformats.org/drawingml/2006/main" xmlns:r="http://schemas.openxmlformats.org/officeDocument/2006/relationships" xmlns:p="http://schemas.openxmlformats.org/presentationml/2006/main">
   <p:cSld>
     <p:bg>
@@ -32831,7 +32710,7 @@
 </p:sld>
 </file>
 
-<file path=ppt/slides/slide39.xml><?xml version="1.0" encoding="utf-8"?>
+<file path=ppt/slides/slide38.xml><?xml version="1.0" encoding="utf-8"?>
 <p:sld xmlns:a="http://schemas.openxmlformats.org/drawingml/2006/main" xmlns:r="http://schemas.openxmlformats.org/officeDocument/2006/relationships" xmlns:p="http://schemas.openxmlformats.org/presentationml/2006/main">
   <p:cSld>
     <p:bg>
@@ -33570,7 +33449,7 @@
 </p:sld>
 </file>
 
-<file path=ppt/slides/slide4.xml><?xml version="1.0" encoding="utf-8"?>
+<file path=ppt/slides/slide39.xml><?xml version="1.0" encoding="utf-8"?>
 <p:sld xmlns:a="http://schemas.openxmlformats.org/drawingml/2006/main" xmlns:r="http://schemas.openxmlformats.org/officeDocument/2006/relationships" xmlns:p="http://schemas.openxmlformats.org/presentationml/2006/main">
   <p:cSld>
     <p:bg>
@@ -33600,7 +33479,7 @@
           <p:cNvPr id="8" name="Rectangle 7">
             <a:extLst>
               <a:ext uri="{FF2B5EF4-FFF2-40B4-BE49-F238E27FC236}">
-                <a16:creationId xmlns:a16="http://schemas.microsoft.com/office/drawing/2014/main" id="{B26EE4FD-480F-42A5-9FEB-DA630457CFB7}"/>
+                <a16:creationId xmlns:a16="http://schemas.microsoft.com/office/drawing/2014/main" id="{76EFD3D9-44F0-4267-BCC1-1613E79D8274}"/>
               </a:ext>
               <a:ext uri="{C183D7F6-B498-43B3-948B-1728B52AA6E4}">
                 <adec:decorative xmlns:adec="http://schemas.microsoft.com/office/drawing/2017/decorative" val="1"/>
@@ -33657,10 +33536,10 @@
       </p:sp>
       <p:sp>
         <p:nvSpPr>
-          <p:cNvPr id="10" name="Freeform 5">
+          <p:cNvPr id="10" name="Freeform 6">
             <a:extLst>
               <a:ext uri="{FF2B5EF4-FFF2-40B4-BE49-F238E27FC236}">
-                <a16:creationId xmlns:a16="http://schemas.microsoft.com/office/drawing/2014/main" id="{A187062F-BE14-42FC-B06A-607DB23849C3}"/>
+                <a16:creationId xmlns:a16="http://schemas.microsoft.com/office/drawing/2014/main" id="{A779A851-95D6-41AF-937A-B0E4B7F6FA8D}"/>
               </a:ext>
               <a:ext uri="{C183D7F6-B498-43B3-948B-1728B52AA6E4}">
                 <adec:decorative xmlns:adec="http://schemas.microsoft.com/office/drawing/2017/decorative" val="1"/>
@@ -33679,23 +33558,23 @@
           </p:nvPr>
         </p:nvSpPr>
         <p:spPr bwMode="auto">
-          <a:xfrm flipH="1">
-            <a:off x="842688" y="1766812"/>
-            <a:ext cx="822493" cy="4232692"/>
+          <a:xfrm>
+            <a:off x="4142164" y="900814"/>
+            <a:ext cx="759618" cy="5710965"/>
           </a:xfrm>
           <a:custGeom>
             <a:avLst/>
             <a:gdLst>
-              <a:gd name="T0" fmla="*/ 491 w 491"/>
-              <a:gd name="T1" fmla="*/ 2247 h 2732"/>
-              <a:gd name="T2" fmla="*/ 0 w 491"/>
-              <a:gd name="T3" fmla="*/ 2732 h 2732"/>
-              <a:gd name="T4" fmla="*/ 0 w 491"/>
-              <a:gd name="T5" fmla="*/ 486 h 2732"/>
-              <a:gd name="T6" fmla="*/ 491 w 491"/>
-              <a:gd name="T7" fmla="*/ 0 h 2732"/>
-              <a:gd name="T8" fmla="*/ 491 w 491"/>
-              <a:gd name="T9" fmla="*/ 2247 h 2732"/>
+              <a:gd name="T0" fmla="*/ 414 w 414"/>
+              <a:gd name="T1" fmla="*/ 2447 h 2447"/>
+              <a:gd name="T2" fmla="*/ 0 w 414"/>
+              <a:gd name="T3" fmla="*/ 2247 h 2447"/>
+              <a:gd name="T4" fmla="*/ 0 w 414"/>
+              <a:gd name="T5" fmla="*/ 0 h 2447"/>
+              <a:gd name="T6" fmla="*/ 414 w 414"/>
+              <a:gd name="T7" fmla="*/ 200 h 2447"/>
+              <a:gd name="T8" fmla="*/ 414 w 414"/>
+              <a:gd name="T9" fmla="*/ 2447 h 2447"/>
             </a:gdLst>
             <a:ahLst/>
             <a:cxnLst>
@@ -33717,21 +33596,124 @@
             </a:cxnLst>
             <a:rect l="0" t="0" r="r" b="b"/>
             <a:pathLst>
-              <a:path w="491" h="2732">
+              <a:path w="414" h="2447">
                 <a:moveTo>
-                  <a:pt x="491" y="2247"/>
+                  <a:pt x="414" y="2447"/>
                 </a:moveTo>
                 <a:lnTo>
-                  <a:pt x="0" y="2732"/>
-                </a:lnTo>
-                <a:lnTo>
-                  <a:pt x="0" y="486"/>
-                </a:lnTo>
-                <a:lnTo>
-                  <a:pt x="491" y="0"/>
-                </a:lnTo>
-                <a:lnTo>
-                  <a:pt x="491" y="2247"/>
+                  <a:pt x="0" y="2247"/>
+                </a:lnTo>
+                <a:lnTo>
+                  <a:pt x="0" y="0"/>
+                </a:lnTo>
+                <a:lnTo>
+                  <a:pt x="414" y="200"/>
+                </a:lnTo>
+                <a:lnTo>
+                  <a:pt x="414" y="2447"/>
+                </a:lnTo>
+                <a:close/>
+              </a:path>
+            </a:pathLst>
+          </a:custGeom>
+          <a:solidFill>
+            <a:schemeClr val="accent1">
+              <a:lumMod val="75000"/>
+            </a:schemeClr>
+          </a:solidFill>
+          <a:ln>
+            <a:noFill/>
+          </a:ln>
+        </p:spPr>
+        <p:txBody>
+          <a:bodyPr vert="horz" wrap="square" lIns="91440" tIns="45720" rIns="91440" bIns="45720" numCol="1" anchor="t" anchorCtr="0" compatLnSpc="1">
+            <a:prstTxWarp prst="textNoShape">
+              <a:avLst/>
+            </a:prstTxWarp>
+          </a:bodyPr>
+          <a:lstStyle/>
+          <a:p>
+            <a:endParaRPr lang="en-US"/>
+          </a:p>
+        </p:txBody>
+      </p:sp>
+      <p:sp>
+        <p:nvSpPr>
+          <p:cNvPr id="12" name="Freeform 7">
+            <a:extLst>
+              <a:ext uri="{FF2B5EF4-FFF2-40B4-BE49-F238E27FC236}">
+                <a16:creationId xmlns:a16="http://schemas.microsoft.com/office/drawing/2014/main" id="{953FB2E7-B6CB-429C-81EB-D9516D6D5C8D}"/>
+              </a:ext>
+              <a:ext uri="{C183D7F6-B498-43B3-948B-1728B52AA6E4}">
+                <adec:decorative xmlns:adec="http://schemas.microsoft.com/office/drawing/2017/decorative" val="1"/>
+              </a:ext>
+            </a:extLst>
+          </p:cNvPr>
+          <p:cNvSpPr>
+            <a:spLocks noGrp="1" noRot="1" noChangeAspect="1" noMove="1" noResize="1" noEditPoints="1" noAdjustHandles="1" noChangeArrowheads="1" noChangeShapeType="1" noTextEdit="1"/>
+          </p:cNvSpPr>
+          <p:nvPr>
+            <p:extLst>
+              <p:ext uri="{386F3935-93C4-4BCD-93E2-E3B085C9AB24}">
+                <p16:designElem xmlns:p16="http://schemas.microsoft.com/office/powerpoint/2015/main" val="1"/>
+              </p:ext>
+            </p:extLst>
+          </p:nvPr>
+        </p:nvSpPr>
+        <p:spPr bwMode="auto">
+          <a:xfrm>
+            <a:off x="4144437" y="633165"/>
+            <a:ext cx="482654" cy="5521414"/>
+          </a:xfrm>
+          <a:custGeom>
+            <a:avLst/>
+            <a:gdLst>
+              <a:gd name="T0" fmla="*/ 209 w 209"/>
+              <a:gd name="T1" fmla="*/ 2246 h 2358"/>
+              <a:gd name="T2" fmla="*/ 0 w 209"/>
+              <a:gd name="T3" fmla="*/ 2358 h 2358"/>
+              <a:gd name="T4" fmla="*/ 0 w 209"/>
+              <a:gd name="T5" fmla="*/ 111 h 2358"/>
+              <a:gd name="T6" fmla="*/ 209 w 209"/>
+              <a:gd name="T7" fmla="*/ 0 h 2358"/>
+              <a:gd name="T8" fmla="*/ 209 w 209"/>
+              <a:gd name="T9" fmla="*/ 2246 h 2358"/>
+            </a:gdLst>
+            <a:ahLst/>
+            <a:cxnLst>
+              <a:cxn ang="0">
+                <a:pos x="T0" y="T1"/>
+              </a:cxn>
+              <a:cxn ang="0">
+                <a:pos x="T2" y="T3"/>
+              </a:cxn>
+              <a:cxn ang="0">
+                <a:pos x="T4" y="T5"/>
+              </a:cxn>
+              <a:cxn ang="0">
+                <a:pos x="T6" y="T7"/>
+              </a:cxn>
+              <a:cxn ang="0">
+                <a:pos x="T8" y="T9"/>
+              </a:cxn>
+            </a:cxnLst>
+            <a:rect l="0" t="0" r="r" b="b"/>
+            <a:pathLst>
+              <a:path w="209" h="2358">
+                <a:moveTo>
+                  <a:pt x="209" y="2246"/>
+                </a:moveTo>
+                <a:lnTo>
+                  <a:pt x="0" y="2358"/>
+                </a:lnTo>
+                <a:lnTo>
+                  <a:pt x="0" y="111"/>
+                </a:lnTo>
+                <a:lnTo>
+                  <a:pt x="209" y="0"/>
+                </a:lnTo>
+                <a:lnTo>
+                  <a:pt x="209" y="2246"/>
                 </a:lnTo>
                 <a:close/>
               </a:path>
@@ -33760,10 +33742,164 @@
       </p:sp>
       <p:sp>
         <p:nvSpPr>
-          <p:cNvPr id="12" name="Freeform 6">
+          <p:cNvPr id="14" name="Freeform: Shape 13">
             <a:extLst>
               <a:ext uri="{FF2B5EF4-FFF2-40B4-BE49-F238E27FC236}">
-                <a16:creationId xmlns:a16="http://schemas.microsoft.com/office/drawing/2014/main" id="{731FE21B-2A45-4BF5-8B03-E12341988774}"/>
+                <a16:creationId xmlns:a16="http://schemas.microsoft.com/office/drawing/2014/main" id="{2EC40DB1-B719-4A13-9A4D-0966B4B27866}"/>
+              </a:ext>
+              <a:ext uri="{C183D7F6-B498-43B3-948B-1728B52AA6E4}">
+                <adec:decorative xmlns:adec="http://schemas.microsoft.com/office/drawing/2017/decorative" val="1"/>
+              </a:ext>
+            </a:extLst>
+          </p:cNvPr>
+          <p:cNvSpPr>
+            <a:spLocks noGrp="1" noRot="1" noChangeAspect="1" noMove="1" noResize="1" noEditPoints="1" noAdjustHandles="1" noChangeArrowheads="1" noChangeShapeType="1" noTextEdit="1"/>
+          </p:cNvSpPr>
+          <p:nvPr>
+            <p:extLst>
+              <p:ext uri="{386F3935-93C4-4BCD-93E2-E3B085C9AB24}">
+                <p16:designElem xmlns:p16="http://schemas.microsoft.com/office/powerpoint/2015/main" val="1"/>
+              </p:ext>
+            </p:extLst>
+          </p:nvPr>
+        </p:nvSpPr>
+        <p:spPr>
+          <a:xfrm>
+            <a:off x="634621" y="636723"/>
+            <a:ext cx="4000062" cy="5257799"/>
+          </a:xfrm>
+          <a:custGeom>
+            <a:avLst/>
+            <a:gdLst>
+              <a:gd name="connsiteX0" fmla="*/ 0 w 4634682"/>
+              <a:gd name="connsiteY0" fmla="*/ 0 h 5257799"/>
+              <a:gd name="connsiteX1" fmla="*/ 4634682 w 4634682"/>
+              <a:gd name="connsiteY1" fmla="*/ 0 h 5257799"/>
+              <a:gd name="connsiteX2" fmla="*/ 4634682 w 4634682"/>
+              <a:gd name="connsiteY2" fmla="*/ 5257799 h 5257799"/>
+              <a:gd name="connsiteX3" fmla="*/ 0 w 4634682"/>
+              <a:gd name="connsiteY3" fmla="*/ 5257799 h 5257799"/>
+            </a:gdLst>
+            <a:ahLst/>
+            <a:cxnLst>
+              <a:cxn ang="0">
+                <a:pos x="connsiteX0" y="connsiteY0"/>
+              </a:cxn>
+              <a:cxn ang="0">
+                <a:pos x="connsiteX1" y="connsiteY1"/>
+              </a:cxn>
+              <a:cxn ang="0">
+                <a:pos x="connsiteX2" y="connsiteY2"/>
+              </a:cxn>
+              <a:cxn ang="0">
+                <a:pos x="connsiteX3" y="connsiteY3"/>
+              </a:cxn>
+            </a:cxnLst>
+            <a:rect l="l" t="t" r="r" b="b"/>
+            <a:pathLst>
+              <a:path w="4634682" h="5257799">
+                <a:moveTo>
+                  <a:pt x="0" y="0"/>
+                </a:moveTo>
+                <a:lnTo>
+                  <a:pt x="4634682" y="0"/>
+                </a:lnTo>
+                <a:lnTo>
+                  <a:pt x="4634682" y="5257799"/>
+                </a:lnTo>
+                <a:lnTo>
+                  <a:pt x="0" y="5257799"/>
+                </a:lnTo>
+                <a:close/>
+              </a:path>
+            </a:pathLst>
+          </a:custGeom>
+          <a:solidFill>
+            <a:schemeClr val="accent1">
+              <a:lumMod val="50000"/>
+            </a:schemeClr>
+          </a:solidFill>
+          <a:ln>
+            <a:noFill/>
+          </a:ln>
+        </p:spPr>
+        <p:style>
+          <a:lnRef idx="2">
+            <a:schemeClr val="accent1">
+              <a:shade val="50000"/>
+            </a:schemeClr>
+          </a:lnRef>
+          <a:fillRef idx="1">
+            <a:schemeClr val="accent1"/>
+          </a:fillRef>
+          <a:effectRef idx="0">
+            <a:schemeClr val="accent1"/>
+          </a:effectRef>
+          <a:fontRef idx="minor">
+            <a:schemeClr val="lt1"/>
+          </a:fontRef>
+        </p:style>
+        <p:txBody>
+          <a:bodyPr wrap="square" rtlCol="0" anchor="ctr">
+            <a:noAutofit/>
+          </a:bodyPr>
+          <a:lstStyle/>
+          <a:p>
+            <a:pPr algn="ctr"/>
+            <a:endParaRPr lang="en-US"/>
+          </a:p>
+        </p:txBody>
+      </p:sp>
+      <p:sp>
+        <p:nvSpPr>
+          <p:cNvPr id="2" name="Title 1">
+            <a:extLst>
+              <a:ext uri="{FF2B5EF4-FFF2-40B4-BE49-F238E27FC236}">
+                <a16:creationId xmlns:a16="http://schemas.microsoft.com/office/drawing/2014/main" id="{FC8EC6B3-F459-93C1-2E88-861E2F2E20DE}"/>
+              </a:ext>
+            </a:extLst>
+          </p:cNvPr>
+          <p:cNvSpPr>
+            <a:spLocks noGrp="1"/>
+          </p:cNvSpPr>
+          <p:nvPr>
+            <p:ph type="title"/>
+          </p:nvPr>
+        </p:nvSpPr>
+        <p:spPr>
+          <a:xfrm>
+            <a:off x="934872" y="982272"/>
+            <a:ext cx="3388419" cy="4560970"/>
+          </a:xfrm>
+        </p:spPr>
+        <p:txBody>
+          <a:bodyPr>
+            <a:normAutofit/>
+          </a:bodyPr>
+          <a:lstStyle/>
+          <a:p>
+            <a:r>
+              <a:rPr lang="sk-SK" sz="4000" b="1">
+                <a:solidFill>
+                  <a:srgbClr val="FFFFFF"/>
+                </a:solidFill>
+              </a:rPr>
+              <a:t>Druhy výkonnostného testovania softvéru</a:t>
+            </a:r>
+            <a:endParaRPr lang="en-US" sz="4000" b="1">
+              <a:solidFill>
+                <a:srgbClr val="FFFFFF"/>
+              </a:solidFill>
+            </a:endParaRPr>
+          </a:p>
+        </p:txBody>
+      </p:sp>
+      <p:sp>
+        <p:nvSpPr>
+          <p:cNvPr id="16" name="Rectangle 8">
+            <a:extLst>
+              <a:ext uri="{FF2B5EF4-FFF2-40B4-BE49-F238E27FC236}">
+                <a16:creationId xmlns:a16="http://schemas.microsoft.com/office/drawing/2014/main" id="{82211336-CFF3-412D-868A-6679C1004C45}"/>
               </a:ext>
               <a:ext uri="{C183D7F6-B498-43B3-948B-1728B52AA6E4}">
                 <adec:decorative xmlns:adec="http://schemas.microsoft.com/office/drawing/2017/decorative" val="1"/>
@@ -33782,215 +33918,9 @@
           </p:nvPr>
         </p:nvSpPr>
         <p:spPr bwMode="auto">
-          <a:xfrm flipH="1">
-            <a:off x="842689" y="1423780"/>
-            <a:ext cx="687754" cy="3820236"/>
-          </a:xfrm>
-          <a:custGeom>
-            <a:avLst/>
-            <a:gdLst>
-              <a:gd name="T0" fmla="*/ 414 w 414"/>
-              <a:gd name="T1" fmla="*/ 2447 h 2447"/>
-              <a:gd name="T2" fmla="*/ 0 w 414"/>
-              <a:gd name="T3" fmla="*/ 2247 h 2447"/>
-              <a:gd name="T4" fmla="*/ 0 w 414"/>
-              <a:gd name="T5" fmla="*/ 0 h 2447"/>
-              <a:gd name="T6" fmla="*/ 414 w 414"/>
-              <a:gd name="T7" fmla="*/ 200 h 2447"/>
-              <a:gd name="T8" fmla="*/ 414 w 414"/>
-              <a:gd name="T9" fmla="*/ 2447 h 2447"/>
-            </a:gdLst>
-            <a:ahLst/>
-            <a:cxnLst>
-              <a:cxn ang="0">
-                <a:pos x="T0" y="T1"/>
-              </a:cxn>
-              <a:cxn ang="0">
-                <a:pos x="T2" y="T3"/>
-              </a:cxn>
-              <a:cxn ang="0">
-                <a:pos x="T4" y="T5"/>
-              </a:cxn>
-              <a:cxn ang="0">
-                <a:pos x="T6" y="T7"/>
-              </a:cxn>
-              <a:cxn ang="0">
-                <a:pos x="T8" y="T9"/>
-              </a:cxn>
-            </a:cxnLst>
-            <a:rect l="0" t="0" r="r" b="b"/>
-            <a:pathLst>
-              <a:path w="414" h="2447">
-                <a:moveTo>
-                  <a:pt x="414" y="2447"/>
-                </a:moveTo>
-                <a:lnTo>
-                  <a:pt x="0" y="2247"/>
-                </a:lnTo>
-                <a:lnTo>
-                  <a:pt x="0" y="0"/>
-                </a:lnTo>
-                <a:lnTo>
-                  <a:pt x="414" y="200"/>
-                </a:lnTo>
-                <a:lnTo>
-                  <a:pt x="414" y="2447"/>
-                </a:lnTo>
-                <a:close/>
-              </a:path>
-            </a:pathLst>
-          </a:custGeom>
-          <a:solidFill>
-            <a:schemeClr val="accent1">
-              <a:lumMod val="75000"/>
-            </a:schemeClr>
-          </a:solidFill>
-          <a:ln>
-            <a:noFill/>
-          </a:ln>
-        </p:spPr>
-        <p:txBody>
-          <a:bodyPr vert="horz" wrap="square" lIns="91440" tIns="45720" rIns="91440" bIns="45720" numCol="1" anchor="t" anchorCtr="0" compatLnSpc="1">
-            <a:prstTxWarp prst="textNoShape">
-              <a:avLst/>
-            </a:prstTxWarp>
-          </a:bodyPr>
-          <a:lstStyle/>
-          <a:p>
-            <a:endParaRPr lang="en-US"/>
-          </a:p>
-        </p:txBody>
-      </p:sp>
-      <p:sp>
-        <p:nvSpPr>
-          <p:cNvPr id="14" name="Freeform 7">
-            <a:extLst>
-              <a:ext uri="{FF2B5EF4-FFF2-40B4-BE49-F238E27FC236}">
-                <a16:creationId xmlns:a16="http://schemas.microsoft.com/office/drawing/2014/main" id="{2DC5A94D-79ED-48F5-9DC5-96CBB507CEC8}"/>
-              </a:ext>
-              <a:ext uri="{C183D7F6-B498-43B3-948B-1728B52AA6E4}">
-                <adec:decorative xmlns:adec="http://schemas.microsoft.com/office/drawing/2017/decorative" val="1"/>
-              </a:ext>
-            </a:extLst>
-          </p:cNvPr>
-          <p:cNvSpPr>
-            <a:spLocks noGrp="1" noRot="1" noChangeAspect="1" noMove="1" noResize="1" noEditPoints="1" noAdjustHandles="1" noChangeArrowheads="1" noChangeShapeType="1" noTextEdit="1"/>
-          </p:cNvSpPr>
-          <p:nvPr>
-            <p:extLst>
-              <p:ext uri="{386F3935-93C4-4BCD-93E2-E3B085C9AB24}">
-                <p16:designElem xmlns:p16="http://schemas.microsoft.com/office/powerpoint/2015/main" val="1"/>
-              </p:ext>
-            </p:extLst>
-          </p:nvPr>
-        </p:nvSpPr>
-        <p:spPr bwMode="auto">
-          <a:xfrm flipH="1">
-            <a:off x="1183243" y="1239381"/>
-            <a:ext cx="347200" cy="3699705"/>
-          </a:xfrm>
-          <a:custGeom>
-            <a:avLst/>
-            <a:gdLst>
-              <a:gd name="T0" fmla="*/ 209 w 209"/>
-              <a:gd name="T1" fmla="*/ 2246 h 2358"/>
-              <a:gd name="T2" fmla="*/ 0 w 209"/>
-              <a:gd name="T3" fmla="*/ 2358 h 2358"/>
-              <a:gd name="T4" fmla="*/ 0 w 209"/>
-              <a:gd name="T5" fmla="*/ 111 h 2358"/>
-              <a:gd name="T6" fmla="*/ 209 w 209"/>
-              <a:gd name="T7" fmla="*/ 0 h 2358"/>
-              <a:gd name="T8" fmla="*/ 209 w 209"/>
-              <a:gd name="T9" fmla="*/ 2246 h 2358"/>
-            </a:gdLst>
-            <a:ahLst/>
-            <a:cxnLst>
-              <a:cxn ang="0">
-                <a:pos x="T0" y="T1"/>
-              </a:cxn>
-              <a:cxn ang="0">
-                <a:pos x="T2" y="T3"/>
-              </a:cxn>
-              <a:cxn ang="0">
-                <a:pos x="T4" y="T5"/>
-              </a:cxn>
-              <a:cxn ang="0">
-                <a:pos x="T6" y="T7"/>
-              </a:cxn>
-              <a:cxn ang="0">
-                <a:pos x="T8" y="T9"/>
-              </a:cxn>
-            </a:cxnLst>
-            <a:rect l="0" t="0" r="r" b="b"/>
-            <a:pathLst>
-              <a:path w="209" h="2358">
-                <a:moveTo>
-                  <a:pt x="209" y="2246"/>
-                </a:moveTo>
-                <a:lnTo>
-                  <a:pt x="0" y="2358"/>
-                </a:lnTo>
-                <a:lnTo>
-                  <a:pt x="0" y="111"/>
-                </a:lnTo>
-                <a:lnTo>
-                  <a:pt x="209" y="0"/>
-                </a:lnTo>
-                <a:lnTo>
-                  <a:pt x="209" y="2246"/>
-                </a:lnTo>
-                <a:close/>
-              </a:path>
-            </a:pathLst>
-          </a:custGeom>
-          <a:solidFill>
-            <a:schemeClr val="accent1">
-              <a:lumMod val="50000"/>
-            </a:schemeClr>
-          </a:solidFill>
-          <a:ln>
-            <a:noFill/>
-          </a:ln>
-        </p:spPr>
-        <p:txBody>
-          <a:bodyPr vert="horz" wrap="square" lIns="91440" tIns="45720" rIns="91440" bIns="45720" numCol="1" anchor="t" anchorCtr="0" compatLnSpc="1">
-            <a:prstTxWarp prst="textNoShape">
-              <a:avLst/>
-            </a:prstTxWarp>
-          </a:bodyPr>
-          <a:lstStyle/>
-          <a:p>
-            <a:endParaRPr lang="en-US"/>
-          </a:p>
-        </p:txBody>
-      </p:sp>
-      <p:sp>
-        <p:nvSpPr>
-          <p:cNvPr id="16" name="Rectangle 8">
-            <a:extLst>
-              <a:ext uri="{FF2B5EF4-FFF2-40B4-BE49-F238E27FC236}">
-                <a16:creationId xmlns:a16="http://schemas.microsoft.com/office/drawing/2014/main" id="{93A3D4BE-AF25-4F9A-9C29-1145CCE24A28}"/>
-              </a:ext>
-              <a:ext uri="{C183D7F6-B498-43B3-948B-1728B52AA6E4}">
-                <adec:decorative xmlns:adec="http://schemas.microsoft.com/office/drawing/2017/decorative" val="1"/>
-              </a:ext>
-            </a:extLst>
-          </p:cNvPr>
-          <p:cNvSpPr>
-            <a:spLocks noGrp="1" noRot="1" noChangeAspect="1" noMove="1" noResize="1" noEditPoints="1" noAdjustHandles="1" noChangeArrowheads="1" noChangeShapeType="1" noTextEdit="1"/>
-          </p:cNvSpPr>
-          <p:nvPr>
-            <p:extLst>
-              <p:ext uri="{386F3935-93C4-4BCD-93E2-E3B085C9AB24}">
-                <p16:designElem xmlns:p16="http://schemas.microsoft.com/office/powerpoint/2015/main" val="1"/>
-              </p:ext>
-            </p:extLst>
-          </p:nvPr>
-        </p:nvSpPr>
-        <p:spPr bwMode="auto">
-          <a:xfrm flipH="1">
-            <a:off x="1183242" y="1230651"/>
-            <a:ext cx="10208658" cy="3531073"/>
+          <a:xfrm>
+            <a:off x="4901782" y="1352302"/>
+            <a:ext cx="6655597" cy="5251646"/>
           </a:xfrm>
           <a:prstGeom prst="rect">
             <a:avLst/>
@@ -34016,10 +33946,10 @@
       </p:sp>
       <p:sp>
         <p:nvSpPr>
-          <p:cNvPr id="2" name="Title 1">
+          <p:cNvPr id="3" name="Content Placeholder 2">
             <a:extLst>
               <a:ext uri="{FF2B5EF4-FFF2-40B4-BE49-F238E27FC236}">
-                <a16:creationId xmlns:a16="http://schemas.microsoft.com/office/drawing/2014/main" id="{8E6466EE-E499-F754-6C92-8EB1FB336B9C}"/>
+                <a16:creationId xmlns:a16="http://schemas.microsoft.com/office/drawing/2014/main" id="{B3EB5920-8BDA-B706-DC40-8B5BDF59D33F}"/>
               </a:ext>
             </a:extLst>
           </p:cNvPr>
@@ -34027,86 +33957,123 @@
             <a:spLocks noGrp="1"/>
           </p:cNvSpPr>
           <p:nvPr>
-            <p:ph type="ctrTitle"/>
+            <p:ph idx="1"/>
           </p:nvPr>
         </p:nvSpPr>
         <p:spPr>
           <a:xfrm>
-            <a:off x="1977896" y="2324645"/>
-            <a:ext cx="9236026" cy="1343083"/>
+            <a:off x="5221862" y="1719618"/>
+            <a:ext cx="5948831" cy="4334629"/>
           </a:xfrm>
         </p:spPr>
         <p:txBody>
-          <a:bodyPr anchor="b">
+          <a:bodyPr anchor="ctr">
             <a:normAutofit/>
           </a:bodyPr>
           <a:lstStyle/>
           <a:p>
-            <a:pPr algn="l"/>
-            <a:r>
-              <a:rPr lang="en-US" sz="6600" b="1" dirty="0">
+            <a:r>
+              <a:rPr lang="sk-SK" sz="2400" b="1">
                 <a:solidFill>
-                  <a:srgbClr val="FFFFFF"/>
+                  <a:srgbClr val="FEFFFF"/>
                 </a:solidFill>
               </a:rPr>
-              <a:t>Unit testy</a:t>
-            </a:r>
-          </a:p>
-        </p:txBody>
-      </p:sp>
-      <p:sp>
-        <p:nvSpPr>
-          <p:cNvPr id="3" name="Subtitle 2">
-            <a:extLst>
-              <a:ext uri="{FF2B5EF4-FFF2-40B4-BE49-F238E27FC236}">
-                <a16:creationId xmlns:a16="http://schemas.microsoft.com/office/drawing/2014/main" id="{30BF4DFB-0439-C7E9-65BD-7BB7427C3CEA}"/>
-              </a:ext>
-            </a:extLst>
-          </p:cNvPr>
-          <p:cNvSpPr>
-            <a:spLocks noGrp="1"/>
-          </p:cNvSpPr>
-          <p:nvPr>
-            <p:ph type="subTitle" idx="1"/>
-          </p:nvPr>
-        </p:nvSpPr>
-        <p:spPr>
-          <a:xfrm>
-            <a:off x="1987499" y="4810308"/>
-            <a:ext cx="9003022" cy="1076551"/>
-          </a:xfrm>
-        </p:spPr>
-        <p:txBody>
-          <a:bodyPr>
-            <a:normAutofit/>
-          </a:bodyPr>
-          <a:lstStyle/>
-          <a:p>
-            <a:pPr algn="r"/>
-            <a:r>
-              <a:rPr lang="sk-SK" dirty="0"/>
-              <a:t>Vypracoval </a:t>
-            </a:r>
-            <a:r>
-              <a:rPr lang="en-US" dirty="0" err="1"/>
-              <a:t>Juraj</a:t>
-            </a:r>
-            <a:r>
-              <a:rPr lang="en-US" dirty="0"/>
-              <a:t> </a:t>
-            </a:r>
-            <a:r>
-              <a:rPr lang="en-US" dirty="0" err="1"/>
-              <a:t>Puszter</a:t>
-            </a:r>
-            <a:endParaRPr lang="en-US" dirty="0"/>
+              <a:t>Load testing </a:t>
+            </a:r>
+            <a:r>
+              <a:rPr lang="sk-SK" sz="2400">
+                <a:solidFill>
+                  <a:srgbClr val="FEFFFF"/>
+                </a:solidFill>
+              </a:rPr>
+              <a:t>– testovanie očakávanej záťaže</a:t>
+            </a:r>
+          </a:p>
+          <a:p>
+            <a:r>
+              <a:rPr lang="sk-SK" sz="2400" b="1">
+                <a:solidFill>
+                  <a:srgbClr val="FEFFFF"/>
+                </a:solidFill>
+              </a:rPr>
+              <a:t>Stress testing </a:t>
+            </a:r>
+            <a:r>
+              <a:rPr lang="sk-SK" sz="2400">
+                <a:solidFill>
+                  <a:srgbClr val="FEFFFF"/>
+                </a:solidFill>
+              </a:rPr>
+              <a:t>– testovanie hraničnej záťaže</a:t>
+            </a:r>
+          </a:p>
+          <a:p>
+            <a:r>
+              <a:rPr lang="sk-SK" sz="2400" b="1">
+                <a:solidFill>
+                  <a:srgbClr val="FEFFFF"/>
+                </a:solidFill>
+              </a:rPr>
+              <a:t>Spike testing</a:t>
+            </a:r>
+            <a:r>
+              <a:rPr lang="sk-SK" sz="2400">
+                <a:solidFill>
+                  <a:srgbClr val="FEFFFF"/>
+                </a:solidFill>
+              </a:rPr>
+              <a:t> – testovanie prudkého zvýšenia záťaže</a:t>
+            </a:r>
+          </a:p>
+          <a:p>
+            <a:r>
+              <a:rPr lang="sk-SK" sz="2400" b="1">
+                <a:solidFill>
+                  <a:srgbClr val="FEFFFF"/>
+                </a:solidFill>
+              </a:rPr>
+              <a:t>Endurance testing</a:t>
+            </a:r>
+            <a:r>
+              <a:rPr lang="sk-SK" sz="2400">
+                <a:solidFill>
+                  <a:srgbClr val="FEFFFF"/>
+                </a:solidFill>
+              </a:rPr>
+              <a:t> – testovanie dlhodobej záťaže</a:t>
+            </a:r>
+          </a:p>
+          <a:p>
+            <a:r>
+              <a:rPr lang="sk-SK" sz="2400">
+                <a:solidFill>
+                  <a:srgbClr val="FEFFFF"/>
+                </a:solidFill>
+              </a:rPr>
+              <a:t>Volume testing</a:t>
+            </a:r>
+          </a:p>
+          <a:p>
+            <a:r>
+              <a:rPr lang="sk-SK" sz="2400">
+                <a:solidFill>
+                  <a:srgbClr val="FEFFFF"/>
+                </a:solidFill>
+              </a:rPr>
+              <a:t>Scalability testing</a:t>
+            </a:r>
+            <a:endParaRPr lang="en-US" sz="2400">
+              <a:solidFill>
+                <a:srgbClr val="FEFFFF"/>
+              </a:solidFill>
+            </a:endParaRPr>
           </a:p>
         </p:txBody>
       </p:sp>
     </p:spTree>
     <p:extLst>
       <p:ext uri="{BB962C8B-B14F-4D97-AF65-F5344CB8AC3E}">
-        <p14:creationId xmlns:p14="http://schemas.microsoft.com/office/powerpoint/2010/main" val="281656120"/>
+        <p14:creationId xmlns:p14="http://schemas.microsoft.com/office/powerpoint/2010/main" val="2057964378"/>
       </p:ext>
     </p:extLst>
   </p:cSld>
@@ -34116,7 +34083,7 @@
 </p:sld>
 </file>
 
-<file path=ppt/slides/slide40.xml><?xml version="1.0" encoding="utf-8"?>
+<file path=ppt/slides/slide4.xml><?xml version="1.0" encoding="utf-8"?>
 <p:sld xmlns:a="http://schemas.openxmlformats.org/drawingml/2006/main" xmlns:r="http://schemas.openxmlformats.org/officeDocument/2006/relationships" xmlns:p="http://schemas.openxmlformats.org/presentationml/2006/main">
   <p:cSld>
     <p:bg>
@@ -34146,7 +34113,7 @@
           <p:cNvPr id="8" name="Rectangle 7">
             <a:extLst>
               <a:ext uri="{FF2B5EF4-FFF2-40B4-BE49-F238E27FC236}">
-                <a16:creationId xmlns:a16="http://schemas.microsoft.com/office/drawing/2014/main" id="{76EFD3D9-44F0-4267-BCC1-1613E79D8274}"/>
+                <a16:creationId xmlns:a16="http://schemas.microsoft.com/office/drawing/2014/main" id="{B26EE4FD-480F-42A5-9FEB-DA630457CFB7}"/>
               </a:ext>
               <a:ext uri="{C183D7F6-B498-43B3-948B-1728B52AA6E4}">
                 <adec:decorative xmlns:adec="http://schemas.microsoft.com/office/drawing/2017/decorative" val="1"/>
@@ -34203,10 +34170,10 @@
       </p:sp>
       <p:sp>
         <p:nvSpPr>
-          <p:cNvPr id="10" name="Freeform 6">
+          <p:cNvPr id="10" name="Freeform 5">
             <a:extLst>
               <a:ext uri="{FF2B5EF4-FFF2-40B4-BE49-F238E27FC236}">
-                <a16:creationId xmlns:a16="http://schemas.microsoft.com/office/drawing/2014/main" id="{A779A851-95D6-41AF-937A-B0E4B7F6FA8D}"/>
+                <a16:creationId xmlns:a16="http://schemas.microsoft.com/office/drawing/2014/main" id="{A187062F-BE14-42FC-B06A-607DB23849C3}"/>
               </a:ext>
               <a:ext uri="{C183D7F6-B498-43B3-948B-1728B52AA6E4}">
                 <adec:decorative xmlns:adec="http://schemas.microsoft.com/office/drawing/2017/decorative" val="1"/>
@@ -34225,9 +34192,112 @@
           </p:nvPr>
         </p:nvSpPr>
         <p:spPr bwMode="auto">
-          <a:xfrm>
-            <a:off x="4142164" y="900814"/>
-            <a:ext cx="759618" cy="5710965"/>
+          <a:xfrm flipH="1">
+            <a:off x="842688" y="1766812"/>
+            <a:ext cx="822493" cy="4232692"/>
+          </a:xfrm>
+          <a:custGeom>
+            <a:avLst/>
+            <a:gdLst>
+              <a:gd name="T0" fmla="*/ 491 w 491"/>
+              <a:gd name="T1" fmla="*/ 2247 h 2732"/>
+              <a:gd name="T2" fmla="*/ 0 w 491"/>
+              <a:gd name="T3" fmla="*/ 2732 h 2732"/>
+              <a:gd name="T4" fmla="*/ 0 w 491"/>
+              <a:gd name="T5" fmla="*/ 486 h 2732"/>
+              <a:gd name="T6" fmla="*/ 491 w 491"/>
+              <a:gd name="T7" fmla="*/ 0 h 2732"/>
+              <a:gd name="T8" fmla="*/ 491 w 491"/>
+              <a:gd name="T9" fmla="*/ 2247 h 2732"/>
+            </a:gdLst>
+            <a:ahLst/>
+            <a:cxnLst>
+              <a:cxn ang="0">
+                <a:pos x="T0" y="T1"/>
+              </a:cxn>
+              <a:cxn ang="0">
+                <a:pos x="T2" y="T3"/>
+              </a:cxn>
+              <a:cxn ang="0">
+                <a:pos x="T4" y="T5"/>
+              </a:cxn>
+              <a:cxn ang="0">
+                <a:pos x="T6" y="T7"/>
+              </a:cxn>
+              <a:cxn ang="0">
+                <a:pos x="T8" y="T9"/>
+              </a:cxn>
+            </a:cxnLst>
+            <a:rect l="0" t="0" r="r" b="b"/>
+            <a:pathLst>
+              <a:path w="491" h="2732">
+                <a:moveTo>
+                  <a:pt x="491" y="2247"/>
+                </a:moveTo>
+                <a:lnTo>
+                  <a:pt x="0" y="2732"/>
+                </a:lnTo>
+                <a:lnTo>
+                  <a:pt x="0" y="486"/>
+                </a:lnTo>
+                <a:lnTo>
+                  <a:pt x="491" y="0"/>
+                </a:lnTo>
+                <a:lnTo>
+                  <a:pt x="491" y="2247"/>
+                </a:lnTo>
+                <a:close/>
+              </a:path>
+            </a:pathLst>
+          </a:custGeom>
+          <a:solidFill>
+            <a:schemeClr val="accent1">
+              <a:lumMod val="50000"/>
+            </a:schemeClr>
+          </a:solidFill>
+          <a:ln>
+            <a:noFill/>
+          </a:ln>
+        </p:spPr>
+        <p:txBody>
+          <a:bodyPr vert="horz" wrap="square" lIns="91440" tIns="45720" rIns="91440" bIns="45720" numCol="1" anchor="t" anchorCtr="0" compatLnSpc="1">
+            <a:prstTxWarp prst="textNoShape">
+              <a:avLst/>
+            </a:prstTxWarp>
+          </a:bodyPr>
+          <a:lstStyle/>
+          <a:p>
+            <a:endParaRPr lang="en-US"/>
+          </a:p>
+        </p:txBody>
+      </p:sp>
+      <p:sp>
+        <p:nvSpPr>
+          <p:cNvPr id="12" name="Freeform 6">
+            <a:extLst>
+              <a:ext uri="{FF2B5EF4-FFF2-40B4-BE49-F238E27FC236}">
+                <a16:creationId xmlns:a16="http://schemas.microsoft.com/office/drawing/2014/main" id="{731FE21B-2A45-4BF5-8B03-E12341988774}"/>
+              </a:ext>
+              <a:ext uri="{C183D7F6-B498-43B3-948B-1728B52AA6E4}">
+                <adec:decorative xmlns:adec="http://schemas.microsoft.com/office/drawing/2017/decorative" val="1"/>
+              </a:ext>
+            </a:extLst>
+          </p:cNvPr>
+          <p:cNvSpPr>
+            <a:spLocks noGrp="1" noRot="1" noChangeAspect="1" noMove="1" noResize="1" noEditPoints="1" noAdjustHandles="1" noChangeArrowheads="1" noChangeShapeType="1" noTextEdit="1"/>
+          </p:cNvSpPr>
+          <p:nvPr>
+            <p:extLst>
+              <p:ext uri="{386F3935-93C4-4BCD-93E2-E3B085C9AB24}">
+                <p16:designElem xmlns:p16="http://schemas.microsoft.com/office/powerpoint/2015/main" val="1"/>
+              </p:ext>
+            </p:extLst>
+          </p:nvPr>
+        </p:nvSpPr>
+        <p:spPr bwMode="auto">
+          <a:xfrm flipH="1">
+            <a:off x="842689" y="1423780"/>
+            <a:ext cx="687754" cy="3820236"/>
           </a:xfrm>
           <a:custGeom>
             <a:avLst/>
@@ -34306,10 +34376,10 @@
       </p:sp>
       <p:sp>
         <p:nvSpPr>
-          <p:cNvPr id="12" name="Freeform 7">
+          <p:cNvPr id="14" name="Freeform 7">
             <a:extLst>
               <a:ext uri="{FF2B5EF4-FFF2-40B4-BE49-F238E27FC236}">
-                <a16:creationId xmlns:a16="http://schemas.microsoft.com/office/drawing/2014/main" id="{953FB2E7-B6CB-429C-81EB-D9516D6D5C8D}"/>
+                <a16:creationId xmlns:a16="http://schemas.microsoft.com/office/drawing/2014/main" id="{2DC5A94D-79ED-48F5-9DC5-96CBB507CEC8}"/>
               </a:ext>
               <a:ext uri="{C183D7F6-B498-43B3-948B-1728B52AA6E4}">
                 <adec:decorative xmlns:adec="http://schemas.microsoft.com/office/drawing/2017/decorative" val="1"/>
@@ -34328,9 +34398,9 @@
           </p:nvPr>
         </p:nvSpPr>
         <p:spPr bwMode="auto">
-          <a:xfrm>
-            <a:off x="4144437" y="633165"/>
-            <a:ext cx="482654" cy="5521414"/>
+          <a:xfrm flipH="1">
+            <a:off x="1183243" y="1239381"/>
+            <a:ext cx="347200" cy="3699705"/>
           </a:xfrm>
           <a:custGeom>
             <a:avLst/>
@@ -34409,164 +34479,10 @@
       </p:sp>
       <p:sp>
         <p:nvSpPr>
-          <p:cNvPr id="14" name="Freeform: Shape 13">
-            <a:extLst>
-              <a:ext uri="{FF2B5EF4-FFF2-40B4-BE49-F238E27FC236}">
-                <a16:creationId xmlns:a16="http://schemas.microsoft.com/office/drawing/2014/main" id="{2EC40DB1-B719-4A13-9A4D-0966B4B27866}"/>
-              </a:ext>
-              <a:ext uri="{C183D7F6-B498-43B3-948B-1728B52AA6E4}">
-                <adec:decorative xmlns:adec="http://schemas.microsoft.com/office/drawing/2017/decorative" val="1"/>
-              </a:ext>
-            </a:extLst>
-          </p:cNvPr>
-          <p:cNvSpPr>
-            <a:spLocks noGrp="1" noRot="1" noChangeAspect="1" noMove="1" noResize="1" noEditPoints="1" noAdjustHandles="1" noChangeArrowheads="1" noChangeShapeType="1" noTextEdit="1"/>
-          </p:cNvSpPr>
-          <p:nvPr>
-            <p:extLst>
-              <p:ext uri="{386F3935-93C4-4BCD-93E2-E3B085C9AB24}">
-                <p16:designElem xmlns:p16="http://schemas.microsoft.com/office/powerpoint/2015/main" val="1"/>
-              </p:ext>
-            </p:extLst>
-          </p:nvPr>
-        </p:nvSpPr>
-        <p:spPr>
-          <a:xfrm>
-            <a:off x="634621" y="636723"/>
-            <a:ext cx="4000062" cy="5257799"/>
-          </a:xfrm>
-          <a:custGeom>
-            <a:avLst/>
-            <a:gdLst>
-              <a:gd name="connsiteX0" fmla="*/ 0 w 4634682"/>
-              <a:gd name="connsiteY0" fmla="*/ 0 h 5257799"/>
-              <a:gd name="connsiteX1" fmla="*/ 4634682 w 4634682"/>
-              <a:gd name="connsiteY1" fmla="*/ 0 h 5257799"/>
-              <a:gd name="connsiteX2" fmla="*/ 4634682 w 4634682"/>
-              <a:gd name="connsiteY2" fmla="*/ 5257799 h 5257799"/>
-              <a:gd name="connsiteX3" fmla="*/ 0 w 4634682"/>
-              <a:gd name="connsiteY3" fmla="*/ 5257799 h 5257799"/>
-            </a:gdLst>
-            <a:ahLst/>
-            <a:cxnLst>
-              <a:cxn ang="0">
-                <a:pos x="connsiteX0" y="connsiteY0"/>
-              </a:cxn>
-              <a:cxn ang="0">
-                <a:pos x="connsiteX1" y="connsiteY1"/>
-              </a:cxn>
-              <a:cxn ang="0">
-                <a:pos x="connsiteX2" y="connsiteY2"/>
-              </a:cxn>
-              <a:cxn ang="0">
-                <a:pos x="connsiteX3" y="connsiteY3"/>
-              </a:cxn>
-            </a:cxnLst>
-            <a:rect l="l" t="t" r="r" b="b"/>
-            <a:pathLst>
-              <a:path w="4634682" h="5257799">
-                <a:moveTo>
-                  <a:pt x="0" y="0"/>
-                </a:moveTo>
-                <a:lnTo>
-                  <a:pt x="4634682" y="0"/>
-                </a:lnTo>
-                <a:lnTo>
-                  <a:pt x="4634682" y="5257799"/>
-                </a:lnTo>
-                <a:lnTo>
-                  <a:pt x="0" y="5257799"/>
-                </a:lnTo>
-                <a:close/>
-              </a:path>
-            </a:pathLst>
-          </a:custGeom>
-          <a:solidFill>
-            <a:schemeClr val="accent1">
-              <a:lumMod val="50000"/>
-            </a:schemeClr>
-          </a:solidFill>
-          <a:ln>
-            <a:noFill/>
-          </a:ln>
-        </p:spPr>
-        <p:style>
-          <a:lnRef idx="2">
-            <a:schemeClr val="accent1">
-              <a:shade val="50000"/>
-            </a:schemeClr>
-          </a:lnRef>
-          <a:fillRef idx="1">
-            <a:schemeClr val="accent1"/>
-          </a:fillRef>
-          <a:effectRef idx="0">
-            <a:schemeClr val="accent1"/>
-          </a:effectRef>
-          <a:fontRef idx="minor">
-            <a:schemeClr val="lt1"/>
-          </a:fontRef>
-        </p:style>
-        <p:txBody>
-          <a:bodyPr wrap="square" rtlCol="0" anchor="ctr">
-            <a:noAutofit/>
-          </a:bodyPr>
-          <a:lstStyle/>
-          <a:p>
-            <a:pPr algn="ctr"/>
-            <a:endParaRPr lang="en-US"/>
-          </a:p>
-        </p:txBody>
-      </p:sp>
-      <p:sp>
-        <p:nvSpPr>
-          <p:cNvPr id="2" name="Title 1">
-            <a:extLst>
-              <a:ext uri="{FF2B5EF4-FFF2-40B4-BE49-F238E27FC236}">
-                <a16:creationId xmlns:a16="http://schemas.microsoft.com/office/drawing/2014/main" id="{FC8EC6B3-F459-93C1-2E88-861E2F2E20DE}"/>
-              </a:ext>
-            </a:extLst>
-          </p:cNvPr>
-          <p:cNvSpPr>
-            <a:spLocks noGrp="1"/>
-          </p:cNvSpPr>
-          <p:nvPr>
-            <p:ph type="title"/>
-          </p:nvPr>
-        </p:nvSpPr>
-        <p:spPr>
-          <a:xfrm>
-            <a:off x="934872" y="982272"/>
-            <a:ext cx="3388419" cy="4560970"/>
-          </a:xfrm>
-        </p:spPr>
-        <p:txBody>
-          <a:bodyPr>
-            <a:normAutofit/>
-          </a:bodyPr>
-          <a:lstStyle/>
-          <a:p>
-            <a:r>
-              <a:rPr lang="sk-SK" sz="4000" b="1">
-                <a:solidFill>
-                  <a:srgbClr val="FFFFFF"/>
-                </a:solidFill>
-              </a:rPr>
-              <a:t>Druhy výkonnostného testovania softvéru</a:t>
-            </a:r>
-            <a:endParaRPr lang="en-US" sz="4000" b="1">
-              <a:solidFill>
-                <a:srgbClr val="FFFFFF"/>
-              </a:solidFill>
-            </a:endParaRPr>
-          </a:p>
-        </p:txBody>
-      </p:sp>
-      <p:sp>
-        <p:nvSpPr>
           <p:cNvPr id="16" name="Rectangle 8">
             <a:extLst>
               <a:ext uri="{FF2B5EF4-FFF2-40B4-BE49-F238E27FC236}">
-                <a16:creationId xmlns:a16="http://schemas.microsoft.com/office/drawing/2014/main" id="{82211336-CFF3-412D-868A-6679C1004C45}"/>
+                <a16:creationId xmlns:a16="http://schemas.microsoft.com/office/drawing/2014/main" id="{93A3D4BE-AF25-4F9A-9C29-1145CCE24A28}"/>
               </a:ext>
               <a:ext uri="{C183D7F6-B498-43B3-948B-1728B52AA6E4}">
                 <adec:decorative xmlns:adec="http://schemas.microsoft.com/office/drawing/2017/decorative" val="1"/>
@@ -34585,9 +34501,9 @@
           </p:nvPr>
         </p:nvSpPr>
         <p:spPr bwMode="auto">
-          <a:xfrm>
-            <a:off x="4901782" y="1352302"/>
-            <a:ext cx="6655597" cy="5251646"/>
+          <a:xfrm flipH="1">
+            <a:off x="1183242" y="1230651"/>
+            <a:ext cx="10208658" cy="3531073"/>
           </a:xfrm>
           <a:prstGeom prst="rect">
             <a:avLst/>
@@ -34613,10 +34529,10 @@
       </p:sp>
       <p:sp>
         <p:nvSpPr>
-          <p:cNvPr id="3" name="Content Placeholder 2">
+          <p:cNvPr id="2" name="Title 1">
             <a:extLst>
               <a:ext uri="{FF2B5EF4-FFF2-40B4-BE49-F238E27FC236}">
-                <a16:creationId xmlns:a16="http://schemas.microsoft.com/office/drawing/2014/main" id="{B3EB5920-8BDA-B706-DC40-8B5BDF59D33F}"/>
+                <a16:creationId xmlns:a16="http://schemas.microsoft.com/office/drawing/2014/main" id="{8E6466EE-E499-F754-6C92-8EB1FB336B9C}"/>
               </a:ext>
             </a:extLst>
           </p:cNvPr>
@@ -34624,123 +34540,86 @@
             <a:spLocks noGrp="1"/>
           </p:cNvSpPr>
           <p:nvPr>
-            <p:ph idx="1"/>
+            <p:ph type="ctrTitle"/>
           </p:nvPr>
         </p:nvSpPr>
         <p:spPr>
           <a:xfrm>
-            <a:off x="5221862" y="1719618"/>
-            <a:ext cx="5948831" cy="4334629"/>
+            <a:off x="1977896" y="2324645"/>
+            <a:ext cx="9236026" cy="1343083"/>
           </a:xfrm>
         </p:spPr>
         <p:txBody>
-          <a:bodyPr anchor="ctr">
+          <a:bodyPr anchor="b">
             <a:normAutofit/>
           </a:bodyPr>
           <a:lstStyle/>
           <a:p>
-            <a:r>
-              <a:rPr lang="sk-SK" sz="2400" b="1">
+            <a:pPr algn="l"/>
+            <a:r>
+              <a:rPr lang="en-US" sz="6600" b="1" dirty="0">
                 <a:solidFill>
-                  <a:srgbClr val="FEFFFF"/>
+                  <a:srgbClr val="FFFFFF"/>
                 </a:solidFill>
               </a:rPr>
-              <a:t>Load testing </a:t>
-            </a:r>
-            <a:r>
-              <a:rPr lang="sk-SK" sz="2400">
-                <a:solidFill>
-                  <a:srgbClr val="FEFFFF"/>
-                </a:solidFill>
-              </a:rPr>
-              <a:t>– testovanie očakávanej záťaže</a:t>
-            </a:r>
-          </a:p>
-          <a:p>
-            <a:r>
-              <a:rPr lang="sk-SK" sz="2400" b="1">
-                <a:solidFill>
-                  <a:srgbClr val="FEFFFF"/>
-                </a:solidFill>
-              </a:rPr>
-              <a:t>Stress testing </a:t>
-            </a:r>
-            <a:r>
-              <a:rPr lang="sk-SK" sz="2400">
-                <a:solidFill>
-                  <a:srgbClr val="FEFFFF"/>
-                </a:solidFill>
-              </a:rPr>
-              <a:t>– testovanie hraničnej záťaže</a:t>
-            </a:r>
-          </a:p>
-          <a:p>
-            <a:r>
-              <a:rPr lang="sk-SK" sz="2400" b="1">
-                <a:solidFill>
-                  <a:srgbClr val="FEFFFF"/>
-                </a:solidFill>
-              </a:rPr>
-              <a:t>Spike testing</a:t>
-            </a:r>
-            <a:r>
-              <a:rPr lang="sk-SK" sz="2400">
-                <a:solidFill>
-                  <a:srgbClr val="FEFFFF"/>
-                </a:solidFill>
-              </a:rPr>
-              <a:t> – testovanie prudkého zvýšenia záťaže</a:t>
-            </a:r>
-          </a:p>
-          <a:p>
-            <a:r>
-              <a:rPr lang="sk-SK" sz="2400" b="1">
-                <a:solidFill>
-                  <a:srgbClr val="FEFFFF"/>
-                </a:solidFill>
-              </a:rPr>
-              <a:t>Endurance testing</a:t>
-            </a:r>
-            <a:r>
-              <a:rPr lang="sk-SK" sz="2400">
-                <a:solidFill>
-                  <a:srgbClr val="FEFFFF"/>
-                </a:solidFill>
-              </a:rPr>
-              <a:t> – testovanie dlhodobej záťaže</a:t>
-            </a:r>
-          </a:p>
-          <a:p>
-            <a:r>
-              <a:rPr lang="sk-SK" sz="2400">
-                <a:solidFill>
-                  <a:srgbClr val="FEFFFF"/>
-                </a:solidFill>
-              </a:rPr>
-              <a:t>Volume testing</a:t>
-            </a:r>
-          </a:p>
-          <a:p>
-            <a:r>
-              <a:rPr lang="sk-SK" sz="2400">
-                <a:solidFill>
-                  <a:srgbClr val="FEFFFF"/>
-                </a:solidFill>
-              </a:rPr>
-              <a:t>Scalability testing</a:t>
-            </a:r>
-            <a:endParaRPr lang="en-US" sz="2400">
-              <a:solidFill>
-                <a:srgbClr val="FEFFFF"/>
-              </a:solidFill>
-            </a:endParaRPr>
+              <a:t>Unit testy</a:t>
+            </a:r>
+          </a:p>
+        </p:txBody>
+      </p:sp>
+      <p:sp>
+        <p:nvSpPr>
+          <p:cNvPr id="3" name="Subtitle 2">
+            <a:extLst>
+              <a:ext uri="{FF2B5EF4-FFF2-40B4-BE49-F238E27FC236}">
+                <a16:creationId xmlns:a16="http://schemas.microsoft.com/office/drawing/2014/main" id="{30BF4DFB-0439-C7E9-65BD-7BB7427C3CEA}"/>
+              </a:ext>
+            </a:extLst>
+          </p:cNvPr>
+          <p:cNvSpPr>
+            <a:spLocks noGrp="1"/>
+          </p:cNvSpPr>
+          <p:nvPr>
+            <p:ph type="subTitle" idx="1"/>
+          </p:nvPr>
+        </p:nvSpPr>
+        <p:spPr>
+          <a:xfrm>
+            <a:off x="1987499" y="4810308"/>
+            <a:ext cx="9003022" cy="1076551"/>
+          </a:xfrm>
+        </p:spPr>
+        <p:txBody>
+          <a:bodyPr>
+            <a:normAutofit/>
+          </a:bodyPr>
+          <a:lstStyle/>
+          <a:p>
+            <a:pPr algn="r"/>
+            <a:r>
+              <a:rPr lang="sk-SK" dirty="0"/>
+              <a:t>Vypracoval </a:t>
+            </a:r>
+            <a:r>
+              <a:rPr lang="en-US" dirty="0" err="1"/>
+              <a:t>Juraj</a:t>
+            </a:r>
+            <a:r>
+              <a:rPr lang="en-US" dirty="0"/>
+              <a:t> </a:t>
+            </a:r>
+            <a:r>
+              <a:rPr lang="en-US" dirty="0" err="1"/>
+              <a:t>Puszter</a:t>
+            </a:r>
+            <a:endParaRPr lang="en-US" dirty="0"/>
           </a:p>
         </p:txBody>
       </p:sp>
     </p:spTree>
     <p:extLst>
       <p:ext uri="{BB962C8B-B14F-4D97-AF65-F5344CB8AC3E}">
-        <p14:creationId xmlns:p14="http://schemas.microsoft.com/office/powerpoint/2010/main" val="2057964378"/>
+        <p14:creationId xmlns:p14="http://schemas.microsoft.com/office/powerpoint/2010/main" val="281656120"/>
       </p:ext>
     </p:extLst>
   </p:cSld>
@@ -34750,7 +34629,7 @@
 </p:sld>
 </file>
 
-<file path=ppt/slides/slide41.xml><?xml version="1.0" encoding="utf-8"?>
+<file path=ppt/slides/slide40.xml><?xml version="1.0" encoding="utf-8"?>
 <p:sld xmlns:a="http://schemas.openxmlformats.org/drawingml/2006/main" xmlns:r="http://schemas.openxmlformats.org/officeDocument/2006/relationships" xmlns:p="http://schemas.openxmlformats.org/presentationml/2006/main">
   <p:cSld>
     <p:spTree>
@@ -34889,7 +34768,7 @@
 </p:sld>
 </file>
 
-<file path=ppt/slides/slide42.xml><?xml version="1.0" encoding="utf-8"?>
+<file path=ppt/slides/slide41.xml><?xml version="1.0" encoding="utf-8"?>
 <p:sld xmlns:a="http://schemas.openxmlformats.org/drawingml/2006/main" xmlns:r="http://schemas.openxmlformats.org/officeDocument/2006/relationships" xmlns:p="http://schemas.openxmlformats.org/presentationml/2006/main">
   <p:cSld>
     <p:bg>
@@ -35663,7 +35542,7 @@
 </p:sld>
 </file>
 
-<file path=ppt/slides/slide43.xml><?xml version="1.0" encoding="utf-8"?>
+<file path=ppt/slides/slide42.xml><?xml version="1.0" encoding="utf-8"?>
 <p:sld xmlns:a="http://schemas.openxmlformats.org/drawingml/2006/main" xmlns:r="http://schemas.openxmlformats.org/officeDocument/2006/relationships" xmlns:p="http://schemas.openxmlformats.org/presentationml/2006/main">
   <p:cSld>
     <p:bg>
@@ -35891,7 +35770,7 @@
 </p:sld>
 </file>
 
-<file path=ppt/slides/slide44.xml><?xml version="1.0" encoding="utf-8"?>
+<file path=ppt/slides/slide43.xml><?xml version="1.0" encoding="utf-8"?>
 <p:sld xmlns:a="http://schemas.openxmlformats.org/drawingml/2006/main" xmlns:r="http://schemas.openxmlformats.org/officeDocument/2006/relationships" xmlns:p="http://schemas.openxmlformats.org/presentationml/2006/main">
   <p:cSld>
     <p:bg>
@@ -36124,7 +36003,7 @@
 </p:sld>
 </file>
 
-<file path=ppt/slides/slide45.xml><?xml version="1.0" encoding="utf-8"?>
+<file path=ppt/slides/slide44.xml><?xml version="1.0" encoding="utf-8"?>
 <p:sld xmlns:a="http://schemas.openxmlformats.org/drawingml/2006/main" xmlns:r="http://schemas.openxmlformats.org/officeDocument/2006/relationships" xmlns:p="http://schemas.openxmlformats.org/presentationml/2006/main">
   <p:cSld>
     <p:bg>
@@ -36509,7 +36388,7 @@
 </p:sld>
 </file>
 
-<file path=ppt/slides/slide46.xml><?xml version="1.0" encoding="utf-8"?>
+<file path=ppt/slides/slide45.xml><?xml version="1.0" encoding="utf-8"?>
 <p:sld xmlns:a="http://schemas.openxmlformats.org/drawingml/2006/main" xmlns:r="http://schemas.openxmlformats.org/officeDocument/2006/relationships" xmlns:p="http://schemas.openxmlformats.org/presentationml/2006/main">
   <p:cSld>
     <p:bg>
@@ -36790,7 +36669,7 @@
 </p:sld>
 </file>
 
-<file path=ppt/slides/slide47.xml><?xml version="1.0" encoding="utf-8"?>
+<file path=ppt/slides/slide46.xml><?xml version="1.0" encoding="utf-8"?>
 <p:sld xmlns:a="http://schemas.openxmlformats.org/drawingml/2006/main" xmlns:r="http://schemas.openxmlformats.org/officeDocument/2006/relationships" xmlns:p="http://schemas.openxmlformats.org/presentationml/2006/main">
   <p:cSld>
     <p:bg>
@@ -37071,7 +36950,7 @@
 </p:sld>
 </file>
 
-<file path=ppt/slides/slide48.xml><?xml version="1.0" encoding="utf-8"?>
+<file path=ppt/slides/slide47.xml><?xml version="1.0" encoding="utf-8"?>
 <p:sld xmlns:a="http://schemas.openxmlformats.org/drawingml/2006/main" xmlns:r="http://schemas.openxmlformats.org/officeDocument/2006/relationships" xmlns:p="http://schemas.openxmlformats.org/presentationml/2006/main">
   <p:cSld>
     <p:bg>
@@ -37352,7 +37231,7 @@
 </p:sld>
 </file>
 
-<file path=ppt/slides/slide49.xml><?xml version="1.0" encoding="utf-8"?>
+<file path=ppt/slides/slide48.xml><?xml version="1.0" encoding="utf-8"?>
 <p:sld xmlns:a="http://schemas.openxmlformats.org/drawingml/2006/main" xmlns:r="http://schemas.openxmlformats.org/officeDocument/2006/relationships" xmlns:p="http://schemas.openxmlformats.org/presentationml/2006/main">
   <p:cSld>
     <p:bg>
@@ -37615,665 +37494,7 @@
 </p:sld>
 </file>
 
-<file path=ppt/slides/slide5.xml><?xml version="1.0" encoding="utf-8"?>
-<p:sld xmlns:a="http://schemas.openxmlformats.org/drawingml/2006/main" xmlns:r="http://schemas.openxmlformats.org/officeDocument/2006/relationships" xmlns:p="http://schemas.openxmlformats.org/presentationml/2006/main">
-  <p:cSld>
-    <p:bg>
-      <p:bgPr>
-        <a:solidFill>
-          <a:schemeClr val="bg1"/>
-        </a:solidFill>
-        <a:effectLst/>
-      </p:bgPr>
-    </p:bg>
-    <p:spTree>
-      <p:nvGrpSpPr>
-        <p:cNvPr id="1" name=""/>
-        <p:cNvGrpSpPr/>
-        <p:nvPr/>
-      </p:nvGrpSpPr>
-      <p:grpSpPr>
-        <a:xfrm>
-          <a:off x="0" y="0"/>
-          <a:ext cx="0" cy="0"/>
-          <a:chOff x="0" y="0"/>
-          <a:chExt cx="0" cy="0"/>
-        </a:xfrm>
-      </p:grpSpPr>
-      <p:sp useBgFill="1">
-        <p:nvSpPr>
-          <p:cNvPr id="27" name="Rectangle 26">
-            <a:extLst>
-              <a:ext uri="{FF2B5EF4-FFF2-40B4-BE49-F238E27FC236}">
-                <a16:creationId xmlns:a16="http://schemas.microsoft.com/office/drawing/2014/main" id="{827B839B-9ADE-406B-8590-F1CAEDED45A1}"/>
-              </a:ext>
-              <a:ext uri="{C183D7F6-B498-43B3-948B-1728B52AA6E4}">
-                <adec:decorative xmlns:adec="http://schemas.microsoft.com/office/drawing/2017/decorative" val="1"/>
-              </a:ext>
-            </a:extLst>
-          </p:cNvPr>
-          <p:cNvSpPr>
-            <a:spLocks noGrp="1" noRot="1" noChangeAspect="1" noMove="1" noResize="1" noEditPoints="1" noAdjustHandles="1" noChangeArrowheads="1" noChangeShapeType="1" noTextEdit="1"/>
-          </p:cNvSpPr>
-          <p:nvPr>
-            <p:extLst>
-              <p:ext uri="{386F3935-93C4-4BCD-93E2-E3B085C9AB24}">
-                <p16:designElem xmlns:p16="http://schemas.microsoft.com/office/powerpoint/2015/main" val="1"/>
-              </p:ext>
-            </p:extLst>
-          </p:nvPr>
-        </p:nvSpPr>
-        <p:spPr>
-          <a:xfrm>
-            <a:off x="0" y="0"/>
-            <a:ext cx="12188952" cy="6858000"/>
-          </a:xfrm>
-          <a:prstGeom prst="rect">
-            <a:avLst/>
-          </a:prstGeom>
-          <a:ln>
-            <a:noFill/>
-          </a:ln>
-        </p:spPr>
-        <p:style>
-          <a:lnRef idx="2">
-            <a:schemeClr val="accent1">
-              <a:shade val="50000"/>
-            </a:schemeClr>
-          </a:lnRef>
-          <a:fillRef idx="1">
-            <a:schemeClr val="accent1"/>
-          </a:fillRef>
-          <a:effectRef idx="0">
-            <a:schemeClr val="accent1"/>
-          </a:effectRef>
-          <a:fontRef idx="minor">
-            <a:schemeClr val="lt1"/>
-          </a:fontRef>
-        </p:style>
-        <p:txBody>
-          <a:bodyPr rtlCol="0" anchor="ctr"/>
-          <a:lstStyle/>
-          <a:p>
-            <a:pPr algn="ctr"/>
-            <a:endParaRPr lang="en-US"/>
-          </a:p>
-        </p:txBody>
-      </p:sp>
-      <p:sp>
-        <p:nvSpPr>
-          <p:cNvPr id="29" name="Freeform 45">
-            <a:extLst>
-              <a:ext uri="{FF2B5EF4-FFF2-40B4-BE49-F238E27FC236}">
-                <a16:creationId xmlns:a16="http://schemas.microsoft.com/office/drawing/2014/main" id="{CFE45BF0-46DB-408C-B5F7-7B11716805D4}"/>
-              </a:ext>
-              <a:ext uri="{C183D7F6-B498-43B3-948B-1728B52AA6E4}">
-                <adec:decorative xmlns:adec="http://schemas.microsoft.com/office/drawing/2017/decorative" val="1"/>
-              </a:ext>
-            </a:extLst>
-          </p:cNvPr>
-          <p:cNvSpPr>
-            <a:spLocks noGrp="1" noRot="1" noChangeAspect="1" noMove="1" noResize="1" noEditPoints="1" noAdjustHandles="1" noChangeArrowheads="1" noChangeShapeType="1" noTextEdit="1"/>
-          </p:cNvSpPr>
-          <p:nvPr>
-            <p:extLst>
-              <p:ext uri="{386F3935-93C4-4BCD-93E2-E3B085C9AB24}">
-                <p16:designElem xmlns:p16="http://schemas.microsoft.com/office/powerpoint/2015/main" val="1"/>
-              </p:ext>
-            </p:extLst>
-          </p:nvPr>
-        </p:nvSpPr>
-        <p:spPr bwMode="auto">
-          <a:xfrm>
-            <a:off x="409710" y="1022350"/>
-            <a:ext cx="709612" cy="2095501"/>
-          </a:xfrm>
-          <a:custGeom>
-            <a:avLst/>
-            <a:gdLst>
-              <a:gd name="T0" fmla="*/ 447 w 447"/>
-              <a:gd name="T1" fmla="*/ 1363 h 1363"/>
-              <a:gd name="T2" fmla="*/ 0 w 447"/>
-              <a:gd name="T3" fmla="*/ 987 h 1363"/>
-              <a:gd name="T4" fmla="*/ 0 w 447"/>
-              <a:gd name="T5" fmla="*/ 0 h 1363"/>
-              <a:gd name="T6" fmla="*/ 447 w 447"/>
-              <a:gd name="T7" fmla="*/ 376 h 1363"/>
-              <a:gd name="T8" fmla="*/ 447 w 447"/>
-              <a:gd name="T9" fmla="*/ 1363 h 1363"/>
-            </a:gdLst>
-            <a:ahLst/>
-            <a:cxnLst>
-              <a:cxn ang="0">
-                <a:pos x="T0" y="T1"/>
-              </a:cxn>
-              <a:cxn ang="0">
-                <a:pos x="T2" y="T3"/>
-              </a:cxn>
-              <a:cxn ang="0">
-                <a:pos x="T4" y="T5"/>
-              </a:cxn>
-              <a:cxn ang="0">
-                <a:pos x="T6" y="T7"/>
-              </a:cxn>
-              <a:cxn ang="0">
-                <a:pos x="T8" y="T9"/>
-              </a:cxn>
-            </a:cxnLst>
-            <a:rect l="0" t="0" r="r" b="b"/>
-            <a:pathLst>
-              <a:path w="447" h="1363">
-                <a:moveTo>
-                  <a:pt x="447" y="1363"/>
-                </a:moveTo>
-                <a:lnTo>
-                  <a:pt x="0" y="987"/>
-                </a:lnTo>
-                <a:lnTo>
-                  <a:pt x="0" y="0"/>
-                </a:lnTo>
-                <a:lnTo>
-                  <a:pt x="447" y="376"/>
-                </a:lnTo>
-                <a:lnTo>
-                  <a:pt x="447" y="1363"/>
-                </a:lnTo>
-                <a:close/>
-              </a:path>
-            </a:pathLst>
-          </a:custGeom>
-          <a:solidFill>
-            <a:schemeClr val="accent1">
-              <a:lumMod val="50000"/>
-            </a:schemeClr>
-          </a:solidFill>
-          <a:ln>
-            <a:noFill/>
-          </a:ln>
-        </p:spPr>
-        <p:txBody>
-          <a:bodyPr vert="horz" wrap="square" lIns="91440" tIns="45720" rIns="91440" bIns="45720" numCol="1" anchor="t" anchorCtr="0" compatLnSpc="1">
-            <a:prstTxWarp prst="textNoShape">
-              <a:avLst/>
-            </a:prstTxWarp>
-          </a:bodyPr>
-          <a:lstStyle/>
-          <a:p>
-            <a:endParaRPr lang="en-US"/>
-          </a:p>
-        </p:txBody>
-      </p:sp>
-      <p:sp>
-        <p:nvSpPr>
-          <p:cNvPr id="31" name="Freeform 46">
-            <a:extLst>
-              <a:ext uri="{FF2B5EF4-FFF2-40B4-BE49-F238E27FC236}">
-                <a16:creationId xmlns:a16="http://schemas.microsoft.com/office/drawing/2014/main" id="{2AEBC8F2-97B1-41B4-93F1-2D289E197FBA}"/>
-              </a:ext>
-              <a:ext uri="{C183D7F6-B498-43B3-948B-1728B52AA6E4}">
-                <adec:decorative xmlns:adec="http://schemas.microsoft.com/office/drawing/2017/decorative" val="1"/>
-              </a:ext>
-            </a:extLst>
-          </p:cNvPr>
-          <p:cNvSpPr>
-            <a:spLocks noGrp="1" noRot="1" noChangeAspect="1" noMove="1" noResize="1" noEditPoints="1" noAdjustHandles="1" noChangeArrowheads="1" noChangeShapeType="1" noTextEdit="1"/>
-          </p:cNvSpPr>
-          <p:nvPr>
-            <p:extLst>
-              <p:ext uri="{386F3935-93C4-4BCD-93E2-E3B085C9AB24}">
-                <p16:designElem xmlns:p16="http://schemas.microsoft.com/office/powerpoint/2015/main" val="1"/>
-              </p:ext>
-            </p:extLst>
-          </p:nvPr>
-        </p:nvSpPr>
-        <p:spPr bwMode="auto">
-          <a:xfrm>
-            <a:off x="409710" y="837744"/>
-            <a:ext cx="403225" cy="1705431"/>
-          </a:xfrm>
-          <a:custGeom>
-            <a:avLst/>
-            <a:gdLst>
-              <a:gd name="T0" fmla="*/ 254 w 254"/>
-              <a:gd name="T1" fmla="*/ 987 h 1109"/>
-              <a:gd name="T2" fmla="*/ 0 w 254"/>
-              <a:gd name="T3" fmla="*/ 1109 h 1109"/>
-              <a:gd name="T4" fmla="*/ 0 w 254"/>
-              <a:gd name="T5" fmla="*/ 119 h 1109"/>
-              <a:gd name="T6" fmla="*/ 254 w 254"/>
-              <a:gd name="T7" fmla="*/ 0 h 1109"/>
-              <a:gd name="T8" fmla="*/ 254 w 254"/>
-              <a:gd name="T9" fmla="*/ 987 h 1109"/>
-            </a:gdLst>
-            <a:ahLst/>
-            <a:cxnLst>
-              <a:cxn ang="0">
-                <a:pos x="T0" y="T1"/>
-              </a:cxn>
-              <a:cxn ang="0">
-                <a:pos x="T2" y="T3"/>
-              </a:cxn>
-              <a:cxn ang="0">
-                <a:pos x="T4" y="T5"/>
-              </a:cxn>
-              <a:cxn ang="0">
-                <a:pos x="T6" y="T7"/>
-              </a:cxn>
-              <a:cxn ang="0">
-                <a:pos x="T8" y="T9"/>
-              </a:cxn>
-            </a:cxnLst>
-            <a:rect l="0" t="0" r="r" b="b"/>
-            <a:pathLst>
-              <a:path w="254" h="1109">
-                <a:moveTo>
-                  <a:pt x="254" y="987"/>
-                </a:moveTo>
-                <a:lnTo>
-                  <a:pt x="0" y="1109"/>
-                </a:lnTo>
-                <a:lnTo>
-                  <a:pt x="0" y="119"/>
-                </a:lnTo>
-                <a:lnTo>
-                  <a:pt x="254" y="0"/>
-                </a:lnTo>
-                <a:lnTo>
-                  <a:pt x="254" y="987"/>
-                </a:lnTo>
-                <a:close/>
-              </a:path>
-            </a:pathLst>
-          </a:custGeom>
-          <a:solidFill>
-            <a:schemeClr val="accent1">
-              <a:lumMod val="75000"/>
-            </a:schemeClr>
-          </a:solidFill>
-          <a:ln>
-            <a:noFill/>
-          </a:ln>
-        </p:spPr>
-        <p:txBody>
-          <a:bodyPr vert="horz" wrap="square" lIns="91440" tIns="45720" rIns="91440" bIns="45720" numCol="1" anchor="t" anchorCtr="0" compatLnSpc="1">
-            <a:prstTxWarp prst="textNoShape">
-              <a:avLst/>
-            </a:prstTxWarp>
-          </a:bodyPr>
-          <a:lstStyle/>
-          <a:p>
-            <a:endParaRPr lang="en-US"/>
-          </a:p>
-        </p:txBody>
-      </p:sp>
-      <p:sp>
-        <p:nvSpPr>
-          <p:cNvPr id="33" name="Freeform 47">
-            <a:extLst>
-              <a:ext uri="{FF2B5EF4-FFF2-40B4-BE49-F238E27FC236}">
-                <a16:creationId xmlns:a16="http://schemas.microsoft.com/office/drawing/2014/main" id="{472E3A19-F5D5-48FC-BB9C-48C2F68F598B}"/>
-              </a:ext>
-              <a:ext uri="{C183D7F6-B498-43B3-948B-1728B52AA6E4}">
-                <adec:decorative xmlns:adec="http://schemas.microsoft.com/office/drawing/2017/decorative" val="1"/>
-              </a:ext>
-            </a:extLst>
-          </p:cNvPr>
-          <p:cNvSpPr>
-            <a:spLocks noGrp="1" noRot="1" noChangeAspect="1" noMove="1" noResize="1" noEditPoints="1" noAdjustHandles="1" noChangeArrowheads="1" noChangeShapeType="1" noTextEdit="1"/>
-          </p:cNvSpPr>
-          <p:nvPr>
-            <p:extLst>
-              <p:ext uri="{386F3935-93C4-4BCD-93E2-E3B085C9AB24}">
-                <p16:designElem xmlns:p16="http://schemas.microsoft.com/office/powerpoint/2015/main" val="1"/>
-              </p:ext>
-            </p:extLst>
-          </p:nvPr>
-        </p:nvSpPr>
-        <p:spPr bwMode="auto">
-          <a:xfrm>
-            <a:off x="644660" y="640894"/>
-            <a:ext cx="168275" cy="1713195"/>
-          </a:xfrm>
-          <a:custGeom>
-            <a:avLst/>
-            <a:gdLst>
-              <a:gd name="T0" fmla="*/ 106 w 106"/>
-              <a:gd name="T1" fmla="*/ 1114 h 1114"/>
-              <a:gd name="T2" fmla="*/ 0 w 106"/>
-              <a:gd name="T3" fmla="*/ 1005 h 1114"/>
-              <a:gd name="T4" fmla="*/ 0 w 106"/>
-              <a:gd name="T5" fmla="*/ 0 h 1114"/>
-              <a:gd name="T6" fmla="*/ 106 w 106"/>
-              <a:gd name="T7" fmla="*/ 110 h 1114"/>
-              <a:gd name="T8" fmla="*/ 106 w 106"/>
-              <a:gd name="T9" fmla="*/ 1114 h 1114"/>
-            </a:gdLst>
-            <a:ahLst/>
-            <a:cxnLst>
-              <a:cxn ang="0">
-                <a:pos x="T0" y="T1"/>
-              </a:cxn>
-              <a:cxn ang="0">
-                <a:pos x="T2" y="T3"/>
-              </a:cxn>
-              <a:cxn ang="0">
-                <a:pos x="T4" y="T5"/>
-              </a:cxn>
-              <a:cxn ang="0">
-                <a:pos x="T6" y="T7"/>
-              </a:cxn>
-              <a:cxn ang="0">
-                <a:pos x="T8" y="T9"/>
-              </a:cxn>
-            </a:cxnLst>
-            <a:rect l="0" t="0" r="r" b="b"/>
-            <a:pathLst>
-              <a:path w="106" h="1114">
-                <a:moveTo>
-                  <a:pt x="106" y="1114"/>
-                </a:moveTo>
-                <a:lnTo>
-                  <a:pt x="0" y="1005"/>
-                </a:lnTo>
-                <a:lnTo>
-                  <a:pt x="0" y="0"/>
-                </a:lnTo>
-                <a:lnTo>
-                  <a:pt x="106" y="110"/>
-                </a:lnTo>
-                <a:lnTo>
-                  <a:pt x="106" y="1114"/>
-                </a:lnTo>
-                <a:close/>
-              </a:path>
-            </a:pathLst>
-          </a:custGeom>
-          <a:solidFill>
-            <a:schemeClr val="accent1">
-              <a:lumMod val="50000"/>
-            </a:schemeClr>
-          </a:solidFill>
-          <a:ln>
-            <a:noFill/>
-          </a:ln>
-        </p:spPr>
-        <p:txBody>
-          <a:bodyPr vert="horz" wrap="square" lIns="91440" tIns="45720" rIns="91440" bIns="45720" numCol="1" anchor="t" anchorCtr="0" compatLnSpc="1">
-            <a:prstTxWarp prst="textNoShape">
-              <a:avLst/>
-            </a:prstTxWarp>
-          </a:bodyPr>
-          <a:lstStyle/>
-          <a:p>
-            <a:endParaRPr lang="en-US"/>
-          </a:p>
-        </p:txBody>
-      </p:sp>
-      <p:sp>
-        <p:nvSpPr>
-          <p:cNvPr id="35" name="Freeform 44">
-            <a:extLst>
-              <a:ext uri="{FF2B5EF4-FFF2-40B4-BE49-F238E27FC236}">
-                <a16:creationId xmlns:a16="http://schemas.microsoft.com/office/drawing/2014/main" id="{7A62E32F-BB65-43A8-8EB5-92346890E549}"/>
-              </a:ext>
-              <a:ext uri="{C183D7F6-B498-43B3-948B-1728B52AA6E4}">
-                <adec:decorative xmlns:adec="http://schemas.microsoft.com/office/drawing/2017/decorative" val="1"/>
-              </a:ext>
-            </a:extLst>
-          </p:cNvPr>
-          <p:cNvSpPr>
-            <a:spLocks noGrp="1" noRot="1" noChangeAspect="1" noMove="1" noResize="1" noEditPoints="1" noAdjustHandles="1" noChangeArrowheads="1" noChangeShapeType="1" noTextEdit="1"/>
-          </p:cNvSpPr>
-          <p:nvPr>
-            <p:extLst>
-              <p:ext uri="{386F3935-93C4-4BCD-93E2-E3B085C9AB24}">
-                <p16:designElem xmlns:p16="http://schemas.microsoft.com/office/powerpoint/2015/main" val="1"/>
-              </p:ext>
-            </p:extLst>
-          </p:nvPr>
-        </p:nvSpPr>
-        <p:spPr bwMode="auto">
-          <a:xfrm>
-            <a:off x="11223203" y="635716"/>
-            <a:ext cx="328612" cy="1742360"/>
-          </a:xfrm>
-          <a:custGeom>
-            <a:avLst/>
-            <a:gdLst>
-              <a:gd name="T0" fmla="*/ 207 w 207"/>
-              <a:gd name="T1" fmla="*/ 987 h 1114"/>
-              <a:gd name="T2" fmla="*/ 0 w 207"/>
-              <a:gd name="T3" fmla="*/ 1114 h 1114"/>
-              <a:gd name="T4" fmla="*/ 0 w 207"/>
-              <a:gd name="T5" fmla="*/ 127 h 1114"/>
-              <a:gd name="T6" fmla="*/ 207 w 207"/>
-              <a:gd name="T7" fmla="*/ 0 h 1114"/>
-              <a:gd name="T8" fmla="*/ 207 w 207"/>
-              <a:gd name="T9" fmla="*/ 987 h 1114"/>
-            </a:gdLst>
-            <a:ahLst/>
-            <a:cxnLst>
-              <a:cxn ang="0">
-                <a:pos x="T0" y="T1"/>
-              </a:cxn>
-              <a:cxn ang="0">
-                <a:pos x="T2" y="T3"/>
-              </a:cxn>
-              <a:cxn ang="0">
-                <a:pos x="T4" y="T5"/>
-              </a:cxn>
-              <a:cxn ang="0">
-                <a:pos x="T6" y="T7"/>
-              </a:cxn>
-              <a:cxn ang="0">
-                <a:pos x="T8" y="T9"/>
-              </a:cxn>
-            </a:cxnLst>
-            <a:rect l="0" t="0" r="r" b="b"/>
-            <a:pathLst>
-              <a:path w="207" h="1114">
-                <a:moveTo>
-                  <a:pt x="207" y="987"/>
-                </a:moveTo>
-                <a:lnTo>
-                  <a:pt x="0" y="1114"/>
-                </a:lnTo>
-                <a:lnTo>
-                  <a:pt x="0" y="127"/>
-                </a:lnTo>
-                <a:lnTo>
-                  <a:pt x="207" y="0"/>
-                </a:lnTo>
-                <a:lnTo>
-                  <a:pt x="207" y="987"/>
-                </a:lnTo>
-                <a:close/>
-              </a:path>
-            </a:pathLst>
-          </a:custGeom>
-          <a:solidFill>
-            <a:schemeClr val="accent1">
-              <a:lumMod val="50000"/>
-            </a:schemeClr>
-          </a:solidFill>
-          <a:ln>
-            <a:noFill/>
-          </a:ln>
-        </p:spPr>
-        <p:txBody>
-          <a:bodyPr vert="horz" wrap="square" lIns="91440" tIns="45720" rIns="91440" bIns="45720" numCol="1" anchor="t" anchorCtr="0" compatLnSpc="1">
-            <a:prstTxWarp prst="textNoShape">
-              <a:avLst/>
-            </a:prstTxWarp>
-          </a:bodyPr>
-          <a:lstStyle/>
-          <a:p>
-            <a:endParaRPr lang="en-US"/>
-          </a:p>
-        </p:txBody>
-      </p:sp>
-      <p:sp>
-        <p:nvSpPr>
-          <p:cNvPr id="37" name="Rectangle 36">
-            <a:extLst>
-              <a:ext uri="{FF2B5EF4-FFF2-40B4-BE49-F238E27FC236}">
-                <a16:creationId xmlns:a16="http://schemas.microsoft.com/office/drawing/2014/main" id="{14E91B64-9FCC-451E-AFB4-A827D6329367}"/>
-              </a:ext>
-              <a:ext uri="{C183D7F6-B498-43B3-948B-1728B52AA6E4}">
-                <adec:decorative xmlns:adec="http://schemas.microsoft.com/office/drawing/2017/decorative" val="1"/>
-              </a:ext>
-            </a:extLst>
-          </p:cNvPr>
-          <p:cNvSpPr>
-            <a:spLocks noGrp="1" noRot="1" noChangeAspect="1" noMove="1" noResize="1" noEditPoints="1" noAdjustHandles="1" noChangeArrowheads="1" noChangeShapeType="1" noTextEdit="1"/>
-          </p:cNvSpPr>
-          <p:nvPr>
-            <p:extLst>
-              <p:ext uri="{386F3935-93C4-4BCD-93E2-E3B085C9AB24}">
-                <p16:designElem xmlns:p16="http://schemas.microsoft.com/office/powerpoint/2015/main" val="1"/>
-              </p:ext>
-            </p:extLst>
-          </p:nvPr>
-        </p:nvSpPr>
-        <p:spPr bwMode="auto">
-          <a:xfrm>
-            <a:off x="644055" y="635715"/>
-            <a:ext cx="10907863" cy="1541457"/>
-          </a:xfrm>
-          <a:prstGeom prst="rect">
-            <a:avLst/>
-          </a:prstGeom>
-          <a:solidFill>
-            <a:schemeClr val="accent1"/>
-          </a:solidFill>
-          <a:ln>
-            <a:noFill/>
-          </a:ln>
-        </p:spPr>
-        <p:txBody>
-          <a:bodyPr vert="horz" wrap="square" lIns="91440" tIns="45720" rIns="91440" bIns="45720" numCol="1" anchor="t" anchorCtr="0" compatLnSpc="1">
-            <a:prstTxWarp prst="textNoShape">
-              <a:avLst/>
-            </a:prstTxWarp>
-          </a:bodyPr>
-          <a:lstStyle/>
-          <a:p>
-            <a:endParaRPr lang="en-US"/>
-          </a:p>
-        </p:txBody>
-      </p:sp>
-      <p:sp>
-        <p:nvSpPr>
-          <p:cNvPr id="2" name="Nadpis 1">
-            <a:extLst>
-              <a:ext uri="{FF2B5EF4-FFF2-40B4-BE49-F238E27FC236}">
-                <a16:creationId xmlns:a16="http://schemas.microsoft.com/office/drawing/2014/main" id="{254B6243-41F3-219F-4C67-F89E75C9E7B7}"/>
-              </a:ext>
-            </a:extLst>
-          </p:cNvPr>
-          <p:cNvSpPr>
-            <a:spLocks noGrp="1"/>
-          </p:cNvSpPr>
-          <p:nvPr>
-            <p:ph type="title"/>
-          </p:nvPr>
-        </p:nvSpPr>
-        <p:spPr>
-          <a:xfrm>
-            <a:off x="958506" y="800392"/>
-            <a:ext cx="10264697" cy="1212102"/>
-          </a:xfrm>
-        </p:spPr>
-        <p:txBody>
-          <a:bodyPr>
-            <a:normAutofit/>
-          </a:bodyPr>
-          <a:lstStyle/>
-          <a:p>
-            <a:r>
-              <a:rPr lang="sk-SK" sz="4000" b="1">
-                <a:solidFill>
-                  <a:srgbClr val="FFFFFF"/>
-                </a:solidFill>
-              </a:rPr>
-              <a:t>Unit testy</a:t>
-            </a:r>
-          </a:p>
-        </p:txBody>
-      </p:sp>
-      <p:sp>
-        <p:nvSpPr>
-          <p:cNvPr id="3" name="Zástupný objekt pre obsah 2">
-            <a:extLst>
-              <a:ext uri="{FF2B5EF4-FFF2-40B4-BE49-F238E27FC236}">
-                <a16:creationId xmlns:a16="http://schemas.microsoft.com/office/drawing/2014/main" id="{6A65D9F0-F309-E249-90FD-6A1B9582E535}"/>
-              </a:ext>
-            </a:extLst>
-          </p:cNvPr>
-          <p:cNvSpPr>
-            <a:spLocks noGrp="1"/>
-          </p:cNvSpPr>
-          <p:nvPr>
-            <p:ph idx="1"/>
-          </p:nvPr>
-        </p:nvSpPr>
-        <p:spPr>
-          <a:xfrm>
-            <a:off x="1367624" y="2490436"/>
-            <a:ext cx="9708995" cy="3567173"/>
-          </a:xfrm>
-        </p:spPr>
-        <p:txBody>
-          <a:bodyPr anchor="ctr">
-            <a:normAutofit/>
-          </a:bodyPr>
-          <a:lstStyle/>
-          <a:p>
-            <a:pPr>
-              <a:spcAft>
-                <a:spcPts val="800"/>
-              </a:spcAft>
-            </a:pPr>
-            <a:r>
-              <a:rPr lang="sk-SK" sz="2200">
-                <a:effectLst/>
-                <a:latin typeface="Calibri" panose="020F0502020204030204" pitchFamily="34" charset="0"/>
-                <a:ea typeface="Calibri" panose="020F0502020204030204" pitchFamily="34" charset="0"/>
-                <a:cs typeface="Times New Roman" panose="02020603050405020304" pitchFamily="18" charset="0"/>
-              </a:rPr>
-              <a:t>Unit testovanie je typ testovania softvéru, pri ktorom sa testujú jednotlivé jednotky alebo komponenty. Účelom je overiť, či každá jednotka softvérového kódu funguje podľa očakávania. Unit testovanie sa vykonáva počas vývoja (počas fázy kódovania) aplikácie vývojármi. Unit testy izolujú časť kódu a overujú jeho správnosť. Jednotkami softvéru považujeme individuálne funkcie, metódy, procedúry, moduly alebo objekty. Testovanie softvéru začína ešte pred dokončením aplikácie. Týmto spôsobom sú chyby odhalené skôr, ako sa stratia v kódoch. </a:t>
-            </a:r>
-          </a:p>
-          <a:p>
-            <a:r>
-              <a:rPr lang="sk-SK" sz="2200">
-                <a:effectLst/>
-                <a:latin typeface="Calibri" panose="020F0502020204030204" pitchFamily="34" charset="0"/>
-                <a:ea typeface="Calibri" panose="020F0502020204030204" pitchFamily="34" charset="0"/>
-                <a:cs typeface="Times New Roman" panose="02020603050405020304" pitchFamily="18" charset="0"/>
-              </a:rPr>
-              <a:t>Unit testovanie je prvou vrstvou celého testovacieho procesu, ktorým musí softvér prejsť pred jeho spustením a vydaním. </a:t>
-            </a:r>
-          </a:p>
-          <a:p>
-            <a:endParaRPr lang="sk-SK" sz="2200"/>
-          </a:p>
-        </p:txBody>
-      </p:sp>
-    </p:spTree>
-    <p:extLst>
-      <p:ext uri="{BB962C8B-B14F-4D97-AF65-F5344CB8AC3E}">
-        <p14:creationId xmlns:p14="http://schemas.microsoft.com/office/powerpoint/2010/main" val="4135457424"/>
-      </p:ext>
-    </p:extLst>
-  </p:cSld>
-  <p:clrMapOvr>
-    <a:masterClrMapping/>
-  </p:clrMapOvr>
-</p:sld>
-</file>
-
-<file path=ppt/slides/slide50.xml><?xml version="1.0" encoding="utf-8"?>
+<file path=ppt/slides/slide49.xml><?xml version="1.0" encoding="utf-8"?>
 <p:sld xmlns:a="http://schemas.openxmlformats.org/drawingml/2006/main" xmlns:r="http://schemas.openxmlformats.org/officeDocument/2006/relationships" xmlns:p="http://schemas.openxmlformats.org/presentationml/2006/main">
   <p:cSld>
     <p:bg>
@@ -38447,7 +37668,665 @@
 </p:sld>
 </file>
 
-<file path=ppt/slides/slide51.xml><?xml version="1.0" encoding="utf-8"?>
+<file path=ppt/slides/slide5.xml><?xml version="1.0" encoding="utf-8"?>
+<p:sld xmlns:a="http://schemas.openxmlformats.org/drawingml/2006/main" xmlns:r="http://schemas.openxmlformats.org/officeDocument/2006/relationships" xmlns:p="http://schemas.openxmlformats.org/presentationml/2006/main">
+  <p:cSld>
+    <p:bg>
+      <p:bgPr>
+        <a:solidFill>
+          <a:schemeClr val="bg1"/>
+        </a:solidFill>
+        <a:effectLst/>
+      </p:bgPr>
+    </p:bg>
+    <p:spTree>
+      <p:nvGrpSpPr>
+        <p:cNvPr id="1" name=""/>
+        <p:cNvGrpSpPr/>
+        <p:nvPr/>
+      </p:nvGrpSpPr>
+      <p:grpSpPr>
+        <a:xfrm>
+          <a:off x="0" y="0"/>
+          <a:ext cx="0" cy="0"/>
+          <a:chOff x="0" y="0"/>
+          <a:chExt cx="0" cy="0"/>
+        </a:xfrm>
+      </p:grpSpPr>
+      <p:sp useBgFill="1">
+        <p:nvSpPr>
+          <p:cNvPr id="27" name="Rectangle 26">
+            <a:extLst>
+              <a:ext uri="{FF2B5EF4-FFF2-40B4-BE49-F238E27FC236}">
+                <a16:creationId xmlns:a16="http://schemas.microsoft.com/office/drawing/2014/main" id="{827B839B-9ADE-406B-8590-F1CAEDED45A1}"/>
+              </a:ext>
+              <a:ext uri="{C183D7F6-B498-43B3-948B-1728B52AA6E4}">
+                <adec:decorative xmlns:adec="http://schemas.microsoft.com/office/drawing/2017/decorative" val="1"/>
+              </a:ext>
+            </a:extLst>
+          </p:cNvPr>
+          <p:cNvSpPr>
+            <a:spLocks noGrp="1" noRot="1" noChangeAspect="1" noMove="1" noResize="1" noEditPoints="1" noAdjustHandles="1" noChangeArrowheads="1" noChangeShapeType="1" noTextEdit="1"/>
+          </p:cNvSpPr>
+          <p:nvPr>
+            <p:extLst>
+              <p:ext uri="{386F3935-93C4-4BCD-93E2-E3B085C9AB24}">
+                <p16:designElem xmlns:p16="http://schemas.microsoft.com/office/powerpoint/2015/main" val="1"/>
+              </p:ext>
+            </p:extLst>
+          </p:nvPr>
+        </p:nvSpPr>
+        <p:spPr>
+          <a:xfrm>
+            <a:off x="0" y="0"/>
+            <a:ext cx="12188952" cy="6858000"/>
+          </a:xfrm>
+          <a:prstGeom prst="rect">
+            <a:avLst/>
+          </a:prstGeom>
+          <a:ln>
+            <a:noFill/>
+          </a:ln>
+        </p:spPr>
+        <p:style>
+          <a:lnRef idx="2">
+            <a:schemeClr val="accent1">
+              <a:shade val="50000"/>
+            </a:schemeClr>
+          </a:lnRef>
+          <a:fillRef idx="1">
+            <a:schemeClr val="accent1"/>
+          </a:fillRef>
+          <a:effectRef idx="0">
+            <a:schemeClr val="accent1"/>
+          </a:effectRef>
+          <a:fontRef idx="minor">
+            <a:schemeClr val="lt1"/>
+          </a:fontRef>
+        </p:style>
+        <p:txBody>
+          <a:bodyPr rtlCol="0" anchor="ctr"/>
+          <a:lstStyle/>
+          <a:p>
+            <a:pPr algn="ctr"/>
+            <a:endParaRPr lang="en-US"/>
+          </a:p>
+        </p:txBody>
+      </p:sp>
+      <p:sp>
+        <p:nvSpPr>
+          <p:cNvPr id="29" name="Freeform 45">
+            <a:extLst>
+              <a:ext uri="{FF2B5EF4-FFF2-40B4-BE49-F238E27FC236}">
+                <a16:creationId xmlns:a16="http://schemas.microsoft.com/office/drawing/2014/main" id="{CFE45BF0-46DB-408C-B5F7-7B11716805D4}"/>
+              </a:ext>
+              <a:ext uri="{C183D7F6-B498-43B3-948B-1728B52AA6E4}">
+                <adec:decorative xmlns:adec="http://schemas.microsoft.com/office/drawing/2017/decorative" val="1"/>
+              </a:ext>
+            </a:extLst>
+          </p:cNvPr>
+          <p:cNvSpPr>
+            <a:spLocks noGrp="1" noRot="1" noChangeAspect="1" noMove="1" noResize="1" noEditPoints="1" noAdjustHandles="1" noChangeArrowheads="1" noChangeShapeType="1" noTextEdit="1"/>
+          </p:cNvSpPr>
+          <p:nvPr>
+            <p:extLst>
+              <p:ext uri="{386F3935-93C4-4BCD-93E2-E3B085C9AB24}">
+                <p16:designElem xmlns:p16="http://schemas.microsoft.com/office/powerpoint/2015/main" val="1"/>
+              </p:ext>
+            </p:extLst>
+          </p:nvPr>
+        </p:nvSpPr>
+        <p:spPr bwMode="auto">
+          <a:xfrm>
+            <a:off x="409710" y="1022350"/>
+            <a:ext cx="709612" cy="2095501"/>
+          </a:xfrm>
+          <a:custGeom>
+            <a:avLst/>
+            <a:gdLst>
+              <a:gd name="T0" fmla="*/ 447 w 447"/>
+              <a:gd name="T1" fmla="*/ 1363 h 1363"/>
+              <a:gd name="T2" fmla="*/ 0 w 447"/>
+              <a:gd name="T3" fmla="*/ 987 h 1363"/>
+              <a:gd name="T4" fmla="*/ 0 w 447"/>
+              <a:gd name="T5" fmla="*/ 0 h 1363"/>
+              <a:gd name="T6" fmla="*/ 447 w 447"/>
+              <a:gd name="T7" fmla="*/ 376 h 1363"/>
+              <a:gd name="T8" fmla="*/ 447 w 447"/>
+              <a:gd name="T9" fmla="*/ 1363 h 1363"/>
+            </a:gdLst>
+            <a:ahLst/>
+            <a:cxnLst>
+              <a:cxn ang="0">
+                <a:pos x="T0" y="T1"/>
+              </a:cxn>
+              <a:cxn ang="0">
+                <a:pos x="T2" y="T3"/>
+              </a:cxn>
+              <a:cxn ang="0">
+                <a:pos x="T4" y="T5"/>
+              </a:cxn>
+              <a:cxn ang="0">
+                <a:pos x="T6" y="T7"/>
+              </a:cxn>
+              <a:cxn ang="0">
+                <a:pos x="T8" y="T9"/>
+              </a:cxn>
+            </a:cxnLst>
+            <a:rect l="0" t="0" r="r" b="b"/>
+            <a:pathLst>
+              <a:path w="447" h="1363">
+                <a:moveTo>
+                  <a:pt x="447" y="1363"/>
+                </a:moveTo>
+                <a:lnTo>
+                  <a:pt x="0" y="987"/>
+                </a:lnTo>
+                <a:lnTo>
+                  <a:pt x="0" y="0"/>
+                </a:lnTo>
+                <a:lnTo>
+                  <a:pt x="447" y="376"/>
+                </a:lnTo>
+                <a:lnTo>
+                  <a:pt x="447" y="1363"/>
+                </a:lnTo>
+                <a:close/>
+              </a:path>
+            </a:pathLst>
+          </a:custGeom>
+          <a:solidFill>
+            <a:schemeClr val="accent1">
+              <a:lumMod val="50000"/>
+            </a:schemeClr>
+          </a:solidFill>
+          <a:ln>
+            <a:noFill/>
+          </a:ln>
+        </p:spPr>
+        <p:txBody>
+          <a:bodyPr vert="horz" wrap="square" lIns="91440" tIns="45720" rIns="91440" bIns="45720" numCol="1" anchor="t" anchorCtr="0" compatLnSpc="1">
+            <a:prstTxWarp prst="textNoShape">
+              <a:avLst/>
+            </a:prstTxWarp>
+          </a:bodyPr>
+          <a:lstStyle/>
+          <a:p>
+            <a:endParaRPr lang="en-US"/>
+          </a:p>
+        </p:txBody>
+      </p:sp>
+      <p:sp>
+        <p:nvSpPr>
+          <p:cNvPr id="31" name="Freeform 46">
+            <a:extLst>
+              <a:ext uri="{FF2B5EF4-FFF2-40B4-BE49-F238E27FC236}">
+                <a16:creationId xmlns:a16="http://schemas.microsoft.com/office/drawing/2014/main" id="{2AEBC8F2-97B1-41B4-93F1-2D289E197FBA}"/>
+              </a:ext>
+              <a:ext uri="{C183D7F6-B498-43B3-948B-1728B52AA6E4}">
+                <adec:decorative xmlns:adec="http://schemas.microsoft.com/office/drawing/2017/decorative" val="1"/>
+              </a:ext>
+            </a:extLst>
+          </p:cNvPr>
+          <p:cNvSpPr>
+            <a:spLocks noGrp="1" noRot="1" noChangeAspect="1" noMove="1" noResize="1" noEditPoints="1" noAdjustHandles="1" noChangeArrowheads="1" noChangeShapeType="1" noTextEdit="1"/>
+          </p:cNvSpPr>
+          <p:nvPr>
+            <p:extLst>
+              <p:ext uri="{386F3935-93C4-4BCD-93E2-E3B085C9AB24}">
+                <p16:designElem xmlns:p16="http://schemas.microsoft.com/office/powerpoint/2015/main" val="1"/>
+              </p:ext>
+            </p:extLst>
+          </p:nvPr>
+        </p:nvSpPr>
+        <p:spPr bwMode="auto">
+          <a:xfrm>
+            <a:off x="409710" y="837744"/>
+            <a:ext cx="403225" cy="1705431"/>
+          </a:xfrm>
+          <a:custGeom>
+            <a:avLst/>
+            <a:gdLst>
+              <a:gd name="T0" fmla="*/ 254 w 254"/>
+              <a:gd name="T1" fmla="*/ 987 h 1109"/>
+              <a:gd name="T2" fmla="*/ 0 w 254"/>
+              <a:gd name="T3" fmla="*/ 1109 h 1109"/>
+              <a:gd name="T4" fmla="*/ 0 w 254"/>
+              <a:gd name="T5" fmla="*/ 119 h 1109"/>
+              <a:gd name="T6" fmla="*/ 254 w 254"/>
+              <a:gd name="T7" fmla="*/ 0 h 1109"/>
+              <a:gd name="T8" fmla="*/ 254 w 254"/>
+              <a:gd name="T9" fmla="*/ 987 h 1109"/>
+            </a:gdLst>
+            <a:ahLst/>
+            <a:cxnLst>
+              <a:cxn ang="0">
+                <a:pos x="T0" y="T1"/>
+              </a:cxn>
+              <a:cxn ang="0">
+                <a:pos x="T2" y="T3"/>
+              </a:cxn>
+              <a:cxn ang="0">
+                <a:pos x="T4" y="T5"/>
+              </a:cxn>
+              <a:cxn ang="0">
+                <a:pos x="T6" y="T7"/>
+              </a:cxn>
+              <a:cxn ang="0">
+                <a:pos x="T8" y="T9"/>
+              </a:cxn>
+            </a:cxnLst>
+            <a:rect l="0" t="0" r="r" b="b"/>
+            <a:pathLst>
+              <a:path w="254" h="1109">
+                <a:moveTo>
+                  <a:pt x="254" y="987"/>
+                </a:moveTo>
+                <a:lnTo>
+                  <a:pt x="0" y="1109"/>
+                </a:lnTo>
+                <a:lnTo>
+                  <a:pt x="0" y="119"/>
+                </a:lnTo>
+                <a:lnTo>
+                  <a:pt x="254" y="0"/>
+                </a:lnTo>
+                <a:lnTo>
+                  <a:pt x="254" y="987"/>
+                </a:lnTo>
+                <a:close/>
+              </a:path>
+            </a:pathLst>
+          </a:custGeom>
+          <a:solidFill>
+            <a:schemeClr val="accent1">
+              <a:lumMod val="75000"/>
+            </a:schemeClr>
+          </a:solidFill>
+          <a:ln>
+            <a:noFill/>
+          </a:ln>
+        </p:spPr>
+        <p:txBody>
+          <a:bodyPr vert="horz" wrap="square" lIns="91440" tIns="45720" rIns="91440" bIns="45720" numCol="1" anchor="t" anchorCtr="0" compatLnSpc="1">
+            <a:prstTxWarp prst="textNoShape">
+              <a:avLst/>
+            </a:prstTxWarp>
+          </a:bodyPr>
+          <a:lstStyle/>
+          <a:p>
+            <a:endParaRPr lang="en-US"/>
+          </a:p>
+        </p:txBody>
+      </p:sp>
+      <p:sp>
+        <p:nvSpPr>
+          <p:cNvPr id="33" name="Freeform 47">
+            <a:extLst>
+              <a:ext uri="{FF2B5EF4-FFF2-40B4-BE49-F238E27FC236}">
+                <a16:creationId xmlns:a16="http://schemas.microsoft.com/office/drawing/2014/main" id="{472E3A19-F5D5-48FC-BB9C-48C2F68F598B}"/>
+              </a:ext>
+              <a:ext uri="{C183D7F6-B498-43B3-948B-1728B52AA6E4}">
+                <adec:decorative xmlns:adec="http://schemas.microsoft.com/office/drawing/2017/decorative" val="1"/>
+              </a:ext>
+            </a:extLst>
+          </p:cNvPr>
+          <p:cNvSpPr>
+            <a:spLocks noGrp="1" noRot="1" noChangeAspect="1" noMove="1" noResize="1" noEditPoints="1" noAdjustHandles="1" noChangeArrowheads="1" noChangeShapeType="1" noTextEdit="1"/>
+          </p:cNvSpPr>
+          <p:nvPr>
+            <p:extLst>
+              <p:ext uri="{386F3935-93C4-4BCD-93E2-E3B085C9AB24}">
+                <p16:designElem xmlns:p16="http://schemas.microsoft.com/office/powerpoint/2015/main" val="1"/>
+              </p:ext>
+            </p:extLst>
+          </p:nvPr>
+        </p:nvSpPr>
+        <p:spPr bwMode="auto">
+          <a:xfrm>
+            <a:off x="644660" y="640894"/>
+            <a:ext cx="168275" cy="1713195"/>
+          </a:xfrm>
+          <a:custGeom>
+            <a:avLst/>
+            <a:gdLst>
+              <a:gd name="T0" fmla="*/ 106 w 106"/>
+              <a:gd name="T1" fmla="*/ 1114 h 1114"/>
+              <a:gd name="T2" fmla="*/ 0 w 106"/>
+              <a:gd name="T3" fmla="*/ 1005 h 1114"/>
+              <a:gd name="T4" fmla="*/ 0 w 106"/>
+              <a:gd name="T5" fmla="*/ 0 h 1114"/>
+              <a:gd name="T6" fmla="*/ 106 w 106"/>
+              <a:gd name="T7" fmla="*/ 110 h 1114"/>
+              <a:gd name="T8" fmla="*/ 106 w 106"/>
+              <a:gd name="T9" fmla="*/ 1114 h 1114"/>
+            </a:gdLst>
+            <a:ahLst/>
+            <a:cxnLst>
+              <a:cxn ang="0">
+                <a:pos x="T0" y="T1"/>
+              </a:cxn>
+              <a:cxn ang="0">
+                <a:pos x="T2" y="T3"/>
+              </a:cxn>
+              <a:cxn ang="0">
+                <a:pos x="T4" y="T5"/>
+              </a:cxn>
+              <a:cxn ang="0">
+                <a:pos x="T6" y="T7"/>
+              </a:cxn>
+              <a:cxn ang="0">
+                <a:pos x="T8" y="T9"/>
+              </a:cxn>
+            </a:cxnLst>
+            <a:rect l="0" t="0" r="r" b="b"/>
+            <a:pathLst>
+              <a:path w="106" h="1114">
+                <a:moveTo>
+                  <a:pt x="106" y="1114"/>
+                </a:moveTo>
+                <a:lnTo>
+                  <a:pt x="0" y="1005"/>
+                </a:lnTo>
+                <a:lnTo>
+                  <a:pt x="0" y="0"/>
+                </a:lnTo>
+                <a:lnTo>
+                  <a:pt x="106" y="110"/>
+                </a:lnTo>
+                <a:lnTo>
+                  <a:pt x="106" y="1114"/>
+                </a:lnTo>
+                <a:close/>
+              </a:path>
+            </a:pathLst>
+          </a:custGeom>
+          <a:solidFill>
+            <a:schemeClr val="accent1">
+              <a:lumMod val="50000"/>
+            </a:schemeClr>
+          </a:solidFill>
+          <a:ln>
+            <a:noFill/>
+          </a:ln>
+        </p:spPr>
+        <p:txBody>
+          <a:bodyPr vert="horz" wrap="square" lIns="91440" tIns="45720" rIns="91440" bIns="45720" numCol="1" anchor="t" anchorCtr="0" compatLnSpc="1">
+            <a:prstTxWarp prst="textNoShape">
+              <a:avLst/>
+            </a:prstTxWarp>
+          </a:bodyPr>
+          <a:lstStyle/>
+          <a:p>
+            <a:endParaRPr lang="en-US"/>
+          </a:p>
+        </p:txBody>
+      </p:sp>
+      <p:sp>
+        <p:nvSpPr>
+          <p:cNvPr id="35" name="Freeform 44">
+            <a:extLst>
+              <a:ext uri="{FF2B5EF4-FFF2-40B4-BE49-F238E27FC236}">
+                <a16:creationId xmlns:a16="http://schemas.microsoft.com/office/drawing/2014/main" id="{7A62E32F-BB65-43A8-8EB5-92346890E549}"/>
+              </a:ext>
+              <a:ext uri="{C183D7F6-B498-43B3-948B-1728B52AA6E4}">
+                <adec:decorative xmlns:adec="http://schemas.microsoft.com/office/drawing/2017/decorative" val="1"/>
+              </a:ext>
+            </a:extLst>
+          </p:cNvPr>
+          <p:cNvSpPr>
+            <a:spLocks noGrp="1" noRot="1" noChangeAspect="1" noMove="1" noResize="1" noEditPoints="1" noAdjustHandles="1" noChangeArrowheads="1" noChangeShapeType="1" noTextEdit="1"/>
+          </p:cNvSpPr>
+          <p:nvPr>
+            <p:extLst>
+              <p:ext uri="{386F3935-93C4-4BCD-93E2-E3B085C9AB24}">
+                <p16:designElem xmlns:p16="http://schemas.microsoft.com/office/powerpoint/2015/main" val="1"/>
+              </p:ext>
+            </p:extLst>
+          </p:nvPr>
+        </p:nvSpPr>
+        <p:spPr bwMode="auto">
+          <a:xfrm>
+            <a:off x="11223203" y="635716"/>
+            <a:ext cx="328612" cy="1742360"/>
+          </a:xfrm>
+          <a:custGeom>
+            <a:avLst/>
+            <a:gdLst>
+              <a:gd name="T0" fmla="*/ 207 w 207"/>
+              <a:gd name="T1" fmla="*/ 987 h 1114"/>
+              <a:gd name="T2" fmla="*/ 0 w 207"/>
+              <a:gd name="T3" fmla="*/ 1114 h 1114"/>
+              <a:gd name="T4" fmla="*/ 0 w 207"/>
+              <a:gd name="T5" fmla="*/ 127 h 1114"/>
+              <a:gd name="T6" fmla="*/ 207 w 207"/>
+              <a:gd name="T7" fmla="*/ 0 h 1114"/>
+              <a:gd name="T8" fmla="*/ 207 w 207"/>
+              <a:gd name="T9" fmla="*/ 987 h 1114"/>
+            </a:gdLst>
+            <a:ahLst/>
+            <a:cxnLst>
+              <a:cxn ang="0">
+                <a:pos x="T0" y="T1"/>
+              </a:cxn>
+              <a:cxn ang="0">
+                <a:pos x="T2" y="T3"/>
+              </a:cxn>
+              <a:cxn ang="0">
+                <a:pos x="T4" y="T5"/>
+              </a:cxn>
+              <a:cxn ang="0">
+                <a:pos x="T6" y="T7"/>
+              </a:cxn>
+              <a:cxn ang="0">
+                <a:pos x="T8" y="T9"/>
+              </a:cxn>
+            </a:cxnLst>
+            <a:rect l="0" t="0" r="r" b="b"/>
+            <a:pathLst>
+              <a:path w="207" h="1114">
+                <a:moveTo>
+                  <a:pt x="207" y="987"/>
+                </a:moveTo>
+                <a:lnTo>
+                  <a:pt x="0" y="1114"/>
+                </a:lnTo>
+                <a:lnTo>
+                  <a:pt x="0" y="127"/>
+                </a:lnTo>
+                <a:lnTo>
+                  <a:pt x="207" y="0"/>
+                </a:lnTo>
+                <a:lnTo>
+                  <a:pt x="207" y="987"/>
+                </a:lnTo>
+                <a:close/>
+              </a:path>
+            </a:pathLst>
+          </a:custGeom>
+          <a:solidFill>
+            <a:schemeClr val="accent1">
+              <a:lumMod val="50000"/>
+            </a:schemeClr>
+          </a:solidFill>
+          <a:ln>
+            <a:noFill/>
+          </a:ln>
+        </p:spPr>
+        <p:txBody>
+          <a:bodyPr vert="horz" wrap="square" lIns="91440" tIns="45720" rIns="91440" bIns="45720" numCol="1" anchor="t" anchorCtr="0" compatLnSpc="1">
+            <a:prstTxWarp prst="textNoShape">
+              <a:avLst/>
+            </a:prstTxWarp>
+          </a:bodyPr>
+          <a:lstStyle/>
+          <a:p>
+            <a:endParaRPr lang="en-US"/>
+          </a:p>
+        </p:txBody>
+      </p:sp>
+      <p:sp>
+        <p:nvSpPr>
+          <p:cNvPr id="37" name="Rectangle 36">
+            <a:extLst>
+              <a:ext uri="{FF2B5EF4-FFF2-40B4-BE49-F238E27FC236}">
+                <a16:creationId xmlns:a16="http://schemas.microsoft.com/office/drawing/2014/main" id="{14E91B64-9FCC-451E-AFB4-A827D6329367}"/>
+              </a:ext>
+              <a:ext uri="{C183D7F6-B498-43B3-948B-1728B52AA6E4}">
+                <adec:decorative xmlns:adec="http://schemas.microsoft.com/office/drawing/2017/decorative" val="1"/>
+              </a:ext>
+            </a:extLst>
+          </p:cNvPr>
+          <p:cNvSpPr>
+            <a:spLocks noGrp="1" noRot="1" noChangeAspect="1" noMove="1" noResize="1" noEditPoints="1" noAdjustHandles="1" noChangeArrowheads="1" noChangeShapeType="1" noTextEdit="1"/>
+          </p:cNvSpPr>
+          <p:nvPr>
+            <p:extLst>
+              <p:ext uri="{386F3935-93C4-4BCD-93E2-E3B085C9AB24}">
+                <p16:designElem xmlns:p16="http://schemas.microsoft.com/office/powerpoint/2015/main" val="1"/>
+              </p:ext>
+            </p:extLst>
+          </p:nvPr>
+        </p:nvSpPr>
+        <p:spPr bwMode="auto">
+          <a:xfrm>
+            <a:off x="644055" y="635715"/>
+            <a:ext cx="10907863" cy="1541457"/>
+          </a:xfrm>
+          <a:prstGeom prst="rect">
+            <a:avLst/>
+          </a:prstGeom>
+          <a:solidFill>
+            <a:schemeClr val="accent1"/>
+          </a:solidFill>
+          <a:ln>
+            <a:noFill/>
+          </a:ln>
+        </p:spPr>
+        <p:txBody>
+          <a:bodyPr vert="horz" wrap="square" lIns="91440" tIns="45720" rIns="91440" bIns="45720" numCol="1" anchor="t" anchorCtr="0" compatLnSpc="1">
+            <a:prstTxWarp prst="textNoShape">
+              <a:avLst/>
+            </a:prstTxWarp>
+          </a:bodyPr>
+          <a:lstStyle/>
+          <a:p>
+            <a:endParaRPr lang="en-US"/>
+          </a:p>
+        </p:txBody>
+      </p:sp>
+      <p:sp>
+        <p:nvSpPr>
+          <p:cNvPr id="2" name="Nadpis 1">
+            <a:extLst>
+              <a:ext uri="{FF2B5EF4-FFF2-40B4-BE49-F238E27FC236}">
+                <a16:creationId xmlns:a16="http://schemas.microsoft.com/office/drawing/2014/main" id="{254B6243-41F3-219F-4C67-F89E75C9E7B7}"/>
+              </a:ext>
+            </a:extLst>
+          </p:cNvPr>
+          <p:cNvSpPr>
+            <a:spLocks noGrp="1"/>
+          </p:cNvSpPr>
+          <p:nvPr>
+            <p:ph type="title"/>
+          </p:nvPr>
+        </p:nvSpPr>
+        <p:spPr>
+          <a:xfrm>
+            <a:off x="958506" y="800392"/>
+            <a:ext cx="10264697" cy="1212102"/>
+          </a:xfrm>
+        </p:spPr>
+        <p:txBody>
+          <a:bodyPr>
+            <a:normAutofit/>
+          </a:bodyPr>
+          <a:lstStyle/>
+          <a:p>
+            <a:r>
+              <a:rPr lang="sk-SK" sz="4000" b="1">
+                <a:solidFill>
+                  <a:srgbClr val="FFFFFF"/>
+                </a:solidFill>
+              </a:rPr>
+              <a:t>Unit testy</a:t>
+            </a:r>
+          </a:p>
+        </p:txBody>
+      </p:sp>
+      <p:sp>
+        <p:nvSpPr>
+          <p:cNvPr id="3" name="Zástupný objekt pre obsah 2">
+            <a:extLst>
+              <a:ext uri="{FF2B5EF4-FFF2-40B4-BE49-F238E27FC236}">
+                <a16:creationId xmlns:a16="http://schemas.microsoft.com/office/drawing/2014/main" id="{6A65D9F0-F309-E249-90FD-6A1B9582E535}"/>
+              </a:ext>
+            </a:extLst>
+          </p:cNvPr>
+          <p:cNvSpPr>
+            <a:spLocks noGrp="1"/>
+          </p:cNvSpPr>
+          <p:nvPr>
+            <p:ph idx="1"/>
+          </p:nvPr>
+        </p:nvSpPr>
+        <p:spPr>
+          <a:xfrm>
+            <a:off x="1367624" y="2490436"/>
+            <a:ext cx="9708995" cy="3567173"/>
+          </a:xfrm>
+        </p:spPr>
+        <p:txBody>
+          <a:bodyPr anchor="ctr">
+            <a:normAutofit/>
+          </a:bodyPr>
+          <a:lstStyle/>
+          <a:p>
+            <a:pPr>
+              <a:spcAft>
+                <a:spcPts val="800"/>
+              </a:spcAft>
+            </a:pPr>
+            <a:r>
+              <a:rPr lang="sk-SK" sz="2200">
+                <a:effectLst/>
+                <a:latin typeface="Calibri" panose="020F0502020204030204" pitchFamily="34" charset="0"/>
+                <a:ea typeface="Calibri" panose="020F0502020204030204" pitchFamily="34" charset="0"/>
+                <a:cs typeface="Times New Roman" panose="02020603050405020304" pitchFamily="18" charset="0"/>
+              </a:rPr>
+              <a:t>Unit testovanie je typ testovania softvéru, pri ktorom sa testujú jednotlivé jednotky alebo komponenty. Účelom je overiť, či každá jednotka softvérového kódu funguje podľa očakávania. Unit testovanie sa vykonáva počas vývoja (počas fázy kódovania) aplikácie vývojármi. Unit testy izolujú časť kódu a overujú jeho správnosť. Jednotkami softvéru považujeme individuálne funkcie, metódy, procedúry, moduly alebo objekty. Testovanie softvéru začína ešte pred dokončením aplikácie. Týmto spôsobom sú chyby odhalené skôr, ako sa stratia v kódoch. </a:t>
+            </a:r>
+          </a:p>
+          <a:p>
+            <a:r>
+              <a:rPr lang="sk-SK" sz="2200">
+                <a:effectLst/>
+                <a:latin typeface="Calibri" panose="020F0502020204030204" pitchFamily="34" charset="0"/>
+                <a:ea typeface="Calibri" panose="020F0502020204030204" pitchFamily="34" charset="0"/>
+                <a:cs typeface="Times New Roman" panose="02020603050405020304" pitchFamily="18" charset="0"/>
+              </a:rPr>
+              <a:t>Unit testovanie je prvou vrstvou celého testovacieho procesu, ktorým musí softvér prejsť pred jeho spustením a vydaním. </a:t>
+            </a:r>
+          </a:p>
+          <a:p>
+            <a:endParaRPr lang="sk-SK" sz="2200"/>
+          </a:p>
+        </p:txBody>
+      </p:sp>
+    </p:spTree>
+    <p:extLst>
+      <p:ext uri="{BB962C8B-B14F-4D97-AF65-F5344CB8AC3E}">
+        <p14:creationId xmlns:p14="http://schemas.microsoft.com/office/powerpoint/2010/main" val="4135457424"/>
+      </p:ext>
+    </p:extLst>
+  </p:cSld>
+  <p:clrMapOvr>
+    <a:masterClrMapping/>
+  </p:clrMapOvr>
+</p:sld>
+</file>
+
+<file path=ppt/slides/slide50.xml><?xml version="1.0" encoding="utf-8"?>
 <p:sld xmlns:a="http://schemas.openxmlformats.org/drawingml/2006/main" xmlns:r="http://schemas.openxmlformats.org/officeDocument/2006/relationships" xmlns:p="http://schemas.openxmlformats.org/presentationml/2006/main">
   <p:cSld>
     <p:spTree>
@@ -38755,7 +38634,7 @@
 </p:sld>
 </file>
 
-<file path=ppt/slides/slide52.xml><?xml version="1.0" encoding="utf-8"?>
+<file path=ppt/slides/slide51.xml><?xml version="1.0" encoding="utf-8"?>
 <p:sld xmlns:a="http://schemas.openxmlformats.org/drawingml/2006/main" xmlns:r="http://schemas.openxmlformats.org/officeDocument/2006/relationships" xmlns:p="http://schemas.openxmlformats.org/presentationml/2006/main">
   <p:cSld>
     <p:spTree>
@@ -39130,7 +39009,7 @@
 </p:sld>
 </file>
 
-<file path=ppt/slides/slide53.xml><?xml version="1.0" encoding="utf-8"?>
+<file path=ppt/slides/slide52.xml><?xml version="1.0" encoding="utf-8"?>
 <p:sld xmlns:a="http://schemas.openxmlformats.org/drawingml/2006/main" xmlns:r="http://schemas.openxmlformats.org/officeDocument/2006/relationships" xmlns:p="http://schemas.openxmlformats.org/presentationml/2006/main">
   <p:cSld>
     <p:bg>
@@ -39295,7 +39174,7 @@
 </p:sld>
 </file>
 
-<file path=ppt/slides/slide54.xml><?xml version="1.0" encoding="utf-8"?>
+<file path=ppt/slides/slide53.xml><?xml version="1.0" encoding="utf-8"?>
 <p:sld xmlns:a="http://schemas.openxmlformats.org/drawingml/2006/main" xmlns:r="http://schemas.openxmlformats.org/officeDocument/2006/relationships" xmlns:p="http://schemas.openxmlformats.org/presentationml/2006/main">
   <p:cSld>
     <p:spTree>
@@ -39385,7 +39264,7 @@
 </p:sld>
 </file>
 
-<file path=ppt/slides/slide55.xml><?xml version="1.0" encoding="utf-8"?>
+<file path=ppt/slides/slide54.xml><?xml version="1.0" encoding="utf-8"?>
 <p:sld xmlns:a="http://schemas.openxmlformats.org/drawingml/2006/main" xmlns:r="http://schemas.openxmlformats.org/officeDocument/2006/relationships" xmlns:p="http://schemas.openxmlformats.org/presentationml/2006/main">
   <p:cSld>
     <p:spTree>
@@ -39514,7 +39393,7 @@
 </p:sld>
 </file>
 
-<file path=ppt/slides/slide56.xml><?xml version="1.0" encoding="utf-8"?>
+<file path=ppt/slides/slide55.xml><?xml version="1.0" encoding="utf-8"?>
 <p:sld xmlns:a="http://schemas.openxmlformats.org/drawingml/2006/main" xmlns:r="http://schemas.openxmlformats.org/officeDocument/2006/relationships" xmlns:p="http://schemas.openxmlformats.org/presentationml/2006/main">
   <p:cSld>
     <p:bg>
@@ -40234,7 +40113,7 @@
 </p:sld>
 </file>
 
-<file path=ppt/slides/slide57.xml><?xml version="1.0" encoding="utf-8"?>
+<file path=ppt/slides/slide56.xml><?xml version="1.0" encoding="utf-8"?>
 <p:sld xmlns:a="http://schemas.openxmlformats.org/drawingml/2006/main" xmlns:r="http://schemas.openxmlformats.org/officeDocument/2006/relationships" xmlns:p="http://schemas.openxmlformats.org/presentationml/2006/main">
   <p:cSld>
     <p:spTree>
@@ -40650,6 +40529,36 @@
               <a:buFont typeface="Arial" panose="020B0604020202020204" pitchFamily="34" charset="0"/>
               <a:buNone/>
             </a:pPr>
+            <a:r>
+              <a:rPr lang="sk-SK" sz="1200" dirty="0">
+                <a:latin typeface="Times New Roman" panose="02020603050405020304" pitchFamily="18" charset="0"/>
+                <a:cs typeface="Times New Roman" panose="02020603050405020304" pitchFamily="18" charset="0"/>
+              </a:rPr>
+              <a:t>Integračné testy:</a:t>
+            </a:r>
+          </a:p>
+          <a:p>
+            <a:r>
+              <a:rPr lang="sk-SK" sz="1200" dirty="0">
+                <a:latin typeface="Times New Roman" panose="02020603050405020304" pitchFamily="18" charset="0"/>
+                <a:cs typeface="Times New Roman" panose="02020603050405020304" pitchFamily="18" charset="0"/>
+                <a:hlinkClick r:id="rId11"/>
+              </a:rPr>
+              <a:t>https://www.atlassian.com/continuous-delivery/software-testing/types-of-software-testing</a:t>
+            </a:r>
+            <a:endParaRPr lang="sk-SK" sz="1200" dirty="0">
+              <a:latin typeface="Times New Roman" panose="02020603050405020304" pitchFamily="18" charset="0"/>
+              <a:cs typeface="Times New Roman" panose="02020603050405020304" pitchFamily="18" charset="0"/>
+            </a:endParaRPr>
+          </a:p>
+          <a:p>
+            <a:r>
+              <a:rPr lang="sk-SK" sz="1200" dirty="0">
+                <a:latin typeface="Times New Roman" panose="02020603050405020304" pitchFamily="18" charset="0"/>
+                <a:cs typeface="Times New Roman" panose="02020603050405020304" pitchFamily="18" charset="0"/>
+              </a:rPr>
+              <a:t>https://www.guru99.com/software-testing-introduction-importance.html</a:t>
+            </a:r>
             <a:br>
               <a:rPr lang="sk-SK" dirty="0"/>
             </a:br>
